--- a/public/documents/Intro2JavaScript2.pptx
+++ b/public/documents/Intro2JavaScript2.pptx
@@ -6,7 +6,7 @@
     <p:sldMasterId id="2147483750" r:id="rId2"/>
   </p:sldMasterIdLst>
   <p:notesMasterIdLst>
-    <p:notesMasterId r:id="rId39"/>
+    <p:notesMasterId r:id="rId12"/>
   </p:notesMasterIdLst>
   <p:sldIdLst>
     <p:sldId id="257" r:id="rId3"/>
@@ -17,34 +17,7 @@
     <p:sldId id="319" r:id="rId8"/>
     <p:sldId id="320" r:id="rId9"/>
     <p:sldId id="290" r:id="rId10"/>
-    <p:sldId id="291" r:id="rId11"/>
-    <p:sldId id="292" r:id="rId12"/>
-    <p:sldId id="293" r:id="rId13"/>
-    <p:sldId id="294" r:id="rId14"/>
-    <p:sldId id="295" r:id="rId15"/>
-    <p:sldId id="296" r:id="rId16"/>
-    <p:sldId id="297" r:id="rId17"/>
-    <p:sldId id="298" r:id="rId18"/>
-    <p:sldId id="299" r:id="rId19"/>
-    <p:sldId id="300" r:id="rId20"/>
-    <p:sldId id="301" r:id="rId21"/>
-    <p:sldId id="302" r:id="rId22"/>
-    <p:sldId id="303" r:id="rId23"/>
-    <p:sldId id="304" r:id="rId24"/>
-    <p:sldId id="305" r:id="rId25"/>
-    <p:sldId id="306" r:id="rId26"/>
-    <p:sldId id="307" r:id="rId27"/>
-    <p:sldId id="308" r:id="rId28"/>
-    <p:sldId id="309" r:id="rId29"/>
-    <p:sldId id="310" r:id="rId30"/>
-    <p:sldId id="311" r:id="rId31"/>
-    <p:sldId id="312" r:id="rId32"/>
-    <p:sldId id="313" r:id="rId33"/>
-    <p:sldId id="314" r:id="rId34"/>
-    <p:sldId id="315" r:id="rId35"/>
-    <p:sldId id="316" r:id="rId36"/>
-    <p:sldId id="317" r:id="rId37"/>
-    <p:sldId id="318" r:id="rId38"/>
+    <p:sldId id="300" r:id="rId11"/>
   </p:sldIdLst>
   <p:sldSz cx="13004800" cy="9753600"/>
   <p:notesSz cx="6858000" cy="9144000"/>
@@ -230,7 +203,7 @@
         <p:nvSpPr>
           <p:cNvPr id="37890" name="Rectangle 1"/>
           <p:cNvSpPr>
-            <a:spLocks/>
+            <a:spLocks noGrp="1" noRot="1" noChangeAspect="1"/>
           </p:cNvSpPr>
           <p:nvPr>
             <p:ph type="sldImg"/>
@@ -905,7 +878,7 @@
             <a:fld id="{87DE6118-2437-4B30-8E3C-4D2BE6020583}" type="datetimeFigureOut">
               <a:rPr lang="en-US" smtClean="0"/>
               <a:pPr/>
-              <a:t>2/19/2017</a:t>
+              <a:t>2/20/2017</a:t>
             </a:fld>
             <a:endParaRPr lang="en-US" dirty="0"/>
           </a:p>
@@ -1090,7 +1063,7 @@
           <a:p>
             <a:fld id="{87DE6118-2437-4B30-8E3C-4D2BE6020583}" type="datetimeFigureOut">
               <a:rPr lang="en-US" smtClean="0"/>
-              <a:t>2/19/2017</a:t>
+              <a:t>2/20/2017</a:t>
             </a:fld>
             <a:endParaRPr lang="en-US" dirty="0"/>
           </a:p>
@@ -1274,7 +1247,7 @@
           <a:p>
             <a:fld id="{87DE6118-2437-4B30-8E3C-4D2BE6020583}" type="datetimeFigureOut">
               <a:rPr lang="en-US" smtClean="0"/>
-              <a:t>2/19/2017</a:t>
+              <a:t>2/20/2017</a:t>
             </a:fld>
             <a:endParaRPr lang="en-US" dirty="0"/>
           </a:p>
@@ -1740,7 +1713,7 @@
           <a:p>
             <a:fld id="{444FA04C-D7CF-4861-95F0-3F5ACF508755}" type="datetimeFigureOut">
               <a:rPr lang="en-US" dirty="0"/>
-              <a:t>2/19/2017</a:t>
+              <a:t>2/20/2017</a:t>
             </a:fld>
             <a:endParaRPr lang="en-US" dirty="0"/>
           </a:p>
@@ -1925,7 +1898,7 @@
           <a:p>
             <a:fld id="{0D6BC42F-EA91-460E-9436-9A6C9B1CB0C6}" type="datetimeFigureOut">
               <a:rPr lang="en-US" dirty="0"/>
-              <a:t>2/19/2017</a:t>
+              <a:t>2/20/2017</a:t>
             </a:fld>
             <a:endParaRPr lang="en-US" dirty="0"/>
           </a:p>
@@ -2251,7 +2224,7 @@
           <a:p>
             <a:fld id="{823D4350-0632-4F67-B357-AFC21C62564D}" type="datetimeFigureOut">
               <a:rPr lang="en-US" dirty="0"/>
-              <a:t>2/19/2017</a:t>
+              <a:t>2/20/2017</a:t>
             </a:fld>
             <a:endParaRPr lang="en-US" dirty="0"/>
           </a:p>
@@ -2650,7 +2623,7 @@
           <a:p>
             <a:fld id="{87F31A35-803D-44FA-BA88-E6B5FB347587}" type="datetimeFigureOut">
               <a:rPr lang="en-US" dirty="0"/>
-              <a:t>2/19/2017</a:t>
+              <a:t>2/20/2017</a:t>
             </a:fld>
             <a:endParaRPr lang="en-US" dirty="0"/>
           </a:p>
@@ -3084,7 +3057,7 @@
           <a:p>
             <a:fld id="{14956CED-B3EE-49D9-9922-CBB48E543356}" type="datetimeFigureOut">
               <a:rPr lang="en-US" dirty="0"/>
-              <a:t>2/19/2017</a:t>
+              <a:t>2/20/2017</a:t>
             </a:fld>
             <a:endParaRPr lang="en-US" dirty="0"/>
           </a:p>
@@ -3212,7 +3185,7 @@
           <a:p>
             <a:fld id="{3F9237B0-CC05-45CB-9D8E-44851499E325}" type="datetimeFigureOut">
               <a:rPr lang="en-US" dirty="0"/>
-              <a:t>2/19/2017</a:t>
+              <a:t>2/20/2017</a:t>
             </a:fld>
             <a:endParaRPr lang="en-US" dirty="0"/>
           </a:p>
@@ -3317,7 +3290,7 @@
           <a:p>
             <a:fld id="{B7B41777-83B6-4CFA-89A1-52400FB2059F}" type="datetimeFigureOut">
               <a:rPr lang="en-US" dirty="0"/>
-              <a:t>2/19/2017</a:t>
+              <a:t>2/20/2017</a:t>
             </a:fld>
             <a:endParaRPr lang="en-US" dirty="0"/>
           </a:p>
@@ -3758,7 +3731,7 @@
           <a:p>
             <a:fld id="{6F6AA2A1-C9A8-42DC-AF5F-29D58FE3A81E}" type="datetimeFigureOut">
               <a:rPr lang="en-US" dirty="0"/>
-              <a:t>2/19/2017</a:t>
+              <a:t>2/20/2017</a:t>
             </a:fld>
             <a:endParaRPr lang="en-US" dirty="0"/>
           </a:p>
@@ -3929,7 +3902,7 @@
           <a:p>
             <a:fld id="{87DE6118-2437-4B30-8E3C-4D2BE6020583}" type="datetimeFigureOut">
               <a:rPr lang="en-US" smtClean="0"/>
-              <a:t>2/19/2017</a:t>
+              <a:t>2/20/2017</a:t>
             </a:fld>
             <a:endParaRPr lang="en-US" dirty="0"/>
           </a:p>
@@ -4356,7 +4329,7 @@
           <a:p>
             <a:fld id="{18FC28B6-2144-4760-B3DF-18C646FA52B1}" type="datetimeFigureOut">
               <a:rPr lang="en-US" dirty="0"/>
-              <a:t>2/19/2017</a:t>
+              <a:t>2/20/2017</a:t>
             </a:fld>
             <a:endParaRPr lang="en-US" dirty="0"/>
           </a:p>
@@ -4508,7 +4481,7 @@
           <a:p>
             <a:fld id="{4B45B24B-F41A-4540-8EEC-C29B4F79802D}" type="datetimeFigureOut">
               <a:rPr lang="en-US" dirty="0"/>
-              <a:t>2/19/2017</a:t>
+              <a:t>2/20/2017</a:t>
             </a:fld>
             <a:endParaRPr lang="en-US" dirty="0"/>
           </a:p>
@@ -4693,7 +4666,7 @@
           <a:p>
             <a:fld id="{CFBF989E-5397-49EE-B0F5-E72D9FFD7EC0}" type="datetimeFigureOut">
               <a:rPr lang="en-US" dirty="0"/>
-              <a:t>2/19/2017</a:t>
+              <a:t>2/20/2017</a:t>
             </a:fld>
             <a:endParaRPr lang="en-US" dirty="0"/>
           </a:p>
@@ -5020,7 +4993,7 @@
             <a:fld id="{87DE6118-2437-4B30-8E3C-4D2BE6020583}" type="datetimeFigureOut">
               <a:rPr lang="en-US" smtClean="0"/>
               <a:pPr/>
-              <a:t>2/19/2017</a:t>
+              <a:t>2/20/2017</a:t>
             </a:fld>
             <a:endParaRPr lang="en-US" dirty="0"/>
           </a:p>
@@ -5419,7 +5392,7 @@
           <a:p>
             <a:fld id="{87DE6118-2437-4B30-8E3C-4D2BE6020583}" type="datetimeFigureOut">
               <a:rPr lang="en-US" smtClean="0"/>
-              <a:t>2/19/2017</a:t>
+              <a:t>2/20/2017</a:t>
             </a:fld>
             <a:endParaRPr lang="en-US" dirty="0"/>
           </a:p>
@@ -5853,7 +5826,7 @@
           <a:p>
             <a:fld id="{87DE6118-2437-4B30-8E3C-4D2BE6020583}" type="datetimeFigureOut">
               <a:rPr lang="en-US" smtClean="0"/>
-              <a:t>2/19/2017</a:t>
+              <a:t>2/20/2017</a:t>
             </a:fld>
             <a:endParaRPr lang="en-US" dirty="0"/>
           </a:p>
@@ -5981,7 +5954,7 @@
           <a:p>
             <a:fld id="{87DE6118-2437-4B30-8E3C-4D2BE6020583}" type="datetimeFigureOut">
               <a:rPr lang="en-US" smtClean="0"/>
-              <a:t>2/19/2017</a:t>
+              <a:t>2/20/2017</a:t>
             </a:fld>
             <a:endParaRPr lang="en-US" dirty="0"/>
           </a:p>
@@ -6086,7 +6059,7 @@
           <a:p>
             <a:fld id="{87DE6118-2437-4B30-8E3C-4D2BE6020583}" type="datetimeFigureOut">
               <a:rPr lang="en-US" smtClean="0"/>
-              <a:t>2/19/2017</a:t>
+              <a:t>2/20/2017</a:t>
             </a:fld>
             <a:endParaRPr lang="en-US" dirty="0"/>
           </a:p>
@@ -6528,7 +6501,7 @@
             <a:fld id="{87DE6118-2437-4B30-8E3C-4D2BE6020583}" type="datetimeFigureOut">
               <a:rPr lang="en-US" smtClean="0"/>
               <a:pPr/>
-              <a:t>2/19/2017</a:t>
+              <a:t>2/20/2017</a:t>
             </a:fld>
             <a:endParaRPr lang="en-US" dirty="0"/>
           </a:p>
@@ -6957,7 +6930,7 @@
             <a:fld id="{87DE6118-2437-4B30-8E3C-4D2BE6020583}" type="datetimeFigureOut">
               <a:rPr lang="en-US" smtClean="0"/>
               <a:pPr/>
-              <a:t>2/19/2017</a:t>
+              <a:t>2/20/2017</a:t>
             </a:fld>
             <a:endParaRPr lang="en-US" dirty="0"/>
           </a:p>
@@ -7243,7 +7216,7 @@
           <a:p>
             <a:fld id="{251F38EA-B09F-4C97-9264-D1353869D1EA}" type="datetimeFigureOut">
               <a:rPr lang="en-US" dirty="0"/>
-              <a:t>2/19/2017</a:t>
+              <a:t>2/20/2017</a:t>
             </a:fld>
             <a:endParaRPr lang="en-US" dirty="0"/>
           </a:p>
@@ -7964,7 +7937,7 @@
           <a:p>
             <a:fld id="{251F38EA-B09F-4C97-9264-D1353869D1EA}" type="datetimeFigureOut">
               <a:rPr lang="en-US" dirty="0"/>
-              <a:t>2/19/2017</a:t>
+              <a:t>2/20/2017</a:t>
             </a:fld>
             <a:endParaRPr lang="en-US" dirty="0"/>
           </a:p>
@@ -8641,3317 +8614,6 @@
 </p:sld>
 </file>
 
-<file path=ppt/slides/slide10.xml><?xml version="1.0" encoding="utf-8"?>
-<p:sld xmlns:a="http://schemas.openxmlformats.org/drawingml/2006/main" xmlns:r="http://schemas.openxmlformats.org/officeDocument/2006/relationships" xmlns:p="http://schemas.openxmlformats.org/presentationml/2006/main">
-  <p:cSld>
-    <p:spTree>
-      <p:nvGrpSpPr>
-        <p:cNvPr id="1" name=""/>
-        <p:cNvGrpSpPr/>
-        <p:nvPr/>
-      </p:nvGrpSpPr>
-      <p:grpSpPr>
-        <a:xfrm>
-          <a:off x="0" y="0"/>
-          <a:ext cx="0" cy="0"/>
-          <a:chOff x="0" y="0"/>
-          <a:chExt cx="0" cy="0"/>
-        </a:xfrm>
-      </p:grpSpPr>
-      <p:sp>
-        <p:nvSpPr>
-          <p:cNvPr id="75778" name="Rectangle 1"/>
-          <p:cNvSpPr>
-            <a:spLocks noGrp="1" noChangeArrowheads="1"/>
-          </p:cNvSpPr>
-          <p:nvPr>
-            <p:ph type="title"/>
-          </p:nvPr>
-        </p:nvSpPr>
-        <p:spPr>
-          <a:xfrm>
-            <a:off x="0" y="0"/>
-            <a:ext cx="13004800" cy="9752013"/>
-          </a:xfrm>
-        </p:spPr>
-        <p:txBody>
-          <a:bodyPr lIns="635000" tIns="635000" rIns="635000" bIns="635000"/>
-          <a:lstStyle/>
-          <a:p>
-            <a:pPr eaLnBrk="1"/>
-            <a:r>
-              <a:rPr lang="en-US" altLang="en-US" sz="4000">
-                <a:latin typeface="Courier" charset="0"/>
-                <a:sym typeface="Courier" charset="0"/>
-              </a:rPr>
-              <a:t>colors = [                       ];</a:t>
-            </a:r>
-            <a:endParaRPr lang="en-US" altLang="en-US" sz="1800">
-              <a:solidFill>
-                <a:srgbClr val="000000"/>
-              </a:solidFill>
-              <a:latin typeface="Courier" charset="0"/>
-              <a:sym typeface="Courier" charset="0"/>
-            </a:endParaRPr>
-          </a:p>
-        </p:txBody>
-      </p:sp>
-      <p:pic>
-        <p:nvPicPr>
-          <p:cNvPr id="41986" name="Picture 2" descr="next.png"/>
-          <p:cNvPicPr>
-            <a:picLocks noChangeAspect="1"/>
-          </p:cNvPicPr>
-          <p:nvPr/>
-        </p:nvPicPr>
-        <p:blipFill>
-          <a:blip r:embed="rId2">
-            <a:extLst>
-              <a:ext uri="{28A0092B-C50C-407E-A947-70E740481C1C}">
-                <a14:useLocalDpi xmlns:a14="http://schemas.microsoft.com/office/drawing/2010/main" val="0"/>
-              </a:ext>
-            </a:extLst>
-          </a:blip>
-          <a:srcRect/>
-          <a:stretch>
-            <a:fillRect/>
-          </a:stretch>
-        </p:blipFill>
-        <p:spPr bwMode="auto">
-          <a:xfrm>
-            <a:off x="12115800" y="8864600"/>
-            <a:ext cx="635000" cy="635000"/>
-          </a:xfrm>
-          <a:prstGeom prst="rect">
-            <a:avLst/>
-          </a:prstGeom>
-          <a:noFill/>
-          <a:ln>
-            <a:noFill/>
-          </a:ln>
-          <a:extLst>
-            <a:ext uri="{909E8E84-426E-40DD-AFC4-6F175D3DCCD1}">
-              <a14:hiddenFill xmlns:a14="http://schemas.microsoft.com/office/drawing/2010/main">
-                <a:solidFill>
-                  <a:srgbClr val="FFFFFF"/>
-                </a:solidFill>
-              </a14:hiddenFill>
-            </a:ext>
-            <a:ext uri="{91240B29-F687-4F45-9708-019B960494DF}">
-              <a14:hiddenLine xmlns:a14="http://schemas.microsoft.com/office/drawing/2010/main" w="12700">
-                <a:solidFill>
-                  <a:srgbClr val="000000"/>
-                </a:solidFill>
-                <a:miter lim="0"/>
-                <a:headEnd/>
-                <a:tailEnd/>
-              </a14:hiddenLine>
-            </a:ext>
-          </a:extLst>
-        </p:spPr>
-      </p:pic>
-    </p:spTree>
-  </p:cSld>
-  <p:clrMapOvr>
-    <a:masterClrMapping/>
-  </p:clrMapOvr>
-  <p:transition spd="slow">
-    <p:push/>
-  </p:transition>
-  <p:timing>
-    <p:tnLst>
-      <p:par>
-        <p:cTn id="1" dur="indefinite" restart="never" nodeType="tmRoot">
-          <p:childTnLst>
-            <p:seq concurrent="1" nextAc="seek">
-              <p:cTn id="2" dur="indefinite" nodeType="mainSeq">
-                <p:childTnLst>
-                  <p:par>
-                    <p:cTn id="3" fill="hold" nodeType="clickPar">
-                      <p:stCondLst>
-                        <p:cond delay="indefinite"/>
-                        <p:cond evt="onBegin" delay="0">
-                          <p:tn val="2"/>
-                        </p:cond>
-                      </p:stCondLst>
-                      <p:childTnLst>
-                        <p:par>
-                          <p:cTn id="4" fill="hold" nodeType="withGroup">
-                            <p:stCondLst>
-                              <p:cond delay="0"/>
-                            </p:stCondLst>
-                            <p:childTnLst>
-                              <p:par>
-                                <p:cTn id="5" presetID="0" presetClass="entr" presetSubtype="0" fill="hold" nodeType="afterEffect">
-                                  <p:stCondLst>
-                                    <p:cond delay="0"/>
-                                  </p:stCondLst>
-                                  <p:childTnLst>
-                                    <p:set>
-                                      <p:cBhvr>
-                                        <p:cTn id="6" dur="1" fill="hold">
-                                          <p:stCondLst>
-                                            <p:cond delay="499"/>
-                                          </p:stCondLst>
-                                        </p:cTn>
-                                        <p:tgtEl>
-                                          <p:spTgt spid="41986"/>
-                                        </p:tgtEl>
-                                        <p:attrNameLst>
-                                          <p:attrName>style.visibility</p:attrName>
-                                        </p:attrNameLst>
-                                      </p:cBhvr>
-                                      <p:to>
-                                        <p:strVal val="visible"/>
-                                      </p:to>
-                                    </p:set>
-                                  </p:childTnLst>
-                                </p:cTn>
-                              </p:par>
-                            </p:childTnLst>
-                          </p:cTn>
-                        </p:par>
-                      </p:childTnLst>
-                    </p:cTn>
-                  </p:par>
-                </p:childTnLst>
-              </p:cTn>
-              <p:prevCondLst>
-                <p:cond evt="onPrev" delay="0">
-                  <p:tgtEl>
-                    <p:sldTgt/>
-                  </p:tgtEl>
-                </p:cond>
-              </p:prevCondLst>
-              <p:nextCondLst>
-                <p:cond evt="onNext" delay="0">
-                  <p:tgtEl>
-                    <p:sldTgt/>
-                  </p:tgtEl>
-                </p:cond>
-              </p:nextCondLst>
-            </p:seq>
-          </p:childTnLst>
-        </p:cTn>
-      </p:par>
-    </p:tnLst>
-  </p:timing>
-</p:sld>
-</file>
-
-<file path=ppt/slides/slide11.xml><?xml version="1.0" encoding="utf-8"?>
-<p:sld xmlns:a="http://schemas.openxmlformats.org/drawingml/2006/main" xmlns:r="http://schemas.openxmlformats.org/officeDocument/2006/relationships" xmlns:p="http://schemas.openxmlformats.org/presentationml/2006/main">
-  <p:cSld>
-    <p:spTree>
-      <p:nvGrpSpPr>
-        <p:cNvPr id="1" name=""/>
-        <p:cNvGrpSpPr/>
-        <p:nvPr/>
-      </p:nvGrpSpPr>
-      <p:grpSpPr>
-        <a:xfrm>
-          <a:off x="0" y="0"/>
-          <a:ext cx="0" cy="0"/>
-          <a:chOff x="0" y="0"/>
-          <a:chExt cx="0" cy="0"/>
-        </a:xfrm>
-      </p:grpSpPr>
-      <p:sp>
-        <p:nvSpPr>
-          <p:cNvPr id="76802" name="Rectangle 1"/>
-          <p:cNvSpPr>
-            <a:spLocks noGrp="1" noChangeArrowheads="1"/>
-          </p:cNvSpPr>
-          <p:nvPr>
-            <p:ph type="title"/>
-          </p:nvPr>
-        </p:nvSpPr>
-        <p:spPr>
-          <a:xfrm>
-            <a:off x="0" y="0"/>
-            <a:ext cx="13004800" cy="9752013"/>
-          </a:xfrm>
-        </p:spPr>
-        <p:txBody>
-          <a:bodyPr lIns="635000" tIns="635000" rIns="635000" bIns="635000"/>
-          <a:lstStyle/>
-          <a:p>
-            <a:pPr eaLnBrk="1"/>
-            <a:r>
-              <a:rPr lang="en-US" altLang="en-US" sz="4000">
-                <a:latin typeface="Courier" charset="0"/>
-                <a:sym typeface="Courier" charset="0"/>
-              </a:rPr>
-              <a:t>colors = [‘pink’                 ];</a:t>
-            </a:r>
-            <a:endParaRPr lang="en-US" altLang="en-US" sz="1800">
-              <a:solidFill>
-                <a:srgbClr val="000000"/>
-              </a:solidFill>
-              <a:latin typeface="Courier" charset="0"/>
-              <a:sym typeface="Courier" charset="0"/>
-            </a:endParaRPr>
-          </a:p>
-        </p:txBody>
-      </p:sp>
-      <p:pic>
-        <p:nvPicPr>
-          <p:cNvPr id="43010" name="Picture 2" descr="next.png"/>
-          <p:cNvPicPr>
-            <a:picLocks noChangeAspect="1"/>
-          </p:cNvPicPr>
-          <p:nvPr/>
-        </p:nvPicPr>
-        <p:blipFill>
-          <a:blip r:embed="rId2">
-            <a:extLst>
-              <a:ext uri="{28A0092B-C50C-407E-A947-70E740481C1C}">
-                <a14:useLocalDpi xmlns:a14="http://schemas.microsoft.com/office/drawing/2010/main" val="0"/>
-              </a:ext>
-            </a:extLst>
-          </a:blip>
-          <a:srcRect/>
-          <a:stretch>
-            <a:fillRect/>
-          </a:stretch>
-        </p:blipFill>
-        <p:spPr bwMode="auto">
-          <a:xfrm>
-            <a:off x="12115800" y="8864600"/>
-            <a:ext cx="635000" cy="635000"/>
-          </a:xfrm>
-          <a:prstGeom prst="rect">
-            <a:avLst/>
-          </a:prstGeom>
-          <a:noFill/>
-          <a:ln>
-            <a:noFill/>
-          </a:ln>
-          <a:extLst>
-            <a:ext uri="{909E8E84-426E-40DD-AFC4-6F175D3DCCD1}">
-              <a14:hiddenFill xmlns:a14="http://schemas.microsoft.com/office/drawing/2010/main">
-                <a:solidFill>
-                  <a:srgbClr val="FFFFFF"/>
-                </a:solidFill>
-              </a14:hiddenFill>
-            </a:ext>
-            <a:ext uri="{91240B29-F687-4F45-9708-019B960494DF}">
-              <a14:hiddenLine xmlns:a14="http://schemas.microsoft.com/office/drawing/2010/main" w="12700">
-                <a:solidFill>
-                  <a:srgbClr val="000000"/>
-                </a:solidFill>
-                <a:miter lim="0"/>
-                <a:headEnd/>
-                <a:tailEnd/>
-              </a14:hiddenLine>
-            </a:ext>
-          </a:extLst>
-        </p:spPr>
-      </p:pic>
-    </p:spTree>
-  </p:cSld>
-  <p:clrMapOvr>
-    <a:masterClrMapping/>
-  </p:clrMapOvr>
-  <p:transition spd="med">
-    <p:fade/>
-  </p:transition>
-  <p:timing>
-    <p:tnLst>
-      <p:par>
-        <p:cTn id="1" dur="indefinite" restart="never" nodeType="tmRoot">
-          <p:childTnLst>
-            <p:seq concurrent="1" nextAc="seek">
-              <p:cTn id="2" dur="indefinite" nodeType="mainSeq">
-                <p:childTnLst>
-                  <p:par>
-                    <p:cTn id="3" fill="hold" nodeType="clickPar">
-                      <p:stCondLst>
-                        <p:cond delay="indefinite"/>
-                        <p:cond evt="onBegin" delay="0">
-                          <p:tn val="2"/>
-                        </p:cond>
-                      </p:stCondLst>
-                      <p:childTnLst>
-                        <p:par>
-                          <p:cTn id="4" fill="hold" nodeType="withGroup">
-                            <p:stCondLst>
-                              <p:cond delay="0"/>
-                            </p:stCondLst>
-                            <p:childTnLst>
-                              <p:par>
-                                <p:cTn id="5" presetID="0" presetClass="entr" presetSubtype="0" fill="hold" nodeType="afterEffect">
-                                  <p:stCondLst>
-                                    <p:cond delay="0"/>
-                                  </p:stCondLst>
-                                  <p:childTnLst>
-                                    <p:set>
-                                      <p:cBhvr>
-                                        <p:cTn id="6" dur="1" fill="hold">
-                                          <p:stCondLst>
-                                            <p:cond delay="499"/>
-                                          </p:stCondLst>
-                                        </p:cTn>
-                                        <p:tgtEl>
-                                          <p:spTgt spid="43010"/>
-                                        </p:tgtEl>
-                                        <p:attrNameLst>
-                                          <p:attrName>style.visibility</p:attrName>
-                                        </p:attrNameLst>
-                                      </p:cBhvr>
-                                      <p:to>
-                                        <p:strVal val="visible"/>
-                                      </p:to>
-                                    </p:set>
-                                  </p:childTnLst>
-                                </p:cTn>
-                              </p:par>
-                            </p:childTnLst>
-                          </p:cTn>
-                        </p:par>
-                      </p:childTnLst>
-                    </p:cTn>
-                  </p:par>
-                </p:childTnLst>
-              </p:cTn>
-              <p:prevCondLst>
-                <p:cond evt="onPrev" delay="0">
-                  <p:tgtEl>
-                    <p:sldTgt/>
-                  </p:tgtEl>
-                </p:cond>
-              </p:prevCondLst>
-              <p:nextCondLst>
-                <p:cond evt="onNext" delay="0">
-                  <p:tgtEl>
-                    <p:sldTgt/>
-                  </p:tgtEl>
-                </p:cond>
-              </p:nextCondLst>
-            </p:seq>
-          </p:childTnLst>
-        </p:cTn>
-      </p:par>
-    </p:tnLst>
-  </p:timing>
-</p:sld>
-</file>
-
-<file path=ppt/slides/slide12.xml><?xml version="1.0" encoding="utf-8"?>
-<p:sld xmlns:a="http://schemas.openxmlformats.org/drawingml/2006/main" xmlns:r="http://schemas.openxmlformats.org/officeDocument/2006/relationships" xmlns:p="http://schemas.openxmlformats.org/presentationml/2006/main">
-  <p:cSld>
-    <p:spTree>
-      <p:nvGrpSpPr>
-        <p:cNvPr id="1" name=""/>
-        <p:cNvGrpSpPr/>
-        <p:nvPr/>
-      </p:nvGrpSpPr>
-      <p:grpSpPr>
-        <a:xfrm>
-          <a:off x="0" y="0"/>
-          <a:ext cx="0" cy="0"/>
-          <a:chOff x="0" y="0"/>
-          <a:chExt cx="0" cy="0"/>
-        </a:xfrm>
-      </p:grpSpPr>
-      <p:sp>
-        <p:nvSpPr>
-          <p:cNvPr id="77826" name="Rectangle 1"/>
-          <p:cNvSpPr>
-            <a:spLocks noGrp="1" noChangeArrowheads="1"/>
-          </p:cNvSpPr>
-          <p:nvPr>
-            <p:ph type="title"/>
-          </p:nvPr>
-        </p:nvSpPr>
-        <p:spPr>
-          <a:xfrm>
-            <a:off x="0" y="0"/>
-            <a:ext cx="13004800" cy="9752013"/>
-          </a:xfrm>
-        </p:spPr>
-        <p:txBody>
-          <a:bodyPr lIns="635000" tIns="635000" rIns="635000" bIns="635000"/>
-          <a:lstStyle/>
-          <a:p>
-            <a:pPr eaLnBrk="1"/>
-            <a:r>
-              <a:rPr lang="en-US" altLang="en-US" sz="4000">
-                <a:latin typeface="Courier" charset="0"/>
-                <a:sym typeface="Courier" charset="0"/>
-              </a:rPr>
-              <a:t>colors = [‘pink’,’yellow’        ];</a:t>
-            </a:r>
-            <a:endParaRPr lang="en-US" altLang="en-US" sz="1800">
-              <a:solidFill>
-                <a:srgbClr val="000000"/>
-              </a:solidFill>
-              <a:latin typeface="Courier" charset="0"/>
-              <a:sym typeface="Courier" charset="0"/>
-            </a:endParaRPr>
-          </a:p>
-        </p:txBody>
-      </p:sp>
-      <p:pic>
-        <p:nvPicPr>
-          <p:cNvPr id="44034" name="Picture 2" descr="next.png"/>
-          <p:cNvPicPr>
-            <a:picLocks noChangeAspect="1"/>
-          </p:cNvPicPr>
-          <p:nvPr/>
-        </p:nvPicPr>
-        <p:blipFill>
-          <a:blip r:embed="rId2">
-            <a:extLst>
-              <a:ext uri="{28A0092B-C50C-407E-A947-70E740481C1C}">
-                <a14:useLocalDpi xmlns:a14="http://schemas.microsoft.com/office/drawing/2010/main" val="0"/>
-              </a:ext>
-            </a:extLst>
-          </a:blip>
-          <a:srcRect/>
-          <a:stretch>
-            <a:fillRect/>
-          </a:stretch>
-        </p:blipFill>
-        <p:spPr bwMode="auto">
-          <a:xfrm>
-            <a:off x="12115800" y="8864600"/>
-            <a:ext cx="635000" cy="635000"/>
-          </a:xfrm>
-          <a:prstGeom prst="rect">
-            <a:avLst/>
-          </a:prstGeom>
-          <a:noFill/>
-          <a:ln>
-            <a:noFill/>
-          </a:ln>
-          <a:extLst>
-            <a:ext uri="{909E8E84-426E-40DD-AFC4-6F175D3DCCD1}">
-              <a14:hiddenFill xmlns:a14="http://schemas.microsoft.com/office/drawing/2010/main">
-                <a:solidFill>
-                  <a:srgbClr val="FFFFFF"/>
-                </a:solidFill>
-              </a14:hiddenFill>
-            </a:ext>
-            <a:ext uri="{91240B29-F687-4F45-9708-019B960494DF}">
-              <a14:hiddenLine xmlns:a14="http://schemas.microsoft.com/office/drawing/2010/main" w="12700">
-                <a:solidFill>
-                  <a:srgbClr val="000000"/>
-                </a:solidFill>
-                <a:miter lim="0"/>
-                <a:headEnd/>
-                <a:tailEnd/>
-              </a14:hiddenLine>
-            </a:ext>
-          </a:extLst>
-        </p:spPr>
-      </p:pic>
-    </p:spTree>
-  </p:cSld>
-  <p:clrMapOvr>
-    <a:masterClrMapping/>
-  </p:clrMapOvr>
-  <p:transition spd="med">
-    <p:fade/>
-  </p:transition>
-  <p:timing>
-    <p:tnLst>
-      <p:par>
-        <p:cTn id="1" dur="indefinite" restart="never" nodeType="tmRoot">
-          <p:childTnLst>
-            <p:seq concurrent="1" nextAc="seek">
-              <p:cTn id="2" dur="indefinite" nodeType="mainSeq">
-                <p:childTnLst>
-                  <p:par>
-                    <p:cTn id="3" fill="hold" nodeType="clickPar">
-                      <p:stCondLst>
-                        <p:cond delay="indefinite"/>
-                        <p:cond evt="onBegin" delay="0">
-                          <p:tn val="2"/>
-                        </p:cond>
-                      </p:stCondLst>
-                      <p:childTnLst>
-                        <p:par>
-                          <p:cTn id="4" fill="hold" nodeType="withGroup">
-                            <p:stCondLst>
-                              <p:cond delay="0"/>
-                            </p:stCondLst>
-                            <p:childTnLst>
-                              <p:par>
-                                <p:cTn id="5" presetID="0" presetClass="entr" presetSubtype="0" fill="hold" nodeType="afterEffect">
-                                  <p:stCondLst>
-                                    <p:cond delay="0"/>
-                                  </p:stCondLst>
-                                  <p:childTnLst>
-                                    <p:set>
-                                      <p:cBhvr>
-                                        <p:cTn id="6" dur="1" fill="hold">
-                                          <p:stCondLst>
-                                            <p:cond delay="499"/>
-                                          </p:stCondLst>
-                                        </p:cTn>
-                                        <p:tgtEl>
-                                          <p:spTgt spid="44034"/>
-                                        </p:tgtEl>
-                                        <p:attrNameLst>
-                                          <p:attrName>style.visibility</p:attrName>
-                                        </p:attrNameLst>
-                                      </p:cBhvr>
-                                      <p:to>
-                                        <p:strVal val="visible"/>
-                                      </p:to>
-                                    </p:set>
-                                  </p:childTnLst>
-                                </p:cTn>
-                              </p:par>
-                            </p:childTnLst>
-                          </p:cTn>
-                        </p:par>
-                      </p:childTnLst>
-                    </p:cTn>
-                  </p:par>
-                </p:childTnLst>
-              </p:cTn>
-              <p:prevCondLst>
-                <p:cond evt="onPrev" delay="0">
-                  <p:tgtEl>
-                    <p:sldTgt/>
-                  </p:tgtEl>
-                </p:cond>
-              </p:prevCondLst>
-              <p:nextCondLst>
-                <p:cond evt="onNext" delay="0">
-                  <p:tgtEl>
-                    <p:sldTgt/>
-                  </p:tgtEl>
-                </p:cond>
-              </p:nextCondLst>
-            </p:seq>
-          </p:childTnLst>
-        </p:cTn>
-      </p:par>
-    </p:tnLst>
-  </p:timing>
-</p:sld>
-</file>
-
-<file path=ppt/slides/slide13.xml><?xml version="1.0" encoding="utf-8"?>
-<p:sld xmlns:a="http://schemas.openxmlformats.org/drawingml/2006/main" xmlns:r="http://schemas.openxmlformats.org/officeDocument/2006/relationships" xmlns:p="http://schemas.openxmlformats.org/presentationml/2006/main">
-  <p:cSld>
-    <p:spTree>
-      <p:nvGrpSpPr>
-        <p:cNvPr id="1" name=""/>
-        <p:cNvGrpSpPr/>
-        <p:nvPr/>
-      </p:nvGrpSpPr>
-      <p:grpSpPr>
-        <a:xfrm>
-          <a:off x="0" y="0"/>
-          <a:ext cx="0" cy="0"/>
-          <a:chOff x="0" y="0"/>
-          <a:chExt cx="0" cy="0"/>
-        </a:xfrm>
-      </p:grpSpPr>
-      <p:sp>
-        <p:nvSpPr>
-          <p:cNvPr id="78850" name="Rectangle 1"/>
-          <p:cNvSpPr>
-            <a:spLocks noGrp="1" noChangeArrowheads="1"/>
-          </p:cNvSpPr>
-          <p:nvPr>
-            <p:ph type="title"/>
-          </p:nvPr>
-        </p:nvSpPr>
-        <p:spPr>
-          <a:xfrm>
-            <a:off x="0" y="0"/>
-            <a:ext cx="13004800" cy="9752013"/>
-          </a:xfrm>
-        </p:spPr>
-        <p:txBody>
-          <a:bodyPr lIns="635000" tIns="635000" rIns="635000" bIns="635000"/>
-          <a:lstStyle/>
-          <a:p>
-            <a:pPr eaLnBrk="1"/>
-            <a:r>
-              <a:rPr lang="en-US" altLang="en-US" sz="4000">
-                <a:latin typeface="Courier" charset="0"/>
-                <a:sym typeface="Courier" charset="0"/>
-              </a:rPr>
-              <a:t>colors = [‘pink’,‘yellow’,‘green’];</a:t>
-            </a:r>
-            <a:endParaRPr lang="en-US" altLang="en-US" sz="1800">
-              <a:solidFill>
-                <a:srgbClr val="000000"/>
-              </a:solidFill>
-              <a:latin typeface="Courier" charset="0"/>
-              <a:sym typeface="Courier" charset="0"/>
-            </a:endParaRPr>
-          </a:p>
-        </p:txBody>
-      </p:sp>
-      <p:pic>
-        <p:nvPicPr>
-          <p:cNvPr id="45058" name="Picture 2" descr="next.png"/>
-          <p:cNvPicPr>
-            <a:picLocks noChangeAspect="1"/>
-          </p:cNvPicPr>
-          <p:nvPr/>
-        </p:nvPicPr>
-        <p:blipFill>
-          <a:blip r:embed="rId2">
-            <a:extLst>
-              <a:ext uri="{28A0092B-C50C-407E-A947-70E740481C1C}">
-                <a14:useLocalDpi xmlns:a14="http://schemas.microsoft.com/office/drawing/2010/main" val="0"/>
-              </a:ext>
-            </a:extLst>
-          </a:blip>
-          <a:srcRect/>
-          <a:stretch>
-            <a:fillRect/>
-          </a:stretch>
-        </p:blipFill>
-        <p:spPr bwMode="auto">
-          <a:xfrm>
-            <a:off x="12115800" y="8864600"/>
-            <a:ext cx="635000" cy="635000"/>
-          </a:xfrm>
-          <a:prstGeom prst="rect">
-            <a:avLst/>
-          </a:prstGeom>
-          <a:noFill/>
-          <a:ln>
-            <a:noFill/>
-          </a:ln>
-          <a:extLst>
-            <a:ext uri="{909E8E84-426E-40DD-AFC4-6F175D3DCCD1}">
-              <a14:hiddenFill xmlns:a14="http://schemas.microsoft.com/office/drawing/2010/main">
-                <a:solidFill>
-                  <a:srgbClr val="FFFFFF"/>
-                </a:solidFill>
-              </a14:hiddenFill>
-            </a:ext>
-            <a:ext uri="{91240B29-F687-4F45-9708-019B960494DF}">
-              <a14:hiddenLine xmlns:a14="http://schemas.microsoft.com/office/drawing/2010/main" w="12700">
-                <a:solidFill>
-                  <a:srgbClr val="000000"/>
-                </a:solidFill>
-                <a:miter lim="0"/>
-                <a:headEnd/>
-                <a:tailEnd/>
-              </a14:hiddenLine>
-            </a:ext>
-          </a:extLst>
-        </p:spPr>
-      </p:pic>
-    </p:spTree>
-  </p:cSld>
-  <p:clrMapOvr>
-    <a:masterClrMapping/>
-  </p:clrMapOvr>
-  <p:transition spd="med">
-    <p:fade/>
-  </p:transition>
-  <p:timing>
-    <p:tnLst>
-      <p:par>
-        <p:cTn id="1" dur="indefinite" restart="never" nodeType="tmRoot">
-          <p:childTnLst>
-            <p:seq concurrent="1" nextAc="seek">
-              <p:cTn id="2" dur="indefinite" nodeType="mainSeq">
-                <p:childTnLst>
-                  <p:par>
-                    <p:cTn id="3" fill="hold" nodeType="clickPar">
-                      <p:stCondLst>
-                        <p:cond delay="indefinite"/>
-                        <p:cond evt="onBegin" delay="0">
-                          <p:tn val="2"/>
-                        </p:cond>
-                      </p:stCondLst>
-                      <p:childTnLst>
-                        <p:par>
-                          <p:cTn id="4" fill="hold" nodeType="withGroup">
-                            <p:stCondLst>
-                              <p:cond delay="0"/>
-                            </p:stCondLst>
-                            <p:childTnLst>
-                              <p:par>
-                                <p:cTn id="5" presetID="0" presetClass="entr" presetSubtype="0" fill="hold" nodeType="afterEffect">
-                                  <p:stCondLst>
-                                    <p:cond delay="0"/>
-                                  </p:stCondLst>
-                                  <p:childTnLst>
-                                    <p:set>
-                                      <p:cBhvr>
-                                        <p:cTn id="6" dur="1" fill="hold">
-                                          <p:stCondLst>
-                                            <p:cond delay="499"/>
-                                          </p:stCondLst>
-                                        </p:cTn>
-                                        <p:tgtEl>
-                                          <p:spTgt spid="45058"/>
-                                        </p:tgtEl>
-                                        <p:attrNameLst>
-                                          <p:attrName>style.visibility</p:attrName>
-                                        </p:attrNameLst>
-                                      </p:cBhvr>
-                                      <p:to>
-                                        <p:strVal val="visible"/>
-                                      </p:to>
-                                    </p:set>
-                                  </p:childTnLst>
-                                </p:cTn>
-                              </p:par>
-                            </p:childTnLst>
-                          </p:cTn>
-                        </p:par>
-                      </p:childTnLst>
-                    </p:cTn>
-                  </p:par>
-                </p:childTnLst>
-              </p:cTn>
-              <p:prevCondLst>
-                <p:cond evt="onPrev" delay="0">
-                  <p:tgtEl>
-                    <p:sldTgt/>
-                  </p:tgtEl>
-                </p:cond>
-              </p:prevCondLst>
-              <p:nextCondLst>
-                <p:cond evt="onNext" delay="0">
-                  <p:tgtEl>
-                    <p:sldTgt/>
-                  </p:tgtEl>
-                </p:cond>
-              </p:nextCondLst>
-            </p:seq>
-          </p:childTnLst>
-        </p:cTn>
-      </p:par>
-    </p:tnLst>
-  </p:timing>
-</p:sld>
-</file>
-
-<file path=ppt/slides/slide14.xml><?xml version="1.0" encoding="utf-8"?>
-<p:sld xmlns:a="http://schemas.openxmlformats.org/drawingml/2006/main" xmlns:r="http://schemas.openxmlformats.org/officeDocument/2006/relationships" xmlns:p="http://schemas.openxmlformats.org/presentationml/2006/main">
-  <p:cSld>
-    <p:spTree>
-      <p:nvGrpSpPr>
-        <p:cNvPr id="1" name=""/>
-        <p:cNvGrpSpPr/>
-        <p:nvPr/>
-      </p:nvGrpSpPr>
-      <p:grpSpPr>
-        <a:xfrm>
-          <a:off x="0" y="0"/>
-          <a:ext cx="0" cy="0"/>
-          <a:chOff x="0" y="0"/>
-          <a:chExt cx="0" cy="0"/>
-        </a:xfrm>
-      </p:grpSpPr>
-      <p:pic>
-        <p:nvPicPr>
-          <p:cNvPr id="46081" name="Picture 1" descr="next.png"/>
-          <p:cNvPicPr>
-            <a:picLocks noChangeAspect="1"/>
-          </p:cNvPicPr>
-          <p:nvPr/>
-        </p:nvPicPr>
-        <p:blipFill>
-          <a:blip r:embed="rId2">
-            <a:extLst>
-              <a:ext uri="{28A0092B-C50C-407E-A947-70E740481C1C}">
-                <a14:useLocalDpi xmlns:a14="http://schemas.microsoft.com/office/drawing/2010/main" val="0"/>
-              </a:ext>
-            </a:extLst>
-          </a:blip>
-          <a:srcRect/>
-          <a:stretch>
-            <a:fillRect/>
-          </a:stretch>
-        </p:blipFill>
-        <p:spPr bwMode="auto">
-          <a:xfrm>
-            <a:off x="12115800" y="8864600"/>
-            <a:ext cx="635000" cy="635000"/>
-          </a:xfrm>
-          <a:prstGeom prst="rect">
-            <a:avLst/>
-          </a:prstGeom>
-          <a:noFill/>
-          <a:ln>
-            <a:noFill/>
-          </a:ln>
-          <a:extLst>
-            <a:ext uri="{909E8E84-426E-40DD-AFC4-6F175D3DCCD1}">
-              <a14:hiddenFill xmlns:a14="http://schemas.microsoft.com/office/drawing/2010/main">
-                <a:solidFill>
-                  <a:srgbClr val="FFFFFF"/>
-                </a:solidFill>
-              </a14:hiddenFill>
-            </a:ext>
-            <a:ext uri="{91240B29-F687-4F45-9708-019B960494DF}">
-              <a14:hiddenLine xmlns:a14="http://schemas.microsoft.com/office/drawing/2010/main" w="12700">
-                <a:solidFill>
-                  <a:srgbClr val="000000"/>
-                </a:solidFill>
-                <a:miter lim="0"/>
-                <a:headEnd/>
-                <a:tailEnd/>
-              </a14:hiddenLine>
-            </a:ext>
-          </a:extLst>
-        </p:spPr>
-      </p:pic>
-      <p:sp>
-        <p:nvSpPr>
-          <p:cNvPr id="79875" name="Rectangle 2"/>
-          <p:cNvSpPr>
-            <a:spLocks/>
-          </p:cNvSpPr>
-          <p:nvPr/>
-        </p:nvSpPr>
-        <p:spPr bwMode="auto">
-          <a:xfrm>
-            <a:off x="0" y="4875213"/>
-            <a:ext cx="13004800" cy="4878387"/>
-          </a:xfrm>
-          <a:prstGeom prst="rect">
-            <a:avLst/>
-          </a:prstGeom>
-          <a:noFill/>
-          <a:ln>
-            <a:noFill/>
-          </a:ln>
-          <a:extLst>
-            <a:ext uri="{909E8E84-426E-40DD-AFC4-6F175D3DCCD1}">
-              <a14:hiddenFill xmlns:a14="http://schemas.microsoft.com/office/drawing/2010/main">
-                <a:solidFill>
-                  <a:srgbClr val="FFFFFF"/>
-                </a:solidFill>
-              </a14:hiddenFill>
-            </a:ext>
-            <a:ext uri="{91240B29-F687-4F45-9708-019B960494DF}">
-              <a14:hiddenLine xmlns:a14="http://schemas.microsoft.com/office/drawing/2010/main" w="12700">
-                <a:solidFill>
-                  <a:srgbClr val="000000"/>
-                </a:solidFill>
-                <a:miter lim="0"/>
-                <a:headEnd/>
-                <a:tailEnd/>
-              </a14:hiddenLine>
-            </a:ext>
-          </a:extLst>
-        </p:spPr>
-        <p:txBody>
-          <a:bodyPr lIns="0" tIns="0" rIns="0" bIns="0"/>
-          <a:lstStyle>
-            <a:lvl1pPr eaLnBrk="0">
-              <a:defRPr sz="4000">
-                <a:solidFill>
-                  <a:srgbClr val="32302E"/>
-                </a:solidFill>
-                <a:latin typeface="Courier" charset="0"/>
-                <a:ea typeface="Courier" charset="0"/>
-                <a:cs typeface="Courier" charset="0"/>
-                <a:sym typeface="Courier" charset="0"/>
-              </a:defRPr>
-            </a:lvl1pPr>
-            <a:lvl2pPr marL="37931725" indent="-37474525" eaLnBrk="0">
-              <a:defRPr sz="4000">
-                <a:solidFill>
-                  <a:srgbClr val="32302E"/>
-                </a:solidFill>
-                <a:latin typeface="Courier" charset="0"/>
-                <a:ea typeface="Courier" charset="0"/>
-                <a:cs typeface="Courier" charset="0"/>
-                <a:sym typeface="Courier" charset="0"/>
-              </a:defRPr>
-            </a:lvl2pPr>
-            <a:lvl3pPr eaLnBrk="0">
-              <a:defRPr sz="4000">
-                <a:solidFill>
-                  <a:srgbClr val="32302E"/>
-                </a:solidFill>
-                <a:latin typeface="Courier" charset="0"/>
-                <a:ea typeface="Courier" charset="0"/>
-                <a:cs typeface="Courier" charset="0"/>
-                <a:sym typeface="Courier" charset="0"/>
-              </a:defRPr>
-            </a:lvl3pPr>
-            <a:lvl4pPr eaLnBrk="0">
-              <a:defRPr sz="4000">
-                <a:solidFill>
-                  <a:srgbClr val="32302E"/>
-                </a:solidFill>
-                <a:latin typeface="Courier" charset="0"/>
-                <a:ea typeface="Courier" charset="0"/>
-                <a:cs typeface="Courier" charset="0"/>
-                <a:sym typeface="Courier" charset="0"/>
-              </a:defRPr>
-            </a:lvl4pPr>
-            <a:lvl5pPr eaLnBrk="0">
-              <a:defRPr sz="4000">
-                <a:solidFill>
-                  <a:srgbClr val="32302E"/>
-                </a:solidFill>
-                <a:latin typeface="Courier" charset="0"/>
-                <a:ea typeface="Courier" charset="0"/>
-                <a:cs typeface="Courier" charset="0"/>
-                <a:sym typeface="Courier" charset="0"/>
-              </a:defRPr>
-            </a:lvl5pPr>
-            <a:lvl6pPr marL="457200" eaLnBrk="0" fontAlgn="base" hangingPunct="0">
-              <a:spcBef>
-                <a:spcPct val="0"/>
-              </a:spcBef>
-              <a:spcAft>
-                <a:spcPct val="0"/>
-              </a:spcAft>
-              <a:defRPr sz="4000">
-                <a:solidFill>
-                  <a:srgbClr val="32302E"/>
-                </a:solidFill>
-                <a:latin typeface="Courier" charset="0"/>
-                <a:ea typeface="Courier" charset="0"/>
-                <a:cs typeface="Courier" charset="0"/>
-                <a:sym typeface="Courier" charset="0"/>
-              </a:defRPr>
-            </a:lvl6pPr>
-            <a:lvl7pPr marL="914400" eaLnBrk="0" fontAlgn="base" hangingPunct="0">
-              <a:spcBef>
-                <a:spcPct val="0"/>
-              </a:spcBef>
-              <a:spcAft>
-                <a:spcPct val="0"/>
-              </a:spcAft>
-              <a:defRPr sz="4000">
-                <a:solidFill>
-                  <a:srgbClr val="32302E"/>
-                </a:solidFill>
-                <a:latin typeface="Courier" charset="0"/>
-                <a:ea typeface="Courier" charset="0"/>
-                <a:cs typeface="Courier" charset="0"/>
-                <a:sym typeface="Courier" charset="0"/>
-              </a:defRPr>
-            </a:lvl7pPr>
-            <a:lvl8pPr marL="1371600" eaLnBrk="0" fontAlgn="base" hangingPunct="0">
-              <a:spcBef>
-                <a:spcPct val="0"/>
-              </a:spcBef>
-              <a:spcAft>
-                <a:spcPct val="0"/>
-              </a:spcAft>
-              <a:defRPr sz="4000">
-                <a:solidFill>
-                  <a:srgbClr val="32302E"/>
-                </a:solidFill>
-                <a:latin typeface="Courier" charset="0"/>
-                <a:ea typeface="Courier" charset="0"/>
-                <a:cs typeface="Courier" charset="0"/>
-                <a:sym typeface="Courier" charset="0"/>
-              </a:defRPr>
-            </a:lvl8pPr>
-            <a:lvl9pPr marL="1828800" eaLnBrk="0" fontAlgn="base" hangingPunct="0">
-              <a:spcBef>
-                <a:spcPct val="0"/>
-              </a:spcBef>
-              <a:spcAft>
-                <a:spcPct val="0"/>
-              </a:spcAft>
-              <a:defRPr sz="4000">
-                <a:solidFill>
-                  <a:srgbClr val="32302E"/>
-                </a:solidFill>
-                <a:latin typeface="Courier" charset="0"/>
-                <a:ea typeface="Courier" charset="0"/>
-                <a:cs typeface="Courier" charset="0"/>
-                <a:sym typeface="Courier" charset="0"/>
-              </a:defRPr>
-            </a:lvl9pPr>
-          </a:lstStyle>
-          <a:p>
-            <a:pPr eaLnBrk="1"/>
-            <a:r>
-              <a:rPr lang="en-US" altLang="en-US" sz="8000">
-                <a:solidFill>
-                  <a:srgbClr val="FFFFFF"/>
-                </a:solidFill>
-              </a:rPr>
-              <a:t>colors[ ];</a:t>
-            </a:r>
-            <a:endParaRPr lang="en-US" altLang="en-US" sz="1800">
-              <a:solidFill>
-                <a:srgbClr val="000000"/>
-              </a:solidFill>
-            </a:endParaRPr>
-          </a:p>
-        </p:txBody>
-      </p:sp>
-      <p:sp>
-        <p:nvSpPr>
-          <p:cNvPr id="79876" name="Rectangle 3"/>
-          <p:cNvSpPr>
-            <a:spLocks/>
-          </p:cNvSpPr>
-          <p:nvPr/>
-        </p:nvSpPr>
-        <p:spPr bwMode="auto">
-          <a:xfrm>
-            <a:off x="0" y="-2538413"/>
-            <a:ext cx="13004800" cy="9750426"/>
-          </a:xfrm>
-          <a:prstGeom prst="rect">
-            <a:avLst/>
-          </a:prstGeom>
-          <a:noFill/>
-          <a:ln>
-            <a:noFill/>
-          </a:ln>
-          <a:extLst>
-            <a:ext uri="{909E8E84-426E-40DD-AFC4-6F175D3DCCD1}">
-              <a14:hiddenFill xmlns:a14="http://schemas.microsoft.com/office/drawing/2010/main">
-                <a:solidFill>
-                  <a:srgbClr val="FFFFFF"/>
-                </a:solidFill>
-              </a14:hiddenFill>
-            </a:ext>
-            <a:ext uri="{91240B29-F687-4F45-9708-019B960494DF}">
-              <a14:hiddenLine xmlns:a14="http://schemas.microsoft.com/office/drawing/2010/main" w="12700">
-                <a:solidFill>
-                  <a:srgbClr val="000000"/>
-                </a:solidFill>
-                <a:miter lim="0"/>
-                <a:headEnd/>
-                <a:tailEnd/>
-              </a14:hiddenLine>
-            </a:ext>
-          </a:extLst>
-        </p:spPr>
-        <p:txBody>
-          <a:bodyPr lIns="635000" tIns="635000" rIns="635000" bIns="635000" anchor="ctr"/>
-          <a:lstStyle>
-            <a:lvl1pPr eaLnBrk="0">
-              <a:defRPr sz="4000">
-                <a:solidFill>
-                  <a:srgbClr val="32302E"/>
-                </a:solidFill>
-                <a:latin typeface="Courier" charset="0"/>
-                <a:ea typeface="Courier" charset="0"/>
-                <a:cs typeface="Courier" charset="0"/>
-                <a:sym typeface="Courier" charset="0"/>
-              </a:defRPr>
-            </a:lvl1pPr>
-            <a:lvl2pPr marL="37931725" indent="-37474525" eaLnBrk="0">
-              <a:defRPr sz="4000">
-                <a:solidFill>
-                  <a:srgbClr val="32302E"/>
-                </a:solidFill>
-                <a:latin typeface="Courier" charset="0"/>
-                <a:ea typeface="Courier" charset="0"/>
-                <a:cs typeface="Courier" charset="0"/>
-                <a:sym typeface="Courier" charset="0"/>
-              </a:defRPr>
-            </a:lvl2pPr>
-            <a:lvl3pPr eaLnBrk="0">
-              <a:defRPr sz="4000">
-                <a:solidFill>
-                  <a:srgbClr val="32302E"/>
-                </a:solidFill>
-                <a:latin typeface="Courier" charset="0"/>
-                <a:ea typeface="Courier" charset="0"/>
-                <a:cs typeface="Courier" charset="0"/>
-                <a:sym typeface="Courier" charset="0"/>
-              </a:defRPr>
-            </a:lvl3pPr>
-            <a:lvl4pPr eaLnBrk="0">
-              <a:defRPr sz="4000">
-                <a:solidFill>
-                  <a:srgbClr val="32302E"/>
-                </a:solidFill>
-                <a:latin typeface="Courier" charset="0"/>
-                <a:ea typeface="Courier" charset="0"/>
-                <a:cs typeface="Courier" charset="0"/>
-                <a:sym typeface="Courier" charset="0"/>
-              </a:defRPr>
-            </a:lvl4pPr>
-            <a:lvl5pPr eaLnBrk="0">
-              <a:defRPr sz="4000">
-                <a:solidFill>
-                  <a:srgbClr val="32302E"/>
-                </a:solidFill>
-                <a:latin typeface="Courier" charset="0"/>
-                <a:ea typeface="Courier" charset="0"/>
-                <a:cs typeface="Courier" charset="0"/>
-                <a:sym typeface="Courier" charset="0"/>
-              </a:defRPr>
-            </a:lvl5pPr>
-            <a:lvl6pPr marL="457200" eaLnBrk="0" fontAlgn="base" hangingPunct="0">
-              <a:spcBef>
-                <a:spcPct val="0"/>
-              </a:spcBef>
-              <a:spcAft>
-                <a:spcPct val="0"/>
-              </a:spcAft>
-              <a:defRPr sz="4000">
-                <a:solidFill>
-                  <a:srgbClr val="32302E"/>
-                </a:solidFill>
-                <a:latin typeface="Courier" charset="0"/>
-                <a:ea typeface="Courier" charset="0"/>
-                <a:cs typeface="Courier" charset="0"/>
-                <a:sym typeface="Courier" charset="0"/>
-              </a:defRPr>
-            </a:lvl6pPr>
-            <a:lvl7pPr marL="914400" eaLnBrk="0" fontAlgn="base" hangingPunct="0">
-              <a:spcBef>
-                <a:spcPct val="0"/>
-              </a:spcBef>
-              <a:spcAft>
-                <a:spcPct val="0"/>
-              </a:spcAft>
-              <a:defRPr sz="4000">
-                <a:solidFill>
-                  <a:srgbClr val="32302E"/>
-                </a:solidFill>
-                <a:latin typeface="Courier" charset="0"/>
-                <a:ea typeface="Courier" charset="0"/>
-                <a:cs typeface="Courier" charset="0"/>
-                <a:sym typeface="Courier" charset="0"/>
-              </a:defRPr>
-            </a:lvl7pPr>
-            <a:lvl8pPr marL="1371600" eaLnBrk="0" fontAlgn="base" hangingPunct="0">
-              <a:spcBef>
-                <a:spcPct val="0"/>
-              </a:spcBef>
-              <a:spcAft>
-                <a:spcPct val="0"/>
-              </a:spcAft>
-              <a:defRPr sz="4000">
-                <a:solidFill>
-                  <a:srgbClr val="32302E"/>
-                </a:solidFill>
-                <a:latin typeface="Courier" charset="0"/>
-                <a:ea typeface="Courier" charset="0"/>
-                <a:cs typeface="Courier" charset="0"/>
-                <a:sym typeface="Courier" charset="0"/>
-              </a:defRPr>
-            </a:lvl8pPr>
-            <a:lvl9pPr marL="1828800" eaLnBrk="0" fontAlgn="base" hangingPunct="0">
-              <a:spcBef>
-                <a:spcPct val="0"/>
-              </a:spcBef>
-              <a:spcAft>
-                <a:spcPct val="0"/>
-              </a:spcAft>
-              <a:defRPr sz="4000">
-                <a:solidFill>
-                  <a:srgbClr val="32302E"/>
-                </a:solidFill>
-                <a:latin typeface="Courier" charset="0"/>
-                <a:ea typeface="Courier" charset="0"/>
-                <a:cs typeface="Courier" charset="0"/>
-                <a:sym typeface="Courier" charset="0"/>
-              </a:defRPr>
-            </a:lvl9pPr>
-          </a:lstStyle>
-          <a:p>
-            <a:pPr eaLnBrk="1"/>
-            <a:r>
-              <a:rPr lang="en-US" altLang="en-US">
-                <a:solidFill>
-                  <a:srgbClr val="FFFFFF"/>
-                </a:solidFill>
-              </a:rPr>
-              <a:t>colors = [‘pink’,‘yellow’,‘green’];</a:t>
-            </a:r>
-            <a:endParaRPr lang="en-US" altLang="en-US" sz="1800">
-              <a:solidFill>
-                <a:srgbClr val="000000"/>
-              </a:solidFill>
-            </a:endParaRPr>
-          </a:p>
-        </p:txBody>
-      </p:sp>
-    </p:spTree>
-  </p:cSld>
-  <p:clrMapOvr>
-    <a:masterClrMapping/>
-  </p:clrMapOvr>
-  <p:transition spd="med">
-    <p:fade/>
-  </p:transition>
-  <p:timing>
-    <p:tnLst>
-      <p:par>
-        <p:cTn id="1" dur="indefinite" restart="never" nodeType="tmRoot">
-          <p:childTnLst>
-            <p:seq concurrent="1" nextAc="seek">
-              <p:cTn id="2" dur="indefinite" nodeType="mainSeq">
-                <p:childTnLst>
-                  <p:par>
-                    <p:cTn id="3" fill="hold" nodeType="clickPar">
-                      <p:stCondLst>
-                        <p:cond delay="indefinite"/>
-                        <p:cond evt="onBegin" delay="0">
-                          <p:tn val="2"/>
-                        </p:cond>
-                      </p:stCondLst>
-                      <p:childTnLst>
-                        <p:par>
-                          <p:cTn id="4" fill="hold" nodeType="withGroup">
-                            <p:stCondLst>
-                              <p:cond delay="0"/>
-                            </p:stCondLst>
-                            <p:childTnLst>
-                              <p:par>
-                                <p:cTn id="5" presetID="0" presetClass="entr" presetSubtype="0" fill="hold" nodeType="afterEffect">
-                                  <p:stCondLst>
-                                    <p:cond delay="0"/>
-                                  </p:stCondLst>
-                                  <p:childTnLst>
-                                    <p:set>
-                                      <p:cBhvr>
-                                        <p:cTn id="6" dur="1" fill="hold">
-                                          <p:stCondLst>
-                                            <p:cond delay="499"/>
-                                          </p:stCondLst>
-                                        </p:cTn>
-                                        <p:tgtEl>
-                                          <p:spTgt spid="46081"/>
-                                        </p:tgtEl>
-                                        <p:attrNameLst>
-                                          <p:attrName>style.visibility</p:attrName>
-                                        </p:attrNameLst>
-                                      </p:cBhvr>
-                                      <p:to>
-                                        <p:strVal val="visible"/>
-                                      </p:to>
-                                    </p:set>
-                                  </p:childTnLst>
-                                </p:cTn>
-                              </p:par>
-                            </p:childTnLst>
-                          </p:cTn>
-                        </p:par>
-                      </p:childTnLst>
-                    </p:cTn>
-                  </p:par>
-                </p:childTnLst>
-              </p:cTn>
-              <p:prevCondLst>
-                <p:cond evt="onPrev" delay="0">
-                  <p:tgtEl>
-                    <p:sldTgt/>
-                  </p:tgtEl>
-                </p:cond>
-              </p:prevCondLst>
-              <p:nextCondLst>
-                <p:cond evt="onNext" delay="0">
-                  <p:tgtEl>
-                    <p:sldTgt/>
-                  </p:tgtEl>
-                </p:cond>
-              </p:nextCondLst>
-            </p:seq>
-          </p:childTnLst>
-        </p:cTn>
-      </p:par>
-    </p:tnLst>
-  </p:timing>
-</p:sld>
-</file>
-
-<file path=ppt/slides/slide15.xml><?xml version="1.0" encoding="utf-8"?>
-<p:sld xmlns:a="http://schemas.openxmlformats.org/drawingml/2006/main" xmlns:r="http://schemas.openxmlformats.org/officeDocument/2006/relationships" xmlns:p="http://schemas.openxmlformats.org/presentationml/2006/main">
-  <p:cSld>
-    <p:spTree>
-      <p:nvGrpSpPr>
-        <p:cNvPr id="1" name=""/>
-        <p:cNvGrpSpPr/>
-        <p:nvPr/>
-      </p:nvGrpSpPr>
-      <p:grpSpPr>
-        <a:xfrm>
-          <a:off x="0" y="0"/>
-          <a:ext cx="0" cy="0"/>
-          <a:chOff x="0" y="0"/>
-          <a:chExt cx="0" cy="0"/>
-        </a:xfrm>
-      </p:grpSpPr>
-      <p:pic>
-        <p:nvPicPr>
-          <p:cNvPr id="47105" name="Picture 1" descr="next.png"/>
-          <p:cNvPicPr>
-            <a:picLocks noChangeAspect="1"/>
-          </p:cNvPicPr>
-          <p:nvPr/>
-        </p:nvPicPr>
-        <p:blipFill>
-          <a:blip r:embed="rId2">
-            <a:extLst>
-              <a:ext uri="{28A0092B-C50C-407E-A947-70E740481C1C}">
-                <a14:useLocalDpi xmlns:a14="http://schemas.microsoft.com/office/drawing/2010/main" val="0"/>
-              </a:ext>
-            </a:extLst>
-          </a:blip>
-          <a:srcRect/>
-          <a:stretch>
-            <a:fillRect/>
-          </a:stretch>
-        </p:blipFill>
-        <p:spPr bwMode="auto">
-          <a:xfrm>
-            <a:off x="12115800" y="8864600"/>
-            <a:ext cx="635000" cy="635000"/>
-          </a:xfrm>
-          <a:prstGeom prst="rect">
-            <a:avLst/>
-          </a:prstGeom>
-          <a:noFill/>
-          <a:ln>
-            <a:noFill/>
-          </a:ln>
-          <a:extLst>
-            <a:ext uri="{909E8E84-426E-40DD-AFC4-6F175D3DCCD1}">
-              <a14:hiddenFill xmlns:a14="http://schemas.microsoft.com/office/drawing/2010/main">
-                <a:solidFill>
-                  <a:srgbClr val="FFFFFF"/>
-                </a:solidFill>
-              </a14:hiddenFill>
-            </a:ext>
-            <a:ext uri="{91240B29-F687-4F45-9708-019B960494DF}">
-              <a14:hiddenLine xmlns:a14="http://schemas.microsoft.com/office/drawing/2010/main" w="12700">
-                <a:solidFill>
-                  <a:srgbClr val="000000"/>
-                </a:solidFill>
-                <a:miter lim="0"/>
-                <a:headEnd/>
-                <a:tailEnd/>
-              </a14:hiddenLine>
-            </a:ext>
-          </a:extLst>
-        </p:spPr>
-      </p:pic>
-      <p:sp>
-        <p:nvSpPr>
-          <p:cNvPr id="80899" name="Rectangle 2"/>
-          <p:cNvSpPr>
-            <a:spLocks/>
-          </p:cNvSpPr>
-          <p:nvPr/>
-        </p:nvSpPr>
-        <p:spPr bwMode="auto">
-          <a:xfrm>
-            <a:off x="0" y="4875213"/>
-            <a:ext cx="13004800" cy="4878387"/>
-          </a:xfrm>
-          <a:prstGeom prst="rect">
-            <a:avLst/>
-          </a:prstGeom>
-          <a:noFill/>
-          <a:ln>
-            <a:noFill/>
-          </a:ln>
-          <a:extLst>
-            <a:ext uri="{909E8E84-426E-40DD-AFC4-6F175D3DCCD1}">
-              <a14:hiddenFill xmlns:a14="http://schemas.microsoft.com/office/drawing/2010/main">
-                <a:solidFill>
-                  <a:srgbClr val="FFFFFF"/>
-                </a:solidFill>
-              </a14:hiddenFill>
-            </a:ext>
-            <a:ext uri="{91240B29-F687-4F45-9708-019B960494DF}">
-              <a14:hiddenLine xmlns:a14="http://schemas.microsoft.com/office/drawing/2010/main" w="12700">
-                <a:solidFill>
-                  <a:srgbClr val="000000"/>
-                </a:solidFill>
-                <a:miter lim="0"/>
-                <a:headEnd/>
-                <a:tailEnd/>
-              </a14:hiddenLine>
-            </a:ext>
-          </a:extLst>
-        </p:spPr>
-        <p:txBody>
-          <a:bodyPr lIns="0" tIns="0" rIns="0" bIns="0"/>
-          <a:lstStyle>
-            <a:lvl1pPr eaLnBrk="0">
-              <a:defRPr sz="4000">
-                <a:solidFill>
-                  <a:srgbClr val="32302E"/>
-                </a:solidFill>
-                <a:latin typeface="Courier" charset="0"/>
-                <a:ea typeface="Courier" charset="0"/>
-                <a:cs typeface="Courier" charset="0"/>
-                <a:sym typeface="Courier" charset="0"/>
-              </a:defRPr>
-            </a:lvl1pPr>
-            <a:lvl2pPr marL="37931725" indent="-37474525" eaLnBrk="0">
-              <a:defRPr sz="4000">
-                <a:solidFill>
-                  <a:srgbClr val="32302E"/>
-                </a:solidFill>
-                <a:latin typeface="Courier" charset="0"/>
-                <a:ea typeface="Courier" charset="0"/>
-                <a:cs typeface="Courier" charset="0"/>
-                <a:sym typeface="Courier" charset="0"/>
-              </a:defRPr>
-            </a:lvl2pPr>
-            <a:lvl3pPr eaLnBrk="0">
-              <a:defRPr sz="4000">
-                <a:solidFill>
-                  <a:srgbClr val="32302E"/>
-                </a:solidFill>
-                <a:latin typeface="Courier" charset="0"/>
-                <a:ea typeface="Courier" charset="0"/>
-                <a:cs typeface="Courier" charset="0"/>
-                <a:sym typeface="Courier" charset="0"/>
-              </a:defRPr>
-            </a:lvl3pPr>
-            <a:lvl4pPr eaLnBrk="0">
-              <a:defRPr sz="4000">
-                <a:solidFill>
-                  <a:srgbClr val="32302E"/>
-                </a:solidFill>
-                <a:latin typeface="Courier" charset="0"/>
-                <a:ea typeface="Courier" charset="0"/>
-                <a:cs typeface="Courier" charset="0"/>
-                <a:sym typeface="Courier" charset="0"/>
-              </a:defRPr>
-            </a:lvl4pPr>
-            <a:lvl5pPr eaLnBrk="0">
-              <a:defRPr sz="4000">
-                <a:solidFill>
-                  <a:srgbClr val="32302E"/>
-                </a:solidFill>
-                <a:latin typeface="Courier" charset="0"/>
-                <a:ea typeface="Courier" charset="0"/>
-                <a:cs typeface="Courier" charset="0"/>
-                <a:sym typeface="Courier" charset="0"/>
-              </a:defRPr>
-            </a:lvl5pPr>
-            <a:lvl6pPr marL="457200" eaLnBrk="0" fontAlgn="base" hangingPunct="0">
-              <a:spcBef>
-                <a:spcPct val="0"/>
-              </a:spcBef>
-              <a:spcAft>
-                <a:spcPct val="0"/>
-              </a:spcAft>
-              <a:defRPr sz="4000">
-                <a:solidFill>
-                  <a:srgbClr val="32302E"/>
-                </a:solidFill>
-                <a:latin typeface="Courier" charset="0"/>
-                <a:ea typeface="Courier" charset="0"/>
-                <a:cs typeface="Courier" charset="0"/>
-                <a:sym typeface="Courier" charset="0"/>
-              </a:defRPr>
-            </a:lvl6pPr>
-            <a:lvl7pPr marL="914400" eaLnBrk="0" fontAlgn="base" hangingPunct="0">
-              <a:spcBef>
-                <a:spcPct val="0"/>
-              </a:spcBef>
-              <a:spcAft>
-                <a:spcPct val="0"/>
-              </a:spcAft>
-              <a:defRPr sz="4000">
-                <a:solidFill>
-                  <a:srgbClr val="32302E"/>
-                </a:solidFill>
-                <a:latin typeface="Courier" charset="0"/>
-                <a:ea typeface="Courier" charset="0"/>
-                <a:cs typeface="Courier" charset="0"/>
-                <a:sym typeface="Courier" charset="0"/>
-              </a:defRPr>
-            </a:lvl7pPr>
-            <a:lvl8pPr marL="1371600" eaLnBrk="0" fontAlgn="base" hangingPunct="0">
-              <a:spcBef>
-                <a:spcPct val="0"/>
-              </a:spcBef>
-              <a:spcAft>
-                <a:spcPct val="0"/>
-              </a:spcAft>
-              <a:defRPr sz="4000">
-                <a:solidFill>
-                  <a:srgbClr val="32302E"/>
-                </a:solidFill>
-                <a:latin typeface="Courier" charset="0"/>
-                <a:ea typeface="Courier" charset="0"/>
-                <a:cs typeface="Courier" charset="0"/>
-                <a:sym typeface="Courier" charset="0"/>
-              </a:defRPr>
-            </a:lvl8pPr>
-            <a:lvl9pPr marL="1828800" eaLnBrk="0" fontAlgn="base" hangingPunct="0">
-              <a:spcBef>
-                <a:spcPct val="0"/>
-              </a:spcBef>
-              <a:spcAft>
-                <a:spcPct val="0"/>
-              </a:spcAft>
-              <a:defRPr sz="4000">
-                <a:solidFill>
-                  <a:srgbClr val="32302E"/>
-                </a:solidFill>
-                <a:latin typeface="Courier" charset="0"/>
-                <a:ea typeface="Courier" charset="0"/>
-                <a:cs typeface="Courier" charset="0"/>
-                <a:sym typeface="Courier" charset="0"/>
-              </a:defRPr>
-            </a:lvl9pPr>
-          </a:lstStyle>
-          <a:p>
-            <a:pPr eaLnBrk="1"/>
-            <a:r>
-              <a:rPr lang="en-US" altLang="en-US" sz="8000">
-                <a:solidFill>
-                  <a:srgbClr val="FFFFFF"/>
-                </a:solidFill>
-              </a:rPr>
-              <a:t>colors[</a:t>
-            </a:r>
-            <a:r>
-              <a:rPr lang="en-US" altLang="en-US" sz="8000">
-                <a:solidFill>
-                  <a:srgbClr val="F2717A"/>
-                </a:solidFill>
-              </a:rPr>
-              <a:t>0</a:t>
-            </a:r>
-            <a:r>
-              <a:rPr lang="en-US" altLang="en-US" sz="8000">
-                <a:solidFill>
-                  <a:srgbClr val="FFFFFF"/>
-                </a:solidFill>
-              </a:rPr>
-              <a:t>];</a:t>
-            </a:r>
-            <a:endParaRPr lang="en-US" altLang="en-US" sz="1800">
-              <a:solidFill>
-                <a:srgbClr val="000000"/>
-              </a:solidFill>
-            </a:endParaRPr>
-          </a:p>
-        </p:txBody>
-      </p:sp>
-      <p:sp>
-        <p:nvSpPr>
-          <p:cNvPr id="80900" name="Rectangle 3"/>
-          <p:cNvSpPr>
-            <a:spLocks/>
-          </p:cNvSpPr>
-          <p:nvPr/>
-        </p:nvSpPr>
-        <p:spPr bwMode="auto">
-          <a:xfrm>
-            <a:off x="0" y="-2538413"/>
-            <a:ext cx="13004800" cy="9750426"/>
-          </a:xfrm>
-          <a:prstGeom prst="rect">
-            <a:avLst/>
-          </a:prstGeom>
-          <a:noFill/>
-          <a:ln>
-            <a:noFill/>
-          </a:ln>
-          <a:extLst>
-            <a:ext uri="{909E8E84-426E-40DD-AFC4-6F175D3DCCD1}">
-              <a14:hiddenFill xmlns:a14="http://schemas.microsoft.com/office/drawing/2010/main">
-                <a:solidFill>
-                  <a:srgbClr val="FFFFFF"/>
-                </a:solidFill>
-              </a14:hiddenFill>
-            </a:ext>
-            <a:ext uri="{91240B29-F687-4F45-9708-019B960494DF}">
-              <a14:hiddenLine xmlns:a14="http://schemas.microsoft.com/office/drawing/2010/main" w="12700">
-                <a:solidFill>
-                  <a:srgbClr val="000000"/>
-                </a:solidFill>
-                <a:miter lim="0"/>
-                <a:headEnd/>
-                <a:tailEnd/>
-              </a14:hiddenLine>
-            </a:ext>
-          </a:extLst>
-        </p:spPr>
-        <p:txBody>
-          <a:bodyPr lIns="635000" tIns="635000" rIns="635000" bIns="635000" anchor="ctr"/>
-          <a:lstStyle>
-            <a:lvl1pPr eaLnBrk="0">
-              <a:defRPr sz="4000">
-                <a:solidFill>
-                  <a:srgbClr val="32302E"/>
-                </a:solidFill>
-                <a:latin typeface="Courier" charset="0"/>
-                <a:ea typeface="Courier" charset="0"/>
-                <a:cs typeface="Courier" charset="0"/>
-                <a:sym typeface="Courier" charset="0"/>
-              </a:defRPr>
-            </a:lvl1pPr>
-            <a:lvl2pPr marL="37931725" indent="-37474525" eaLnBrk="0">
-              <a:defRPr sz="4000">
-                <a:solidFill>
-                  <a:srgbClr val="32302E"/>
-                </a:solidFill>
-                <a:latin typeface="Courier" charset="0"/>
-                <a:ea typeface="Courier" charset="0"/>
-                <a:cs typeface="Courier" charset="0"/>
-                <a:sym typeface="Courier" charset="0"/>
-              </a:defRPr>
-            </a:lvl2pPr>
-            <a:lvl3pPr eaLnBrk="0">
-              <a:defRPr sz="4000">
-                <a:solidFill>
-                  <a:srgbClr val="32302E"/>
-                </a:solidFill>
-                <a:latin typeface="Courier" charset="0"/>
-                <a:ea typeface="Courier" charset="0"/>
-                <a:cs typeface="Courier" charset="0"/>
-                <a:sym typeface="Courier" charset="0"/>
-              </a:defRPr>
-            </a:lvl3pPr>
-            <a:lvl4pPr eaLnBrk="0">
-              <a:defRPr sz="4000">
-                <a:solidFill>
-                  <a:srgbClr val="32302E"/>
-                </a:solidFill>
-                <a:latin typeface="Courier" charset="0"/>
-                <a:ea typeface="Courier" charset="0"/>
-                <a:cs typeface="Courier" charset="0"/>
-                <a:sym typeface="Courier" charset="0"/>
-              </a:defRPr>
-            </a:lvl4pPr>
-            <a:lvl5pPr eaLnBrk="0">
-              <a:defRPr sz="4000">
-                <a:solidFill>
-                  <a:srgbClr val="32302E"/>
-                </a:solidFill>
-                <a:latin typeface="Courier" charset="0"/>
-                <a:ea typeface="Courier" charset="0"/>
-                <a:cs typeface="Courier" charset="0"/>
-                <a:sym typeface="Courier" charset="0"/>
-              </a:defRPr>
-            </a:lvl5pPr>
-            <a:lvl6pPr marL="457200" eaLnBrk="0" fontAlgn="base" hangingPunct="0">
-              <a:spcBef>
-                <a:spcPct val="0"/>
-              </a:spcBef>
-              <a:spcAft>
-                <a:spcPct val="0"/>
-              </a:spcAft>
-              <a:defRPr sz="4000">
-                <a:solidFill>
-                  <a:srgbClr val="32302E"/>
-                </a:solidFill>
-                <a:latin typeface="Courier" charset="0"/>
-                <a:ea typeface="Courier" charset="0"/>
-                <a:cs typeface="Courier" charset="0"/>
-                <a:sym typeface="Courier" charset="0"/>
-              </a:defRPr>
-            </a:lvl6pPr>
-            <a:lvl7pPr marL="914400" eaLnBrk="0" fontAlgn="base" hangingPunct="0">
-              <a:spcBef>
-                <a:spcPct val="0"/>
-              </a:spcBef>
-              <a:spcAft>
-                <a:spcPct val="0"/>
-              </a:spcAft>
-              <a:defRPr sz="4000">
-                <a:solidFill>
-                  <a:srgbClr val="32302E"/>
-                </a:solidFill>
-                <a:latin typeface="Courier" charset="0"/>
-                <a:ea typeface="Courier" charset="0"/>
-                <a:cs typeface="Courier" charset="0"/>
-                <a:sym typeface="Courier" charset="0"/>
-              </a:defRPr>
-            </a:lvl7pPr>
-            <a:lvl8pPr marL="1371600" eaLnBrk="0" fontAlgn="base" hangingPunct="0">
-              <a:spcBef>
-                <a:spcPct val="0"/>
-              </a:spcBef>
-              <a:spcAft>
-                <a:spcPct val="0"/>
-              </a:spcAft>
-              <a:defRPr sz="4000">
-                <a:solidFill>
-                  <a:srgbClr val="32302E"/>
-                </a:solidFill>
-                <a:latin typeface="Courier" charset="0"/>
-                <a:ea typeface="Courier" charset="0"/>
-                <a:cs typeface="Courier" charset="0"/>
-                <a:sym typeface="Courier" charset="0"/>
-              </a:defRPr>
-            </a:lvl8pPr>
-            <a:lvl9pPr marL="1828800" eaLnBrk="0" fontAlgn="base" hangingPunct="0">
-              <a:spcBef>
-                <a:spcPct val="0"/>
-              </a:spcBef>
-              <a:spcAft>
-                <a:spcPct val="0"/>
-              </a:spcAft>
-              <a:defRPr sz="4000">
-                <a:solidFill>
-                  <a:srgbClr val="32302E"/>
-                </a:solidFill>
-                <a:latin typeface="Courier" charset="0"/>
-                <a:ea typeface="Courier" charset="0"/>
-                <a:cs typeface="Courier" charset="0"/>
-                <a:sym typeface="Courier" charset="0"/>
-              </a:defRPr>
-            </a:lvl9pPr>
-          </a:lstStyle>
-          <a:p>
-            <a:pPr eaLnBrk="1"/>
-            <a:r>
-              <a:rPr lang="en-US" altLang="en-US">
-                <a:solidFill>
-                  <a:srgbClr val="FFFFFF"/>
-                </a:solidFill>
-              </a:rPr>
-              <a:t>colors = [</a:t>
-            </a:r>
-            <a:r>
-              <a:rPr lang="en-US" altLang="en-US">
-                <a:solidFill>
-                  <a:srgbClr val="F2717A"/>
-                </a:solidFill>
-              </a:rPr>
-              <a:t>‘pink’</a:t>
-            </a:r>
-            <a:r>
-              <a:rPr lang="en-US" altLang="en-US">
-                <a:solidFill>
-                  <a:srgbClr val="FFFFFF"/>
-                </a:solidFill>
-              </a:rPr>
-              <a:t>,‘yellow’,‘green’];</a:t>
-            </a:r>
-            <a:endParaRPr lang="en-US" altLang="en-US" sz="1800">
-              <a:solidFill>
-                <a:srgbClr val="000000"/>
-              </a:solidFill>
-            </a:endParaRPr>
-          </a:p>
-        </p:txBody>
-      </p:sp>
-    </p:spTree>
-  </p:cSld>
-  <p:clrMapOvr>
-    <a:masterClrMapping/>
-  </p:clrMapOvr>
-  <p:transition spd="med">
-    <p:fade/>
-  </p:transition>
-  <p:timing>
-    <p:tnLst>
-      <p:par>
-        <p:cTn id="1" dur="indefinite" restart="never" nodeType="tmRoot">
-          <p:childTnLst>
-            <p:seq concurrent="1" nextAc="seek">
-              <p:cTn id="2" dur="indefinite" nodeType="mainSeq">
-                <p:childTnLst>
-                  <p:par>
-                    <p:cTn id="3" fill="hold" nodeType="clickPar">
-                      <p:stCondLst>
-                        <p:cond delay="indefinite"/>
-                        <p:cond evt="onBegin" delay="0">
-                          <p:tn val="2"/>
-                        </p:cond>
-                      </p:stCondLst>
-                      <p:childTnLst>
-                        <p:par>
-                          <p:cTn id="4" fill="hold" nodeType="withGroup">
-                            <p:stCondLst>
-                              <p:cond delay="0"/>
-                            </p:stCondLst>
-                            <p:childTnLst>
-                              <p:par>
-                                <p:cTn id="5" presetID="0" presetClass="entr" presetSubtype="0" fill="hold" nodeType="afterEffect">
-                                  <p:stCondLst>
-                                    <p:cond delay="0"/>
-                                  </p:stCondLst>
-                                  <p:childTnLst>
-                                    <p:set>
-                                      <p:cBhvr>
-                                        <p:cTn id="6" dur="1" fill="hold">
-                                          <p:stCondLst>
-                                            <p:cond delay="499"/>
-                                          </p:stCondLst>
-                                        </p:cTn>
-                                        <p:tgtEl>
-                                          <p:spTgt spid="47105"/>
-                                        </p:tgtEl>
-                                        <p:attrNameLst>
-                                          <p:attrName>style.visibility</p:attrName>
-                                        </p:attrNameLst>
-                                      </p:cBhvr>
-                                      <p:to>
-                                        <p:strVal val="visible"/>
-                                      </p:to>
-                                    </p:set>
-                                  </p:childTnLst>
-                                </p:cTn>
-                              </p:par>
-                            </p:childTnLst>
-                          </p:cTn>
-                        </p:par>
-                      </p:childTnLst>
-                    </p:cTn>
-                  </p:par>
-                </p:childTnLst>
-              </p:cTn>
-              <p:prevCondLst>
-                <p:cond evt="onPrev" delay="0">
-                  <p:tgtEl>
-                    <p:sldTgt/>
-                  </p:tgtEl>
-                </p:cond>
-              </p:prevCondLst>
-              <p:nextCondLst>
-                <p:cond evt="onNext" delay="0">
-                  <p:tgtEl>
-                    <p:sldTgt/>
-                  </p:tgtEl>
-                </p:cond>
-              </p:nextCondLst>
-            </p:seq>
-          </p:childTnLst>
-        </p:cTn>
-      </p:par>
-    </p:tnLst>
-  </p:timing>
-</p:sld>
-</file>
-
-<file path=ppt/slides/slide16.xml><?xml version="1.0" encoding="utf-8"?>
-<p:sld xmlns:a="http://schemas.openxmlformats.org/drawingml/2006/main" xmlns:r="http://schemas.openxmlformats.org/officeDocument/2006/relationships" xmlns:p="http://schemas.openxmlformats.org/presentationml/2006/main">
-  <p:cSld>
-    <p:spTree>
-      <p:nvGrpSpPr>
-        <p:cNvPr id="1" name=""/>
-        <p:cNvGrpSpPr/>
-        <p:nvPr/>
-      </p:nvGrpSpPr>
-      <p:grpSpPr>
-        <a:xfrm>
-          <a:off x="0" y="0"/>
-          <a:ext cx="0" cy="0"/>
-          <a:chOff x="0" y="0"/>
-          <a:chExt cx="0" cy="0"/>
-        </a:xfrm>
-      </p:grpSpPr>
-      <p:pic>
-        <p:nvPicPr>
-          <p:cNvPr id="48129" name="Picture 1" descr="next.png"/>
-          <p:cNvPicPr>
-            <a:picLocks noChangeAspect="1"/>
-          </p:cNvPicPr>
-          <p:nvPr/>
-        </p:nvPicPr>
-        <p:blipFill>
-          <a:blip r:embed="rId2">
-            <a:extLst>
-              <a:ext uri="{28A0092B-C50C-407E-A947-70E740481C1C}">
-                <a14:useLocalDpi xmlns:a14="http://schemas.microsoft.com/office/drawing/2010/main" val="0"/>
-              </a:ext>
-            </a:extLst>
-          </a:blip>
-          <a:srcRect/>
-          <a:stretch>
-            <a:fillRect/>
-          </a:stretch>
-        </p:blipFill>
-        <p:spPr bwMode="auto">
-          <a:xfrm>
-            <a:off x="12115800" y="8864600"/>
-            <a:ext cx="635000" cy="635000"/>
-          </a:xfrm>
-          <a:prstGeom prst="rect">
-            <a:avLst/>
-          </a:prstGeom>
-          <a:noFill/>
-          <a:ln>
-            <a:noFill/>
-          </a:ln>
-          <a:extLst>
-            <a:ext uri="{909E8E84-426E-40DD-AFC4-6F175D3DCCD1}">
-              <a14:hiddenFill xmlns:a14="http://schemas.microsoft.com/office/drawing/2010/main">
-                <a:solidFill>
-                  <a:srgbClr val="FFFFFF"/>
-                </a:solidFill>
-              </a14:hiddenFill>
-            </a:ext>
-            <a:ext uri="{91240B29-F687-4F45-9708-019B960494DF}">
-              <a14:hiddenLine xmlns:a14="http://schemas.microsoft.com/office/drawing/2010/main" w="12700">
-                <a:solidFill>
-                  <a:srgbClr val="000000"/>
-                </a:solidFill>
-                <a:miter lim="0"/>
-                <a:headEnd/>
-                <a:tailEnd/>
-              </a14:hiddenLine>
-            </a:ext>
-          </a:extLst>
-        </p:spPr>
-      </p:pic>
-      <p:sp>
-        <p:nvSpPr>
-          <p:cNvPr id="81923" name="Rectangle 2"/>
-          <p:cNvSpPr>
-            <a:spLocks/>
-          </p:cNvSpPr>
-          <p:nvPr/>
-        </p:nvSpPr>
-        <p:spPr bwMode="auto">
-          <a:xfrm>
-            <a:off x="0" y="4875213"/>
-            <a:ext cx="13004800" cy="4878387"/>
-          </a:xfrm>
-          <a:prstGeom prst="rect">
-            <a:avLst/>
-          </a:prstGeom>
-          <a:noFill/>
-          <a:ln>
-            <a:noFill/>
-          </a:ln>
-          <a:extLst>
-            <a:ext uri="{909E8E84-426E-40DD-AFC4-6F175D3DCCD1}">
-              <a14:hiddenFill xmlns:a14="http://schemas.microsoft.com/office/drawing/2010/main">
-                <a:solidFill>
-                  <a:srgbClr val="FFFFFF"/>
-                </a:solidFill>
-              </a14:hiddenFill>
-            </a:ext>
-            <a:ext uri="{91240B29-F687-4F45-9708-019B960494DF}">
-              <a14:hiddenLine xmlns:a14="http://schemas.microsoft.com/office/drawing/2010/main" w="12700">
-                <a:solidFill>
-                  <a:srgbClr val="000000"/>
-                </a:solidFill>
-                <a:miter lim="0"/>
-                <a:headEnd/>
-                <a:tailEnd/>
-              </a14:hiddenLine>
-            </a:ext>
-          </a:extLst>
-        </p:spPr>
-        <p:txBody>
-          <a:bodyPr lIns="0" tIns="0" rIns="0" bIns="0"/>
-          <a:lstStyle>
-            <a:lvl1pPr eaLnBrk="0">
-              <a:defRPr sz="4000">
-                <a:solidFill>
-                  <a:srgbClr val="32302E"/>
-                </a:solidFill>
-                <a:latin typeface="Courier" charset="0"/>
-                <a:ea typeface="Courier" charset="0"/>
-                <a:cs typeface="Courier" charset="0"/>
-                <a:sym typeface="Courier" charset="0"/>
-              </a:defRPr>
-            </a:lvl1pPr>
-            <a:lvl2pPr marL="37931725" indent="-37474525" eaLnBrk="0">
-              <a:defRPr sz="4000">
-                <a:solidFill>
-                  <a:srgbClr val="32302E"/>
-                </a:solidFill>
-                <a:latin typeface="Courier" charset="0"/>
-                <a:ea typeface="Courier" charset="0"/>
-                <a:cs typeface="Courier" charset="0"/>
-                <a:sym typeface="Courier" charset="0"/>
-              </a:defRPr>
-            </a:lvl2pPr>
-            <a:lvl3pPr eaLnBrk="0">
-              <a:defRPr sz="4000">
-                <a:solidFill>
-                  <a:srgbClr val="32302E"/>
-                </a:solidFill>
-                <a:latin typeface="Courier" charset="0"/>
-                <a:ea typeface="Courier" charset="0"/>
-                <a:cs typeface="Courier" charset="0"/>
-                <a:sym typeface="Courier" charset="0"/>
-              </a:defRPr>
-            </a:lvl3pPr>
-            <a:lvl4pPr eaLnBrk="0">
-              <a:defRPr sz="4000">
-                <a:solidFill>
-                  <a:srgbClr val="32302E"/>
-                </a:solidFill>
-                <a:latin typeface="Courier" charset="0"/>
-                <a:ea typeface="Courier" charset="0"/>
-                <a:cs typeface="Courier" charset="0"/>
-                <a:sym typeface="Courier" charset="0"/>
-              </a:defRPr>
-            </a:lvl4pPr>
-            <a:lvl5pPr eaLnBrk="0">
-              <a:defRPr sz="4000">
-                <a:solidFill>
-                  <a:srgbClr val="32302E"/>
-                </a:solidFill>
-                <a:latin typeface="Courier" charset="0"/>
-                <a:ea typeface="Courier" charset="0"/>
-                <a:cs typeface="Courier" charset="0"/>
-                <a:sym typeface="Courier" charset="0"/>
-              </a:defRPr>
-            </a:lvl5pPr>
-            <a:lvl6pPr marL="457200" eaLnBrk="0" fontAlgn="base" hangingPunct="0">
-              <a:spcBef>
-                <a:spcPct val="0"/>
-              </a:spcBef>
-              <a:spcAft>
-                <a:spcPct val="0"/>
-              </a:spcAft>
-              <a:defRPr sz="4000">
-                <a:solidFill>
-                  <a:srgbClr val="32302E"/>
-                </a:solidFill>
-                <a:latin typeface="Courier" charset="0"/>
-                <a:ea typeface="Courier" charset="0"/>
-                <a:cs typeface="Courier" charset="0"/>
-                <a:sym typeface="Courier" charset="0"/>
-              </a:defRPr>
-            </a:lvl6pPr>
-            <a:lvl7pPr marL="914400" eaLnBrk="0" fontAlgn="base" hangingPunct="0">
-              <a:spcBef>
-                <a:spcPct val="0"/>
-              </a:spcBef>
-              <a:spcAft>
-                <a:spcPct val="0"/>
-              </a:spcAft>
-              <a:defRPr sz="4000">
-                <a:solidFill>
-                  <a:srgbClr val="32302E"/>
-                </a:solidFill>
-                <a:latin typeface="Courier" charset="0"/>
-                <a:ea typeface="Courier" charset="0"/>
-                <a:cs typeface="Courier" charset="0"/>
-                <a:sym typeface="Courier" charset="0"/>
-              </a:defRPr>
-            </a:lvl7pPr>
-            <a:lvl8pPr marL="1371600" eaLnBrk="0" fontAlgn="base" hangingPunct="0">
-              <a:spcBef>
-                <a:spcPct val="0"/>
-              </a:spcBef>
-              <a:spcAft>
-                <a:spcPct val="0"/>
-              </a:spcAft>
-              <a:defRPr sz="4000">
-                <a:solidFill>
-                  <a:srgbClr val="32302E"/>
-                </a:solidFill>
-                <a:latin typeface="Courier" charset="0"/>
-                <a:ea typeface="Courier" charset="0"/>
-                <a:cs typeface="Courier" charset="0"/>
-                <a:sym typeface="Courier" charset="0"/>
-              </a:defRPr>
-            </a:lvl8pPr>
-            <a:lvl9pPr marL="1828800" eaLnBrk="0" fontAlgn="base" hangingPunct="0">
-              <a:spcBef>
-                <a:spcPct val="0"/>
-              </a:spcBef>
-              <a:spcAft>
-                <a:spcPct val="0"/>
-              </a:spcAft>
-              <a:defRPr sz="4000">
-                <a:solidFill>
-                  <a:srgbClr val="32302E"/>
-                </a:solidFill>
-                <a:latin typeface="Courier" charset="0"/>
-                <a:ea typeface="Courier" charset="0"/>
-                <a:cs typeface="Courier" charset="0"/>
-                <a:sym typeface="Courier" charset="0"/>
-              </a:defRPr>
-            </a:lvl9pPr>
-          </a:lstStyle>
-          <a:p>
-            <a:pPr eaLnBrk="1"/>
-            <a:r>
-              <a:rPr lang="en-US" altLang="en-US" sz="8000">
-                <a:solidFill>
-                  <a:srgbClr val="FFFFFF"/>
-                </a:solidFill>
-              </a:rPr>
-              <a:t>colors[</a:t>
-            </a:r>
-            <a:r>
-              <a:rPr lang="en-US" altLang="en-US" sz="8000">
-                <a:solidFill>
-                  <a:srgbClr val="FDB834"/>
-                </a:solidFill>
-              </a:rPr>
-              <a:t>1</a:t>
-            </a:r>
-            <a:r>
-              <a:rPr lang="en-US" altLang="en-US" sz="8000">
-                <a:solidFill>
-                  <a:srgbClr val="FFFFFF"/>
-                </a:solidFill>
-              </a:rPr>
-              <a:t>];</a:t>
-            </a:r>
-            <a:endParaRPr lang="en-US" altLang="en-US" sz="1800">
-              <a:solidFill>
-                <a:srgbClr val="000000"/>
-              </a:solidFill>
-            </a:endParaRPr>
-          </a:p>
-        </p:txBody>
-      </p:sp>
-      <p:sp>
-        <p:nvSpPr>
-          <p:cNvPr id="81924" name="Rectangle 3"/>
-          <p:cNvSpPr>
-            <a:spLocks/>
-          </p:cNvSpPr>
-          <p:nvPr/>
-        </p:nvSpPr>
-        <p:spPr bwMode="auto">
-          <a:xfrm>
-            <a:off x="0" y="-2538413"/>
-            <a:ext cx="13004800" cy="9750426"/>
-          </a:xfrm>
-          <a:prstGeom prst="rect">
-            <a:avLst/>
-          </a:prstGeom>
-          <a:noFill/>
-          <a:ln>
-            <a:noFill/>
-          </a:ln>
-          <a:extLst>
-            <a:ext uri="{909E8E84-426E-40DD-AFC4-6F175D3DCCD1}">
-              <a14:hiddenFill xmlns:a14="http://schemas.microsoft.com/office/drawing/2010/main">
-                <a:solidFill>
-                  <a:srgbClr val="FFFFFF"/>
-                </a:solidFill>
-              </a14:hiddenFill>
-            </a:ext>
-            <a:ext uri="{91240B29-F687-4F45-9708-019B960494DF}">
-              <a14:hiddenLine xmlns:a14="http://schemas.microsoft.com/office/drawing/2010/main" w="12700">
-                <a:solidFill>
-                  <a:srgbClr val="000000"/>
-                </a:solidFill>
-                <a:miter lim="0"/>
-                <a:headEnd/>
-                <a:tailEnd/>
-              </a14:hiddenLine>
-            </a:ext>
-          </a:extLst>
-        </p:spPr>
-        <p:txBody>
-          <a:bodyPr lIns="635000" tIns="635000" rIns="635000" bIns="635000" anchor="ctr"/>
-          <a:lstStyle>
-            <a:lvl1pPr eaLnBrk="0">
-              <a:defRPr sz="4000">
-                <a:solidFill>
-                  <a:srgbClr val="32302E"/>
-                </a:solidFill>
-                <a:latin typeface="Courier" charset="0"/>
-                <a:ea typeface="Courier" charset="0"/>
-                <a:cs typeface="Courier" charset="0"/>
-                <a:sym typeface="Courier" charset="0"/>
-              </a:defRPr>
-            </a:lvl1pPr>
-            <a:lvl2pPr marL="37931725" indent="-37474525" eaLnBrk="0">
-              <a:defRPr sz="4000">
-                <a:solidFill>
-                  <a:srgbClr val="32302E"/>
-                </a:solidFill>
-                <a:latin typeface="Courier" charset="0"/>
-                <a:ea typeface="Courier" charset="0"/>
-                <a:cs typeface="Courier" charset="0"/>
-                <a:sym typeface="Courier" charset="0"/>
-              </a:defRPr>
-            </a:lvl2pPr>
-            <a:lvl3pPr eaLnBrk="0">
-              <a:defRPr sz="4000">
-                <a:solidFill>
-                  <a:srgbClr val="32302E"/>
-                </a:solidFill>
-                <a:latin typeface="Courier" charset="0"/>
-                <a:ea typeface="Courier" charset="0"/>
-                <a:cs typeface="Courier" charset="0"/>
-                <a:sym typeface="Courier" charset="0"/>
-              </a:defRPr>
-            </a:lvl3pPr>
-            <a:lvl4pPr eaLnBrk="0">
-              <a:defRPr sz="4000">
-                <a:solidFill>
-                  <a:srgbClr val="32302E"/>
-                </a:solidFill>
-                <a:latin typeface="Courier" charset="0"/>
-                <a:ea typeface="Courier" charset="0"/>
-                <a:cs typeface="Courier" charset="0"/>
-                <a:sym typeface="Courier" charset="0"/>
-              </a:defRPr>
-            </a:lvl4pPr>
-            <a:lvl5pPr eaLnBrk="0">
-              <a:defRPr sz="4000">
-                <a:solidFill>
-                  <a:srgbClr val="32302E"/>
-                </a:solidFill>
-                <a:latin typeface="Courier" charset="0"/>
-                <a:ea typeface="Courier" charset="0"/>
-                <a:cs typeface="Courier" charset="0"/>
-                <a:sym typeface="Courier" charset="0"/>
-              </a:defRPr>
-            </a:lvl5pPr>
-            <a:lvl6pPr marL="457200" eaLnBrk="0" fontAlgn="base" hangingPunct="0">
-              <a:spcBef>
-                <a:spcPct val="0"/>
-              </a:spcBef>
-              <a:spcAft>
-                <a:spcPct val="0"/>
-              </a:spcAft>
-              <a:defRPr sz="4000">
-                <a:solidFill>
-                  <a:srgbClr val="32302E"/>
-                </a:solidFill>
-                <a:latin typeface="Courier" charset="0"/>
-                <a:ea typeface="Courier" charset="0"/>
-                <a:cs typeface="Courier" charset="0"/>
-                <a:sym typeface="Courier" charset="0"/>
-              </a:defRPr>
-            </a:lvl6pPr>
-            <a:lvl7pPr marL="914400" eaLnBrk="0" fontAlgn="base" hangingPunct="0">
-              <a:spcBef>
-                <a:spcPct val="0"/>
-              </a:spcBef>
-              <a:spcAft>
-                <a:spcPct val="0"/>
-              </a:spcAft>
-              <a:defRPr sz="4000">
-                <a:solidFill>
-                  <a:srgbClr val="32302E"/>
-                </a:solidFill>
-                <a:latin typeface="Courier" charset="0"/>
-                <a:ea typeface="Courier" charset="0"/>
-                <a:cs typeface="Courier" charset="0"/>
-                <a:sym typeface="Courier" charset="0"/>
-              </a:defRPr>
-            </a:lvl7pPr>
-            <a:lvl8pPr marL="1371600" eaLnBrk="0" fontAlgn="base" hangingPunct="0">
-              <a:spcBef>
-                <a:spcPct val="0"/>
-              </a:spcBef>
-              <a:spcAft>
-                <a:spcPct val="0"/>
-              </a:spcAft>
-              <a:defRPr sz="4000">
-                <a:solidFill>
-                  <a:srgbClr val="32302E"/>
-                </a:solidFill>
-                <a:latin typeface="Courier" charset="0"/>
-                <a:ea typeface="Courier" charset="0"/>
-                <a:cs typeface="Courier" charset="0"/>
-                <a:sym typeface="Courier" charset="0"/>
-              </a:defRPr>
-            </a:lvl8pPr>
-            <a:lvl9pPr marL="1828800" eaLnBrk="0" fontAlgn="base" hangingPunct="0">
-              <a:spcBef>
-                <a:spcPct val="0"/>
-              </a:spcBef>
-              <a:spcAft>
-                <a:spcPct val="0"/>
-              </a:spcAft>
-              <a:defRPr sz="4000">
-                <a:solidFill>
-                  <a:srgbClr val="32302E"/>
-                </a:solidFill>
-                <a:latin typeface="Courier" charset="0"/>
-                <a:ea typeface="Courier" charset="0"/>
-                <a:cs typeface="Courier" charset="0"/>
-                <a:sym typeface="Courier" charset="0"/>
-              </a:defRPr>
-            </a:lvl9pPr>
-          </a:lstStyle>
-          <a:p>
-            <a:pPr eaLnBrk="1"/>
-            <a:r>
-              <a:rPr lang="en-US" altLang="en-US">
-                <a:solidFill>
-                  <a:srgbClr val="FFFFFF"/>
-                </a:solidFill>
-              </a:rPr>
-              <a:t>colors = [‘pink’,</a:t>
-            </a:r>
-            <a:r>
-              <a:rPr lang="en-US" altLang="en-US">
-                <a:solidFill>
-                  <a:srgbClr val="FDB834"/>
-                </a:solidFill>
-              </a:rPr>
-              <a:t>‘yellow’</a:t>
-            </a:r>
-            <a:r>
-              <a:rPr lang="en-US" altLang="en-US">
-                <a:solidFill>
-                  <a:srgbClr val="FFFFFF"/>
-                </a:solidFill>
-              </a:rPr>
-              <a:t>,‘green’];</a:t>
-            </a:r>
-            <a:endParaRPr lang="en-US" altLang="en-US" sz="1800">
-              <a:solidFill>
-                <a:srgbClr val="000000"/>
-              </a:solidFill>
-            </a:endParaRPr>
-          </a:p>
-        </p:txBody>
-      </p:sp>
-    </p:spTree>
-  </p:cSld>
-  <p:clrMapOvr>
-    <a:masterClrMapping/>
-  </p:clrMapOvr>
-  <p:transition spd="med">
-    <p:fade/>
-  </p:transition>
-  <p:timing>
-    <p:tnLst>
-      <p:par>
-        <p:cTn id="1" dur="indefinite" restart="never" nodeType="tmRoot">
-          <p:childTnLst>
-            <p:seq concurrent="1" nextAc="seek">
-              <p:cTn id="2" dur="indefinite" nodeType="mainSeq">
-                <p:childTnLst>
-                  <p:par>
-                    <p:cTn id="3" fill="hold" nodeType="clickPar">
-                      <p:stCondLst>
-                        <p:cond delay="indefinite"/>
-                        <p:cond evt="onBegin" delay="0">
-                          <p:tn val="2"/>
-                        </p:cond>
-                      </p:stCondLst>
-                      <p:childTnLst>
-                        <p:par>
-                          <p:cTn id="4" fill="hold" nodeType="withGroup">
-                            <p:stCondLst>
-                              <p:cond delay="0"/>
-                            </p:stCondLst>
-                            <p:childTnLst>
-                              <p:par>
-                                <p:cTn id="5" presetID="0" presetClass="entr" presetSubtype="0" fill="hold" nodeType="afterEffect">
-                                  <p:stCondLst>
-                                    <p:cond delay="0"/>
-                                  </p:stCondLst>
-                                  <p:childTnLst>
-                                    <p:set>
-                                      <p:cBhvr>
-                                        <p:cTn id="6" dur="1" fill="hold">
-                                          <p:stCondLst>
-                                            <p:cond delay="499"/>
-                                          </p:stCondLst>
-                                        </p:cTn>
-                                        <p:tgtEl>
-                                          <p:spTgt spid="48129"/>
-                                        </p:tgtEl>
-                                        <p:attrNameLst>
-                                          <p:attrName>style.visibility</p:attrName>
-                                        </p:attrNameLst>
-                                      </p:cBhvr>
-                                      <p:to>
-                                        <p:strVal val="visible"/>
-                                      </p:to>
-                                    </p:set>
-                                  </p:childTnLst>
-                                </p:cTn>
-                              </p:par>
-                            </p:childTnLst>
-                          </p:cTn>
-                        </p:par>
-                      </p:childTnLst>
-                    </p:cTn>
-                  </p:par>
-                </p:childTnLst>
-              </p:cTn>
-              <p:prevCondLst>
-                <p:cond evt="onPrev" delay="0">
-                  <p:tgtEl>
-                    <p:sldTgt/>
-                  </p:tgtEl>
-                </p:cond>
-              </p:prevCondLst>
-              <p:nextCondLst>
-                <p:cond evt="onNext" delay="0">
-                  <p:tgtEl>
-                    <p:sldTgt/>
-                  </p:tgtEl>
-                </p:cond>
-              </p:nextCondLst>
-            </p:seq>
-          </p:childTnLst>
-        </p:cTn>
-      </p:par>
-    </p:tnLst>
-  </p:timing>
-</p:sld>
-</file>
-
-<file path=ppt/slides/slide17.xml><?xml version="1.0" encoding="utf-8"?>
-<p:sld xmlns:a="http://schemas.openxmlformats.org/drawingml/2006/main" xmlns:r="http://schemas.openxmlformats.org/officeDocument/2006/relationships" xmlns:p="http://schemas.openxmlformats.org/presentationml/2006/main">
-  <p:cSld>
-    <p:spTree>
-      <p:nvGrpSpPr>
-        <p:cNvPr id="1" name=""/>
-        <p:cNvGrpSpPr/>
-        <p:nvPr/>
-      </p:nvGrpSpPr>
-      <p:grpSpPr>
-        <a:xfrm>
-          <a:off x="0" y="0"/>
-          <a:ext cx="0" cy="0"/>
-          <a:chOff x="0" y="0"/>
-          <a:chExt cx="0" cy="0"/>
-        </a:xfrm>
-      </p:grpSpPr>
-      <p:pic>
-        <p:nvPicPr>
-          <p:cNvPr id="49153" name="Picture 1" descr="next.png"/>
-          <p:cNvPicPr>
-            <a:picLocks noChangeAspect="1"/>
-          </p:cNvPicPr>
-          <p:nvPr/>
-        </p:nvPicPr>
-        <p:blipFill>
-          <a:blip r:embed="rId2">
-            <a:extLst>
-              <a:ext uri="{28A0092B-C50C-407E-A947-70E740481C1C}">
-                <a14:useLocalDpi xmlns:a14="http://schemas.microsoft.com/office/drawing/2010/main" val="0"/>
-              </a:ext>
-            </a:extLst>
-          </a:blip>
-          <a:srcRect/>
-          <a:stretch>
-            <a:fillRect/>
-          </a:stretch>
-        </p:blipFill>
-        <p:spPr bwMode="auto">
-          <a:xfrm>
-            <a:off x="12115800" y="8864600"/>
-            <a:ext cx="635000" cy="635000"/>
-          </a:xfrm>
-          <a:prstGeom prst="rect">
-            <a:avLst/>
-          </a:prstGeom>
-          <a:noFill/>
-          <a:ln>
-            <a:noFill/>
-          </a:ln>
-          <a:extLst>
-            <a:ext uri="{909E8E84-426E-40DD-AFC4-6F175D3DCCD1}">
-              <a14:hiddenFill xmlns:a14="http://schemas.microsoft.com/office/drawing/2010/main">
-                <a:solidFill>
-                  <a:srgbClr val="FFFFFF"/>
-                </a:solidFill>
-              </a14:hiddenFill>
-            </a:ext>
-            <a:ext uri="{91240B29-F687-4F45-9708-019B960494DF}">
-              <a14:hiddenLine xmlns:a14="http://schemas.microsoft.com/office/drawing/2010/main" w="12700">
-                <a:solidFill>
-                  <a:srgbClr val="000000"/>
-                </a:solidFill>
-                <a:miter lim="0"/>
-                <a:headEnd/>
-                <a:tailEnd/>
-              </a14:hiddenLine>
-            </a:ext>
-          </a:extLst>
-        </p:spPr>
-      </p:pic>
-      <p:sp>
-        <p:nvSpPr>
-          <p:cNvPr id="82947" name="Rectangle 2"/>
-          <p:cNvSpPr>
-            <a:spLocks/>
-          </p:cNvSpPr>
-          <p:nvPr/>
-        </p:nvSpPr>
-        <p:spPr bwMode="auto">
-          <a:xfrm>
-            <a:off x="0" y="4875213"/>
-            <a:ext cx="13004800" cy="4878387"/>
-          </a:xfrm>
-          <a:prstGeom prst="rect">
-            <a:avLst/>
-          </a:prstGeom>
-          <a:noFill/>
-          <a:ln>
-            <a:noFill/>
-          </a:ln>
-          <a:extLst>
-            <a:ext uri="{909E8E84-426E-40DD-AFC4-6F175D3DCCD1}">
-              <a14:hiddenFill xmlns:a14="http://schemas.microsoft.com/office/drawing/2010/main">
-                <a:solidFill>
-                  <a:srgbClr val="FFFFFF"/>
-                </a:solidFill>
-              </a14:hiddenFill>
-            </a:ext>
-            <a:ext uri="{91240B29-F687-4F45-9708-019B960494DF}">
-              <a14:hiddenLine xmlns:a14="http://schemas.microsoft.com/office/drawing/2010/main" w="12700">
-                <a:solidFill>
-                  <a:srgbClr val="000000"/>
-                </a:solidFill>
-                <a:miter lim="0"/>
-                <a:headEnd/>
-                <a:tailEnd/>
-              </a14:hiddenLine>
-            </a:ext>
-          </a:extLst>
-        </p:spPr>
-        <p:txBody>
-          <a:bodyPr lIns="0" tIns="0" rIns="0" bIns="0"/>
-          <a:lstStyle>
-            <a:lvl1pPr eaLnBrk="0">
-              <a:defRPr sz="4000">
-                <a:solidFill>
-                  <a:srgbClr val="32302E"/>
-                </a:solidFill>
-                <a:latin typeface="Courier" charset="0"/>
-                <a:ea typeface="Courier" charset="0"/>
-                <a:cs typeface="Courier" charset="0"/>
-                <a:sym typeface="Courier" charset="0"/>
-              </a:defRPr>
-            </a:lvl1pPr>
-            <a:lvl2pPr marL="37931725" indent="-37474525" eaLnBrk="0">
-              <a:defRPr sz="4000">
-                <a:solidFill>
-                  <a:srgbClr val="32302E"/>
-                </a:solidFill>
-                <a:latin typeface="Courier" charset="0"/>
-                <a:ea typeface="Courier" charset="0"/>
-                <a:cs typeface="Courier" charset="0"/>
-                <a:sym typeface="Courier" charset="0"/>
-              </a:defRPr>
-            </a:lvl2pPr>
-            <a:lvl3pPr eaLnBrk="0">
-              <a:defRPr sz="4000">
-                <a:solidFill>
-                  <a:srgbClr val="32302E"/>
-                </a:solidFill>
-                <a:latin typeface="Courier" charset="0"/>
-                <a:ea typeface="Courier" charset="0"/>
-                <a:cs typeface="Courier" charset="0"/>
-                <a:sym typeface="Courier" charset="0"/>
-              </a:defRPr>
-            </a:lvl3pPr>
-            <a:lvl4pPr eaLnBrk="0">
-              <a:defRPr sz="4000">
-                <a:solidFill>
-                  <a:srgbClr val="32302E"/>
-                </a:solidFill>
-                <a:latin typeface="Courier" charset="0"/>
-                <a:ea typeface="Courier" charset="0"/>
-                <a:cs typeface="Courier" charset="0"/>
-                <a:sym typeface="Courier" charset="0"/>
-              </a:defRPr>
-            </a:lvl4pPr>
-            <a:lvl5pPr eaLnBrk="0">
-              <a:defRPr sz="4000">
-                <a:solidFill>
-                  <a:srgbClr val="32302E"/>
-                </a:solidFill>
-                <a:latin typeface="Courier" charset="0"/>
-                <a:ea typeface="Courier" charset="0"/>
-                <a:cs typeface="Courier" charset="0"/>
-                <a:sym typeface="Courier" charset="0"/>
-              </a:defRPr>
-            </a:lvl5pPr>
-            <a:lvl6pPr marL="457200" eaLnBrk="0" fontAlgn="base" hangingPunct="0">
-              <a:spcBef>
-                <a:spcPct val="0"/>
-              </a:spcBef>
-              <a:spcAft>
-                <a:spcPct val="0"/>
-              </a:spcAft>
-              <a:defRPr sz="4000">
-                <a:solidFill>
-                  <a:srgbClr val="32302E"/>
-                </a:solidFill>
-                <a:latin typeface="Courier" charset="0"/>
-                <a:ea typeface="Courier" charset="0"/>
-                <a:cs typeface="Courier" charset="0"/>
-                <a:sym typeface="Courier" charset="0"/>
-              </a:defRPr>
-            </a:lvl6pPr>
-            <a:lvl7pPr marL="914400" eaLnBrk="0" fontAlgn="base" hangingPunct="0">
-              <a:spcBef>
-                <a:spcPct val="0"/>
-              </a:spcBef>
-              <a:spcAft>
-                <a:spcPct val="0"/>
-              </a:spcAft>
-              <a:defRPr sz="4000">
-                <a:solidFill>
-                  <a:srgbClr val="32302E"/>
-                </a:solidFill>
-                <a:latin typeface="Courier" charset="0"/>
-                <a:ea typeface="Courier" charset="0"/>
-                <a:cs typeface="Courier" charset="0"/>
-                <a:sym typeface="Courier" charset="0"/>
-              </a:defRPr>
-            </a:lvl7pPr>
-            <a:lvl8pPr marL="1371600" eaLnBrk="0" fontAlgn="base" hangingPunct="0">
-              <a:spcBef>
-                <a:spcPct val="0"/>
-              </a:spcBef>
-              <a:spcAft>
-                <a:spcPct val="0"/>
-              </a:spcAft>
-              <a:defRPr sz="4000">
-                <a:solidFill>
-                  <a:srgbClr val="32302E"/>
-                </a:solidFill>
-                <a:latin typeface="Courier" charset="0"/>
-                <a:ea typeface="Courier" charset="0"/>
-                <a:cs typeface="Courier" charset="0"/>
-                <a:sym typeface="Courier" charset="0"/>
-              </a:defRPr>
-            </a:lvl8pPr>
-            <a:lvl9pPr marL="1828800" eaLnBrk="0" fontAlgn="base" hangingPunct="0">
-              <a:spcBef>
-                <a:spcPct val="0"/>
-              </a:spcBef>
-              <a:spcAft>
-                <a:spcPct val="0"/>
-              </a:spcAft>
-              <a:defRPr sz="4000">
-                <a:solidFill>
-                  <a:srgbClr val="32302E"/>
-                </a:solidFill>
-                <a:latin typeface="Courier" charset="0"/>
-                <a:ea typeface="Courier" charset="0"/>
-                <a:cs typeface="Courier" charset="0"/>
-                <a:sym typeface="Courier" charset="0"/>
-              </a:defRPr>
-            </a:lvl9pPr>
-          </a:lstStyle>
-          <a:p>
-            <a:pPr eaLnBrk="1"/>
-            <a:r>
-              <a:rPr lang="en-US" altLang="en-US" sz="8000">
-                <a:solidFill>
-                  <a:srgbClr val="FFFFFF"/>
-                </a:solidFill>
-              </a:rPr>
-              <a:t>colors[</a:t>
-            </a:r>
-            <a:r>
-              <a:rPr lang="en-US" altLang="en-US" sz="8000">
-                <a:solidFill>
-                  <a:srgbClr val="00A996"/>
-                </a:solidFill>
-              </a:rPr>
-              <a:t>2</a:t>
-            </a:r>
-            <a:r>
-              <a:rPr lang="en-US" altLang="en-US" sz="8000">
-                <a:solidFill>
-                  <a:srgbClr val="FFFFFF"/>
-                </a:solidFill>
-              </a:rPr>
-              <a:t>];</a:t>
-            </a:r>
-            <a:endParaRPr lang="en-US" altLang="en-US" sz="1800">
-              <a:solidFill>
-                <a:srgbClr val="000000"/>
-              </a:solidFill>
-            </a:endParaRPr>
-          </a:p>
-        </p:txBody>
-      </p:sp>
-      <p:sp>
-        <p:nvSpPr>
-          <p:cNvPr id="82948" name="Rectangle 3"/>
-          <p:cNvSpPr>
-            <a:spLocks/>
-          </p:cNvSpPr>
-          <p:nvPr/>
-        </p:nvSpPr>
-        <p:spPr bwMode="auto">
-          <a:xfrm>
-            <a:off x="0" y="-2538413"/>
-            <a:ext cx="13004800" cy="9750426"/>
-          </a:xfrm>
-          <a:prstGeom prst="rect">
-            <a:avLst/>
-          </a:prstGeom>
-          <a:noFill/>
-          <a:ln>
-            <a:noFill/>
-          </a:ln>
-          <a:extLst>
-            <a:ext uri="{909E8E84-426E-40DD-AFC4-6F175D3DCCD1}">
-              <a14:hiddenFill xmlns:a14="http://schemas.microsoft.com/office/drawing/2010/main">
-                <a:solidFill>
-                  <a:srgbClr val="FFFFFF"/>
-                </a:solidFill>
-              </a14:hiddenFill>
-            </a:ext>
-            <a:ext uri="{91240B29-F687-4F45-9708-019B960494DF}">
-              <a14:hiddenLine xmlns:a14="http://schemas.microsoft.com/office/drawing/2010/main" w="12700">
-                <a:solidFill>
-                  <a:srgbClr val="000000"/>
-                </a:solidFill>
-                <a:miter lim="0"/>
-                <a:headEnd/>
-                <a:tailEnd/>
-              </a14:hiddenLine>
-            </a:ext>
-          </a:extLst>
-        </p:spPr>
-        <p:txBody>
-          <a:bodyPr lIns="635000" tIns="635000" rIns="635000" bIns="635000" anchor="ctr"/>
-          <a:lstStyle>
-            <a:lvl1pPr eaLnBrk="0">
-              <a:defRPr sz="4000">
-                <a:solidFill>
-                  <a:srgbClr val="32302E"/>
-                </a:solidFill>
-                <a:latin typeface="Courier" charset="0"/>
-                <a:ea typeface="Courier" charset="0"/>
-                <a:cs typeface="Courier" charset="0"/>
-                <a:sym typeface="Courier" charset="0"/>
-              </a:defRPr>
-            </a:lvl1pPr>
-            <a:lvl2pPr marL="37931725" indent="-37474525" eaLnBrk="0">
-              <a:defRPr sz="4000">
-                <a:solidFill>
-                  <a:srgbClr val="32302E"/>
-                </a:solidFill>
-                <a:latin typeface="Courier" charset="0"/>
-                <a:ea typeface="Courier" charset="0"/>
-                <a:cs typeface="Courier" charset="0"/>
-                <a:sym typeface="Courier" charset="0"/>
-              </a:defRPr>
-            </a:lvl2pPr>
-            <a:lvl3pPr eaLnBrk="0">
-              <a:defRPr sz="4000">
-                <a:solidFill>
-                  <a:srgbClr val="32302E"/>
-                </a:solidFill>
-                <a:latin typeface="Courier" charset="0"/>
-                <a:ea typeface="Courier" charset="0"/>
-                <a:cs typeface="Courier" charset="0"/>
-                <a:sym typeface="Courier" charset="0"/>
-              </a:defRPr>
-            </a:lvl3pPr>
-            <a:lvl4pPr eaLnBrk="0">
-              <a:defRPr sz="4000">
-                <a:solidFill>
-                  <a:srgbClr val="32302E"/>
-                </a:solidFill>
-                <a:latin typeface="Courier" charset="0"/>
-                <a:ea typeface="Courier" charset="0"/>
-                <a:cs typeface="Courier" charset="0"/>
-                <a:sym typeface="Courier" charset="0"/>
-              </a:defRPr>
-            </a:lvl4pPr>
-            <a:lvl5pPr eaLnBrk="0">
-              <a:defRPr sz="4000">
-                <a:solidFill>
-                  <a:srgbClr val="32302E"/>
-                </a:solidFill>
-                <a:latin typeface="Courier" charset="0"/>
-                <a:ea typeface="Courier" charset="0"/>
-                <a:cs typeface="Courier" charset="0"/>
-                <a:sym typeface="Courier" charset="0"/>
-              </a:defRPr>
-            </a:lvl5pPr>
-            <a:lvl6pPr marL="457200" eaLnBrk="0" fontAlgn="base" hangingPunct="0">
-              <a:spcBef>
-                <a:spcPct val="0"/>
-              </a:spcBef>
-              <a:spcAft>
-                <a:spcPct val="0"/>
-              </a:spcAft>
-              <a:defRPr sz="4000">
-                <a:solidFill>
-                  <a:srgbClr val="32302E"/>
-                </a:solidFill>
-                <a:latin typeface="Courier" charset="0"/>
-                <a:ea typeface="Courier" charset="0"/>
-                <a:cs typeface="Courier" charset="0"/>
-                <a:sym typeface="Courier" charset="0"/>
-              </a:defRPr>
-            </a:lvl6pPr>
-            <a:lvl7pPr marL="914400" eaLnBrk="0" fontAlgn="base" hangingPunct="0">
-              <a:spcBef>
-                <a:spcPct val="0"/>
-              </a:spcBef>
-              <a:spcAft>
-                <a:spcPct val="0"/>
-              </a:spcAft>
-              <a:defRPr sz="4000">
-                <a:solidFill>
-                  <a:srgbClr val="32302E"/>
-                </a:solidFill>
-                <a:latin typeface="Courier" charset="0"/>
-                <a:ea typeface="Courier" charset="0"/>
-                <a:cs typeface="Courier" charset="0"/>
-                <a:sym typeface="Courier" charset="0"/>
-              </a:defRPr>
-            </a:lvl7pPr>
-            <a:lvl8pPr marL="1371600" eaLnBrk="0" fontAlgn="base" hangingPunct="0">
-              <a:spcBef>
-                <a:spcPct val="0"/>
-              </a:spcBef>
-              <a:spcAft>
-                <a:spcPct val="0"/>
-              </a:spcAft>
-              <a:defRPr sz="4000">
-                <a:solidFill>
-                  <a:srgbClr val="32302E"/>
-                </a:solidFill>
-                <a:latin typeface="Courier" charset="0"/>
-                <a:ea typeface="Courier" charset="0"/>
-                <a:cs typeface="Courier" charset="0"/>
-                <a:sym typeface="Courier" charset="0"/>
-              </a:defRPr>
-            </a:lvl8pPr>
-            <a:lvl9pPr marL="1828800" eaLnBrk="0" fontAlgn="base" hangingPunct="0">
-              <a:spcBef>
-                <a:spcPct val="0"/>
-              </a:spcBef>
-              <a:spcAft>
-                <a:spcPct val="0"/>
-              </a:spcAft>
-              <a:defRPr sz="4000">
-                <a:solidFill>
-                  <a:srgbClr val="32302E"/>
-                </a:solidFill>
-                <a:latin typeface="Courier" charset="0"/>
-                <a:ea typeface="Courier" charset="0"/>
-                <a:cs typeface="Courier" charset="0"/>
-                <a:sym typeface="Courier" charset="0"/>
-              </a:defRPr>
-            </a:lvl9pPr>
-          </a:lstStyle>
-          <a:p>
-            <a:pPr eaLnBrk="1"/>
-            <a:r>
-              <a:rPr lang="en-US" altLang="en-US">
-                <a:solidFill>
-                  <a:srgbClr val="FFFFFF"/>
-                </a:solidFill>
-              </a:rPr>
-              <a:t>colors = [‘pink’,‘yellow’,</a:t>
-            </a:r>
-            <a:r>
-              <a:rPr lang="en-US" altLang="en-US">
-                <a:solidFill>
-                  <a:srgbClr val="00A996"/>
-                </a:solidFill>
-              </a:rPr>
-              <a:t>‘green’</a:t>
-            </a:r>
-            <a:r>
-              <a:rPr lang="en-US" altLang="en-US">
-                <a:solidFill>
-                  <a:srgbClr val="FFFFFF"/>
-                </a:solidFill>
-              </a:rPr>
-              <a:t>];</a:t>
-            </a:r>
-            <a:endParaRPr lang="en-US" altLang="en-US" sz="1800">
-              <a:solidFill>
-                <a:srgbClr val="000000"/>
-              </a:solidFill>
-            </a:endParaRPr>
-          </a:p>
-        </p:txBody>
-      </p:sp>
-    </p:spTree>
-  </p:cSld>
-  <p:clrMapOvr>
-    <a:masterClrMapping/>
-  </p:clrMapOvr>
-  <p:transition spd="med">
-    <p:fade/>
-  </p:transition>
-  <p:timing>
-    <p:tnLst>
-      <p:par>
-        <p:cTn id="1" dur="indefinite" restart="never" nodeType="tmRoot">
-          <p:childTnLst>
-            <p:seq concurrent="1" nextAc="seek">
-              <p:cTn id="2" dur="indefinite" nodeType="mainSeq">
-                <p:childTnLst>
-                  <p:par>
-                    <p:cTn id="3" fill="hold" nodeType="clickPar">
-                      <p:stCondLst>
-                        <p:cond delay="indefinite"/>
-                        <p:cond evt="onBegin" delay="0">
-                          <p:tn val="2"/>
-                        </p:cond>
-                      </p:stCondLst>
-                      <p:childTnLst>
-                        <p:par>
-                          <p:cTn id="4" fill="hold" nodeType="withGroup">
-                            <p:stCondLst>
-                              <p:cond delay="0"/>
-                            </p:stCondLst>
-                            <p:childTnLst>
-                              <p:par>
-                                <p:cTn id="5" presetID="0" presetClass="entr" presetSubtype="0" fill="hold" nodeType="afterEffect">
-                                  <p:stCondLst>
-                                    <p:cond delay="0"/>
-                                  </p:stCondLst>
-                                  <p:childTnLst>
-                                    <p:set>
-                                      <p:cBhvr>
-                                        <p:cTn id="6" dur="1" fill="hold">
-                                          <p:stCondLst>
-                                            <p:cond delay="499"/>
-                                          </p:stCondLst>
-                                        </p:cTn>
-                                        <p:tgtEl>
-                                          <p:spTgt spid="49153"/>
-                                        </p:tgtEl>
-                                        <p:attrNameLst>
-                                          <p:attrName>style.visibility</p:attrName>
-                                        </p:attrNameLst>
-                                      </p:cBhvr>
-                                      <p:to>
-                                        <p:strVal val="visible"/>
-                                      </p:to>
-                                    </p:set>
-                                  </p:childTnLst>
-                                </p:cTn>
-                              </p:par>
-                            </p:childTnLst>
-                          </p:cTn>
-                        </p:par>
-                      </p:childTnLst>
-                    </p:cTn>
-                  </p:par>
-                </p:childTnLst>
-              </p:cTn>
-              <p:prevCondLst>
-                <p:cond evt="onPrev" delay="0">
-                  <p:tgtEl>
-                    <p:sldTgt/>
-                  </p:tgtEl>
-                </p:cond>
-              </p:prevCondLst>
-              <p:nextCondLst>
-                <p:cond evt="onNext" delay="0">
-                  <p:tgtEl>
-                    <p:sldTgt/>
-                  </p:tgtEl>
-                </p:cond>
-              </p:nextCondLst>
-            </p:seq>
-          </p:childTnLst>
-        </p:cTn>
-      </p:par>
-    </p:tnLst>
-  </p:timing>
-</p:sld>
-</file>
-
-<file path=ppt/slides/slide18.xml><?xml version="1.0" encoding="utf-8"?>
-<p:sld xmlns:a="http://schemas.openxmlformats.org/drawingml/2006/main" xmlns:r="http://schemas.openxmlformats.org/officeDocument/2006/relationships" xmlns:p="http://schemas.openxmlformats.org/presentationml/2006/main">
-  <p:cSld>
-    <p:spTree>
-      <p:nvGrpSpPr>
-        <p:cNvPr id="1" name=""/>
-        <p:cNvGrpSpPr/>
-        <p:nvPr/>
-      </p:nvGrpSpPr>
-      <p:grpSpPr>
-        <a:xfrm>
-          <a:off x="0" y="0"/>
-          <a:ext cx="0" cy="0"/>
-          <a:chOff x="0" y="0"/>
-          <a:chExt cx="0" cy="0"/>
-        </a:xfrm>
-      </p:grpSpPr>
-      <p:sp>
-        <p:nvSpPr>
-          <p:cNvPr id="83970" name="Rectangle 1"/>
-          <p:cNvSpPr>
-            <a:spLocks noGrp="1" noChangeArrowheads="1"/>
-          </p:cNvSpPr>
-          <p:nvPr>
-            <p:ph type="title"/>
-          </p:nvPr>
-        </p:nvSpPr>
-        <p:spPr/>
-        <p:txBody>
-          <a:bodyPr/>
-          <a:lstStyle/>
-          <a:p>
-            <a:pPr eaLnBrk="1"/>
-            <a:r>
-              <a:rPr lang="en-US" altLang="en-US"/>
-              <a:t>ARITHMETIC OPERATORS</a:t>
-            </a:r>
-            <a:endParaRPr lang="en-US" altLang="en-US" sz="1800">
-              <a:solidFill>
-                <a:srgbClr val="000000"/>
-              </a:solidFill>
-            </a:endParaRPr>
-          </a:p>
-        </p:txBody>
-      </p:sp>
-      <p:pic>
-        <p:nvPicPr>
-          <p:cNvPr id="83971" name="Picture 2" descr="next.png"/>
-          <p:cNvPicPr>
-            <a:picLocks noChangeAspect="1"/>
-          </p:cNvPicPr>
-          <p:nvPr/>
-        </p:nvPicPr>
-        <p:blipFill>
-          <a:blip r:embed="rId2">
-            <a:extLst>
-              <a:ext uri="{28A0092B-C50C-407E-A947-70E740481C1C}">
-                <a14:useLocalDpi xmlns:a14="http://schemas.microsoft.com/office/drawing/2010/main" val="0"/>
-              </a:ext>
-            </a:extLst>
-          </a:blip>
-          <a:srcRect/>
-          <a:stretch>
-            <a:fillRect/>
-          </a:stretch>
-        </p:blipFill>
-        <p:spPr bwMode="auto">
-          <a:xfrm>
-            <a:off x="12103100" y="8864600"/>
-            <a:ext cx="635000" cy="635000"/>
-          </a:xfrm>
-          <a:prstGeom prst="rect">
-            <a:avLst/>
-          </a:prstGeom>
-          <a:noFill/>
-          <a:ln>
-            <a:noFill/>
-          </a:ln>
-          <a:extLst>
-            <a:ext uri="{909E8E84-426E-40DD-AFC4-6F175D3DCCD1}">
-              <a14:hiddenFill xmlns:a14="http://schemas.microsoft.com/office/drawing/2010/main">
-                <a:solidFill>
-                  <a:srgbClr val="FFFFFF"/>
-                </a:solidFill>
-              </a14:hiddenFill>
-            </a:ext>
-            <a:ext uri="{91240B29-F687-4F45-9708-019B960494DF}">
-              <a14:hiddenLine xmlns:a14="http://schemas.microsoft.com/office/drawing/2010/main" w="12700">
-                <a:solidFill>
-                  <a:srgbClr val="000000"/>
-                </a:solidFill>
-                <a:miter lim="0"/>
-                <a:headEnd/>
-                <a:tailEnd/>
-              </a14:hiddenLine>
-            </a:ext>
-          </a:extLst>
-        </p:spPr>
-      </p:pic>
-    </p:spTree>
-  </p:cSld>
-  <p:clrMapOvr>
-    <a:masterClrMapping/>
-  </p:clrMapOvr>
-  <p:transition spd="med">
-    <p:fade/>
-  </p:transition>
-</p:sld>
-</file>
-
-<file path=ppt/slides/slide19.xml><?xml version="1.0" encoding="utf-8"?>
-<p:sld xmlns:a="http://schemas.openxmlformats.org/drawingml/2006/main" xmlns:r="http://schemas.openxmlformats.org/officeDocument/2006/relationships" xmlns:p="http://schemas.openxmlformats.org/presentationml/2006/main">
-  <p:cSld>
-    <p:spTree>
-      <p:nvGrpSpPr>
-        <p:cNvPr id="1" name=""/>
-        <p:cNvGrpSpPr/>
-        <p:nvPr/>
-      </p:nvGrpSpPr>
-      <p:grpSpPr>
-        <a:xfrm>
-          <a:off x="0" y="0"/>
-          <a:ext cx="0" cy="0"/>
-          <a:chOff x="0" y="0"/>
-          <a:chExt cx="0" cy="0"/>
-        </a:xfrm>
-      </p:grpSpPr>
-      <p:sp>
-        <p:nvSpPr>
-          <p:cNvPr id="84994" name="Rectangle 1"/>
-          <p:cNvSpPr>
-            <a:spLocks noGrp="1" noChangeArrowheads="1"/>
-          </p:cNvSpPr>
-          <p:nvPr>
-            <p:ph type="title"/>
-          </p:nvPr>
-        </p:nvSpPr>
-        <p:spPr>
-          <a:xfrm>
-            <a:off x="0" y="0"/>
-            <a:ext cx="13004800" cy="9752013"/>
-          </a:xfrm>
-        </p:spPr>
-        <p:txBody>
-          <a:bodyPr lIns="1270000" tIns="1270000" rIns="1270000" bIns="1270000"/>
-          <a:lstStyle/>
-          <a:p>
-            <a:pPr algn="l" eaLnBrk="1"/>
-            <a:r>
-              <a:rPr lang="en-US" altLang="en-US" sz="6000"/>
-              <a:t>JavaScript uses mathematics to get some tasks done.</a:t>
-            </a:r>
-            <a:endParaRPr lang="en-US" altLang="en-US" sz="1800">
-              <a:solidFill>
-                <a:srgbClr val="000000"/>
-              </a:solidFill>
-            </a:endParaRPr>
-          </a:p>
-        </p:txBody>
-      </p:sp>
-      <p:pic>
-        <p:nvPicPr>
-          <p:cNvPr id="51202" name="Picture 2" descr="next.png"/>
-          <p:cNvPicPr>
-            <a:picLocks noChangeAspect="1"/>
-          </p:cNvPicPr>
-          <p:nvPr/>
-        </p:nvPicPr>
-        <p:blipFill>
-          <a:blip r:embed="rId2">
-            <a:extLst>
-              <a:ext uri="{28A0092B-C50C-407E-A947-70E740481C1C}">
-                <a14:useLocalDpi xmlns:a14="http://schemas.microsoft.com/office/drawing/2010/main" val="0"/>
-              </a:ext>
-            </a:extLst>
-          </a:blip>
-          <a:srcRect/>
-          <a:stretch>
-            <a:fillRect/>
-          </a:stretch>
-        </p:blipFill>
-        <p:spPr bwMode="auto">
-          <a:xfrm>
-            <a:off x="12115800" y="8864600"/>
-            <a:ext cx="635000" cy="635000"/>
-          </a:xfrm>
-          <a:prstGeom prst="rect">
-            <a:avLst/>
-          </a:prstGeom>
-          <a:noFill/>
-          <a:ln>
-            <a:noFill/>
-          </a:ln>
-          <a:extLst>
-            <a:ext uri="{909E8E84-426E-40DD-AFC4-6F175D3DCCD1}">
-              <a14:hiddenFill xmlns:a14="http://schemas.microsoft.com/office/drawing/2010/main">
-                <a:solidFill>
-                  <a:srgbClr val="FFFFFF"/>
-                </a:solidFill>
-              </a14:hiddenFill>
-            </a:ext>
-            <a:ext uri="{91240B29-F687-4F45-9708-019B960494DF}">
-              <a14:hiddenLine xmlns:a14="http://schemas.microsoft.com/office/drawing/2010/main" w="12700">
-                <a:solidFill>
-                  <a:srgbClr val="000000"/>
-                </a:solidFill>
-                <a:miter lim="0"/>
-                <a:headEnd/>
-                <a:tailEnd/>
-              </a14:hiddenLine>
-            </a:ext>
-          </a:extLst>
-        </p:spPr>
-      </p:pic>
-    </p:spTree>
-  </p:cSld>
-  <p:clrMapOvr>
-    <a:masterClrMapping/>
-  </p:clrMapOvr>
-  <p:transition spd="slow">
-    <p:push/>
-  </p:transition>
-  <p:timing>
-    <p:tnLst>
-      <p:par>
-        <p:cTn id="1" dur="indefinite" restart="never" nodeType="tmRoot">
-          <p:childTnLst>
-            <p:seq concurrent="1" nextAc="seek">
-              <p:cTn id="2" dur="indefinite" nodeType="mainSeq">
-                <p:childTnLst>
-                  <p:par>
-                    <p:cTn id="3" fill="hold" nodeType="clickPar">
-                      <p:stCondLst>
-                        <p:cond delay="indefinite"/>
-                        <p:cond evt="onBegin" delay="0">
-                          <p:tn val="2"/>
-                        </p:cond>
-                      </p:stCondLst>
-                      <p:childTnLst>
-                        <p:par>
-                          <p:cTn id="4" fill="hold" nodeType="withGroup">
-                            <p:stCondLst>
-                              <p:cond delay="0"/>
-                            </p:stCondLst>
-                            <p:childTnLst>
-                              <p:par>
-                                <p:cTn id="5" presetID="0" presetClass="entr" presetSubtype="0" fill="hold" nodeType="afterEffect">
-                                  <p:stCondLst>
-                                    <p:cond delay="0"/>
-                                  </p:stCondLst>
-                                  <p:childTnLst>
-                                    <p:set>
-                                      <p:cBhvr>
-                                        <p:cTn id="6" dur="1" fill="hold">
-                                          <p:stCondLst>
-                                            <p:cond delay="499"/>
-                                          </p:stCondLst>
-                                        </p:cTn>
-                                        <p:tgtEl>
-                                          <p:spTgt spid="51202"/>
-                                        </p:tgtEl>
-                                        <p:attrNameLst>
-                                          <p:attrName>style.visibility</p:attrName>
-                                        </p:attrNameLst>
-                                      </p:cBhvr>
-                                      <p:to>
-                                        <p:strVal val="visible"/>
-                                      </p:to>
-                                    </p:set>
-                                  </p:childTnLst>
-                                </p:cTn>
-                              </p:par>
-                            </p:childTnLst>
-                          </p:cTn>
-                        </p:par>
-                      </p:childTnLst>
-                    </p:cTn>
-                  </p:par>
-                </p:childTnLst>
-              </p:cTn>
-              <p:prevCondLst>
-                <p:cond evt="onPrev" delay="0">
-                  <p:tgtEl>
-                    <p:sldTgt/>
-                  </p:tgtEl>
-                </p:cond>
-              </p:prevCondLst>
-              <p:nextCondLst>
-                <p:cond evt="onNext" delay="0">
-                  <p:tgtEl>
-                    <p:sldTgt/>
-                  </p:tgtEl>
-                </p:cond>
-              </p:nextCondLst>
-            </p:seq>
-          </p:childTnLst>
-        </p:cTn>
-      </p:par>
-    </p:tnLst>
-  </p:timing>
-</p:sld>
-</file>
-
 <file path=ppt/slides/slide2.xml><?xml version="1.0" encoding="utf-8"?>
 <p:sld xmlns:a="http://schemas.openxmlformats.org/drawingml/2006/main" xmlns:r="http://schemas.openxmlformats.org/officeDocument/2006/relationships" xmlns:p="http://schemas.openxmlformats.org/presentationml/2006/main">
   <p:cSld>
@@ -12121,2178 +8783,6 @@
 </p:sld>
 </file>
 
-<file path=ppt/slides/slide20.xml><?xml version="1.0" encoding="utf-8"?>
-<p:sld xmlns:a="http://schemas.openxmlformats.org/drawingml/2006/main" xmlns:r="http://schemas.openxmlformats.org/officeDocument/2006/relationships" xmlns:p="http://schemas.openxmlformats.org/presentationml/2006/main">
-  <p:cSld>
-    <p:spTree>
-      <p:nvGrpSpPr>
-        <p:cNvPr id="1" name=""/>
-        <p:cNvGrpSpPr/>
-        <p:nvPr/>
-      </p:nvGrpSpPr>
-      <p:grpSpPr>
-        <a:xfrm>
-          <a:off x="0" y="0"/>
-          <a:ext cx="0" cy="0"/>
-          <a:chOff x="0" y="0"/>
-          <a:chExt cx="0" cy="0"/>
-        </a:xfrm>
-      </p:grpSpPr>
-      <p:sp>
-        <p:nvSpPr>
-          <p:cNvPr id="86018" name="Rectangle 1"/>
-          <p:cNvSpPr>
-            <a:spLocks noGrp="1" noChangeArrowheads="1"/>
-          </p:cNvSpPr>
-          <p:nvPr>
-            <p:ph type="title"/>
-          </p:nvPr>
-        </p:nvSpPr>
-        <p:spPr>
-          <a:xfrm>
-            <a:off x="785813" y="0"/>
-            <a:ext cx="11430000" cy="9752013"/>
-          </a:xfrm>
-        </p:spPr>
-        <p:txBody>
-          <a:bodyPr lIns="1270000" tIns="1270000" rIns="1270000" bIns="1270000"/>
-          <a:lstStyle/>
-          <a:p>
-            <a:pPr algn="l" eaLnBrk="1"/>
-            <a:r>
-              <a:rPr lang="en-US" altLang="en-US" sz="5000">
-                <a:latin typeface="Courier" charset="0"/>
-                <a:sym typeface="Courier" charset="0"/>
-              </a:rPr>
-              <a:t>var width = 3;</a:t>
-            </a:r>
-            <a:br>
-              <a:rPr lang="en-US" altLang="en-US" sz="5000">
-                <a:latin typeface="Courier" charset="0"/>
-                <a:sym typeface="Courier" charset="0"/>
-              </a:rPr>
-            </a:br>
-            <a:br>
-              <a:rPr lang="en-US" altLang="en-US" sz="5000">
-                <a:latin typeface="Courier" charset="0"/>
-                <a:sym typeface="Courier" charset="0"/>
-              </a:rPr>
-            </a:br>
-            <a:endParaRPr lang="en-US" altLang="en-US" sz="5000">
-              <a:latin typeface="Courier" charset="0"/>
-              <a:sym typeface="Courier" charset="0"/>
-            </a:endParaRPr>
-          </a:p>
-        </p:txBody>
-      </p:sp>
-      <p:pic>
-        <p:nvPicPr>
-          <p:cNvPr id="52226" name="Picture 2" descr="next.png"/>
-          <p:cNvPicPr>
-            <a:picLocks noChangeAspect="1"/>
-          </p:cNvPicPr>
-          <p:nvPr/>
-        </p:nvPicPr>
-        <p:blipFill>
-          <a:blip r:embed="rId2">
-            <a:extLst>
-              <a:ext uri="{28A0092B-C50C-407E-A947-70E740481C1C}">
-                <a14:useLocalDpi xmlns:a14="http://schemas.microsoft.com/office/drawing/2010/main" val="0"/>
-              </a:ext>
-            </a:extLst>
-          </a:blip>
-          <a:srcRect/>
-          <a:stretch>
-            <a:fillRect/>
-          </a:stretch>
-        </p:blipFill>
-        <p:spPr bwMode="auto">
-          <a:xfrm>
-            <a:off x="12115800" y="8864600"/>
-            <a:ext cx="635000" cy="635000"/>
-          </a:xfrm>
-          <a:prstGeom prst="rect">
-            <a:avLst/>
-          </a:prstGeom>
-          <a:noFill/>
-          <a:ln>
-            <a:noFill/>
-          </a:ln>
-          <a:extLst>
-            <a:ext uri="{909E8E84-426E-40DD-AFC4-6F175D3DCCD1}">
-              <a14:hiddenFill xmlns:a14="http://schemas.microsoft.com/office/drawing/2010/main">
-                <a:solidFill>
-                  <a:srgbClr val="FFFFFF"/>
-                </a:solidFill>
-              </a14:hiddenFill>
-            </a:ext>
-            <a:ext uri="{91240B29-F687-4F45-9708-019B960494DF}">
-              <a14:hiddenLine xmlns:a14="http://schemas.microsoft.com/office/drawing/2010/main" w="12700">
-                <a:solidFill>
-                  <a:srgbClr val="000000"/>
-                </a:solidFill>
-                <a:miter lim="0"/>
-                <a:headEnd/>
-                <a:tailEnd/>
-              </a14:hiddenLine>
-            </a:ext>
-          </a:extLst>
-        </p:spPr>
-      </p:pic>
-    </p:spTree>
-  </p:cSld>
-  <p:clrMapOvr>
-    <a:masterClrMapping/>
-  </p:clrMapOvr>
-  <p:transition spd="slow">
-    <p:push/>
-  </p:transition>
-  <p:timing>
-    <p:tnLst>
-      <p:par>
-        <p:cTn id="1" dur="indefinite" restart="never" nodeType="tmRoot">
-          <p:childTnLst>
-            <p:seq concurrent="1" nextAc="seek">
-              <p:cTn id="2" dur="indefinite" nodeType="mainSeq">
-                <p:childTnLst>
-                  <p:par>
-                    <p:cTn id="3" fill="hold" nodeType="clickPar">
-                      <p:stCondLst>
-                        <p:cond delay="indefinite"/>
-                        <p:cond evt="onBegin" delay="0">
-                          <p:tn val="2"/>
-                        </p:cond>
-                      </p:stCondLst>
-                      <p:childTnLst>
-                        <p:par>
-                          <p:cTn id="4" fill="hold" nodeType="withGroup">
-                            <p:stCondLst>
-                              <p:cond delay="0"/>
-                            </p:stCondLst>
-                            <p:childTnLst>
-                              <p:par>
-                                <p:cTn id="5" presetID="0" presetClass="entr" presetSubtype="0" fill="hold" nodeType="afterEffect">
-                                  <p:stCondLst>
-                                    <p:cond delay="0"/>
-                                  </p:stCondLst>
-                                  <p:childTnLst>
-                                    <p:set>
-                                      <p:cBhvr>
-                                        <p:cTn id="6" dur="1" fill="hold">
-                                          <p:stCondLst>
-                                            <p:cond delay="499"/>
-                                          </p:stCondLst>
-                                        </p:cTn>
-                                        <p:tgtEl>
-                                          <p:spTgt spid="52226"/>
-                                        </p:tgtEl>
-                                        <p:attrNameLst>
-                                          <p:attrName>style.visibility</p:attrName>
-                                        </p:attrNameLst>
-                                      </p:cBhvr>
-                                      <p:to>
-                                        <p:strVal val="visible"/>
-                                      </p:to>
-                                    </p:set>
-                                  </p:childTnLst>
-                                </p:cTn>
-                              </p:par>
-                            </p:childTnLst>
-                          </p:cTn>
-                        </p:par>
-                      </p:childTnLst>
-                    </p:cTn>
-                  </p:par>
-                </p:childTnLst>
-              </p:cTn>
-              <p:prevCondLst>
-                <p:cond evt="onPrev" delay="0">
-                  <p:tgtEl>
-                    <p:sldTgt/>
-                  </p:tgtEl>
-                </p:cond>
-              </p:prevCondLst>
-              <p:nextCondLst>
-                <p:cond evt="onNext" delay="0">
-                  <p:tgtEl>
-                    <p:sldTgt/>
-                  </p:tgtEl>
-                </p:cond>
-              </p:nextCondLst>
-            </p:seq>
-          </p:childTnLst>
-        </p:cTn>
-      </p:par>
-    </p:tnLst>
-  </p:timing>
-</p:sld>
-</file>
-
-<file path=ppt/slides/slide21.xml><?xml version="1.0" encoding="utf-8"?>
-<p:sld xmlns:a="http://schemas.openxmlformats.org/drawingml/2006/main" xmlns:r="http://schemas.openxmlformats.org/officeDocument/2006/relationships" xmlns:p="http://schemas.openxmlformats.org/presentationml/2006/main">
-  <p:cSld>
-    <p:spTree>
-      <p:nvGrpSpPr>
-        <p:cNvPr id="1" name=""/>
-        <p:cNvGrpSpPr/>
-        <p:nvPr/>
-      </p:nvGrpSpPr>
-      <p:grpSpPr>
-        <a:xfrm>
-          <a:off x="0" y="0"/>
-          <a:ext cx="0" cy="0"/>
-          <a:chOff x="0" y="0"/>
-          <a:chExt cx="0" cy="0"/>
-        </a:xfrm>
-      </p:grpSpPr>
-      <p:sp>
-        <p:nvSpPr>
-          <p:cNvPr id="87042" name="Rectangle 1"/>
-          <p:cNvSpPr>
-            <a:spLocks noGrp="1" noChangeArrowheads="1"/>
-          </p:cNvSpPr>
-          <p:nvPr>
-            <p:ph type="title"/>
-          </p:nvPr>
-        </p:nvSpPr>
-        <p:spPr>
-          <a:xfrm>
-            <a:off x="785813" y="0"/>
-            <a:ext cx="11430000" cy="9752013"/>
-          </a:xfrm>
-        </p:spPr>
-        <p:txBody>
-          <a:bodyPr lIns="1270000" tIns="1270000" rIns="1270000" bIns="1270000"/>
-          <a:lstStyle/>
-          <a:p>
-            <a:pPr algn="l" eaLnBrk="1"/>
-            <a:r>
-              <a:rPr lang="en-US" altLang="en-US" sz="5000">
-                <a:latin typeface="Courier" charset="0"/>
-                <a:sym typeface="Courier" charset="0"/>
-              </a:rPr>
-              <a:t>var width = 3;</a:t>
-            </a:r>
-            <a:br>
-              <a:rPr lang="en-US" altLang="en-US" sz="5000">
-                <a:latin typeface="Courier" charset="0"/>
-                <a:sym typeface="Courier" charset="0"/>
-              </a:rPr>
-            </a:br>
-            <a:r>
-              <a:rPr lang="en-US" altLang="en-US" sz="5000">
-                <a:latin typeface="Courier" charset="0"/>
-                <a:sym typeface="Courier" charset="0"/>
-              </a:rPr>
-              <a:t>var height = 2;</a:t>
-            </a:r>
-            <a:br>
-              <a:rPr lang="en-US" altLang="en-US" sz="5000">
-                <a:latin typeface="Courier" charset="0"/>
-                <a:sym typeface="Courier" charset="0"/>
-              </a:rPr>
-            </a:br>
-            <a:endParaRPr lang="en-US" altLang="en-US" sz="5000">
-              <a:latin typeface="Courier" charset="0"/>
-              <a:sym typeface="Courier" charset="0"/>
-            </a:endParaRPr>
-          </a:p>
-        </p:txBody>
-      </p:sp>
-      <p:pic>
-        <p:nvPicPr>
-          <p:cNvPr id="53250" name="Picture 2" descr="next.png"/>
-          <p:cNvPicPr>
-            <a:picLocks noChangeAspect="1"/>
-          </p:cNvPicPr>
-          <p:nvPr/>
-        </p:nvPicPr>
-        <p:blipFill>
-          <a:blip r:embed="rId2">
-            <a:extLst>
-              <a:ext uri="{28A0092B-C50C-407E-A947-70E740481C1C}">
-                <a14:useLocalDpi xmlns:a14="http://schemas.microsoft.com/office/drawing/2010/main" val="0"/>
-              </a:ext>
-            </a:extLst>
-          </a:blip>
-          <a:srcRect/>
-          <a:stretch>
-            <a:fillRect/>
-          </a:stretch>
-        </p:blipFill>
-        <p:spPr bwMode="auto">
-          <a:xfrm>
-            <a:off x="12115800" y="8864600"/>
-            <a:ext cx="635000" cy="635000"/>
-          </a:xfrm>
-          <a:prstGeom prst="rect">
-            <a:avLst/>
-          </a:prstGeom>
-          <a:noFill/>
-          <a:ln>
-            <a:noFill/>
-          </a:ln>
-          <a:extLst>
-            <a:ext uri="{909E8E84-426E-40DD-AFC4-6F175D3DCCD1}">
-              <a14:hiddenFill xmlns:a14="http://schemas.microsoft.com/office/drawing/2010/main">
-                <a:solidFill>
-                  <a:srgbClr val="FFFFFF"/>
-                </a:solidFill>
-              </a14:hiddenFill>
-            </a:ext>
-            <a:ext uri="{91240B29-F687-4F45-9708-019B960494DF}">
-              <a14:hiddenLine xmlns:a14="http://schemas.microsoft.com/office/drawing/2010/main" w="12700">
-                <a:solidFill>
-                  <a:srgbClr val="000000"/>
-                </a:solidFill>
-                <a:miter lim="0"/>
-                <a:headEnd/>
-                <a:tailEnd/>
-              </a14:hiddenLine>
-            </a:ext>
-          </a:extLst>
-        </p:spPr>
-      </p:pic>
-    </p:spTree>
-  </p:cSld>
-  <p:clrMapOvr>
-    <a:masterClrMapping/>
-  </p:clrMapOvr>
-  <p:transition spd="med">
-    <p:fade/>
-  </p:transition>
-  <p:timing>
-    <p:tnLst>
-      <p:par>
-        <p:cTn id="1" dur="indefinite" restart="never" nodeType="tmRoot">
-          <p:childTnLst>
-            <p:seq concurrent="1" nextAc="seek">
-              <p:cTn id="2" dur="indefinite" nodeType="mainSeq">
-                <p:childTnLst>
-                  <p:par>
-                    <p:cTn id="3" fill="hold" nodeType="clickPar">
-                      <p:stCondLst>
-                        <p:cond delay="indefinite"/>
-                        <p:cond evt="onBegin" delay="0">
-                          <p:tn val="2"/>
-                        </p:cond>
-                      </p:stCondLst>
-                      <p:childTnLst>
-                        <p:par>
-                          <p:cTn id="4" fill="hold" nodeType="withGroup">
-                            <p:stCondLst>
-                              <p:cond delay="0"/>
-                            </p:stCondLst>
-                            <p:childTnLst>
-                              <p:par>
-                                <p:cTn id="5" presetID="0" presetClass="entr" presetSubtype="0" fill="hold" nodeType="afterEffect">
-                                  <p:stCondLst>
-                                    <p:cond delay="0"/>
-                                  </p:stCondLst>
-                                  <p:childTnLst>
-                                    <p:set>
-                                      <p:cBhvr>
-                                        <p:cTn id="6" dur="1" fill="hold">
-                                          <p:stCondLst>
-                                            <p:cond delay="499"/>
-                                          </p:stCondLst>
-                                        </p:cTn>
-                                        <p:tgtEl>
-                                          <p:spTgt spid="53250"/>
-                                        </p:tgtEl>
-                                        <p:attrNameLst>
-                                          <p:attrName>style.visibility</p:attrName>
-                                        </p:attrNameLst>
-                                      </p:cBhvr>
-                                      <p:to>
-                                        <p:strVal val="visible"/>
-                                      </p:to>
-                                    </p:set>
-                                  </p:childTnLst>
-                                </p:cTn>
-                              </p:par>
-                            </p:childTnLst>
-                          </p:cTn>
-                        </p:par>
-                      </p:childTnLst>
-                    </p:cTn>
-                  </p:par>
-                </p:childTnLst>
-              </p:cTn>
-              <p:prevCondLst>
-                <p:cond evt="onPrev" delay="0">
-                  <p:tgtEl>
-                    <p:sldTgt/>
-                  </p:tgtEl>
-                </p:cond>
-              </p:prevCondLst>
-              <p:nextCondLst>
-                <p:cond evt="onNext" delay="0">
-                  <p:tgtEl>
-                    <p:sldTgt/>
-                  </p:tgtEl>
-                </p:cond>
-              </p:nextCondLst>
-            </p:seq>
-          </p:childTnLst>
-        </p:cTn>
-      </p:par>
-    </p:tnLst>
-  </p:timing>
-</p:sld>
-</file>
-
-<file path=ppt/slides/slide22.xml><?xml version="1.0" encoding="utf-8"?>
-<p:sld xmlns:a="http://schemas.openxmlformats.org/drawingml/2006/main" xmlns:r="http://schemas.openxmlformats.org/officeDocument/2006/relationships" xmlns:p="http://schemas.openxmlformats.org/presentationml/2006/main">
-  <p:cSld>
-    <p:spTree>
-      <p:nvGrpSpPr>
-        <p:cNvPr id="1" name=""/>
-        <p:cNvGrpSpPr/>
-        <p:nvPr/>
-      </p:nvGrpSpPr>
-      <p:grpSpPr>
-        <a:xfrm>
-          <a:off x="0" y="0"/>
-          <a:ext cx="0" cy="0"/>
-          <a:chOff x="0" y="0"/>
-          <a:chExt cx="0" cy="0"/>
-        </a:xfrm>
-      </p:grpSpPr>
-      <p:sp>
-        <p:nvSpPr>
-          <p:cNvPr id="88066" name="Rectangle 1"/>
-          <p:cNvSpPr>
-            <a:spLocks noGrp="1" noChangeArrowheads="1"/>
-          </p:cNvSpPr>
-          <p:nvPr>
-            <p:ph type="title"/>
-          </p:nvPr>
-        </p:nvSpPr>
-        <p:spPr>
-          <a:xfrm>
-            <a:off x="785813" y="0"/>
-            <a:ext cx="11430000" cy="9752013"/>
-          </a:xfrm>
-        </p:spPr>
-        <p:txBody>
-          <a:bodyPr lIns="1270000" tIns="1270000" rIns="1270000" bIns="1270000"/>
-          <a:lstStyle/>
-          <a:p>
-            <a:pPr algn="l" eaLnBrk="1"/>
-            <a:r>
-              <a:rPr lang="en-US" altLang="en-US" sz="5000">
-                <a:latin typeface="Courier" charset="0"/>
-                <a:sym typeface="Courier" charset="0"/>
-              </a:rPr>
-              <a:t>var width = 3;</a:t>
-            </a:r>
-            <a:br>
-              <a:rPr lang="en-US" altLang="en-US" sz="5000">
-                <a:latin typeface="Courier" charset="0"/>
-                <a:sym typeface="Courier" charset="0"/>
-              </a:rPr>
-            </a:br>
-            <a:r>
-              <a:rPr lang="en-US" altLang="en-US" sz="5000">
-                <a:latin typeface="Courier" charset="0"/>
-                <a:sym typeface="Courier" charset="0"/>
-              </a:rPr>
-              <a:t>var height = 2;</a:t>
-            </a:r>
-            <a:br>
-              <a:rPr lang="en-US" altLang="en-US" sz="5000">
-                <a:latin typeface="Courier" charset="0"/>
-                <a:sym typeface="Courier" charset="0"/>
-              </a:rPr>
-            </a:br>
-            <a:br>
-              <a:rPr lang="en-US" altLang="en-US" sz="5000">
-                <a:latin typeface="Courier" charset="0"/>
-                <a:sym typeface="Courier" charset="0"/>
-              </a:rPr>
-            </a:br>
-            <a:r>
-              <a:rPr lang="en-US" altLang="en-US" sz="5000">
-                <a:latin typeface="Courier" charset="0"/>
-                <a:sym typeface="Courier" charset="0"/>
-              </a:rPr>
-              <a:t>area = width * height;</a:t>
-            </a:r>
-            <a:endParaRPr lang="en-US" altLang="en-US" sz="1800">
-              <a:solidFill>
-                <a:srgbClr val="000000"/>
-              </a:solidFill>
-            </a:endParaRPr>
-          </a:p>
-        </p:txBody>
-      </p:sp>
-      <p:pic>
-        <p:nvPicPr>
-          <p:cNvPr id="54274" name="Picture 2" descr="next.png"/>
-          <p:cNvPicPr>
-            <a:picLocks noChangeAspect="1"/>
-          </p:cNvPicPr>
-          <p:nvPr/>
-        </p:nvPicPr>
-        <p:blipFill>
-          <a:blip r:embed="rId2">
-            <a:extLst>
-              <a:ext uri="{28A0092B-C50C-407E-A947-70E740481C1C}">
-                <a14:useLocalDpi xmlns:a14="http://schemas.microsoft.com/office/drawing/2010/main" val="0"/>
-              </a:ext>
-            </a:extLst>
-          </a:blip>
-          <a:srcRect/>
-          <a:stretch>
-            <a:fillRect/>
-          </a:stretch>
-        </p:blipFill>
-        <p:spPr bwMode="auto">
-          <a:xfrm>
-            <a:off x="12115800" y="8864600"/>
-            <a:ext cx="635000" cy="635000"/>
-          </a:xfrm>
-          <a:prstGeom prst="rect">
-            <a:avLst/>
-          </a:prstGeom>
-          <a:noFill/>
-          <a:ln>
-            <a:noFill/>
-          </a:ln>
-          <a:extLst>
-            <a:ext uri="{909E8E84-426E-40DD-AFC4-6F175D3DCCD1}">
-              <a14:hiddenFill xmlns:a14="http://schemas.microsoft.com/office/drawing/2010/main">
-                <a:solidFill>
-                  <a:srgbClr val="FFFFFF"/>
-                </a:solidFill>
-              </a14:hiddenFill>
-            </a:ext>
-            <a:ext uri="{91240B29-F687-4F45-9708-019B960494DF}">
-              <a14:hiddenLine xmlns:a14="http://schemas.microsoft.com/office/drawing/2010/main" w="12700">
-                <a:solidFill>
-                  <a:srgbClr val="000000"/>
-                </a:solidFill>
-                <a:miter lim="0"/>
-                <a:headEnd/>
-                <a:tailEnd/>
-              </a14:hiddenLine>
-            </a:ext>
-          </a:extLst>
-        </p:spPr>
-      </p:pic>
-    </p:spTree>
-  </p:cSld>
-  <p:clrMapOvr>
-    <a:masterClrMapping/>
-  </p:clrMapOvr>
-  <p:transition spd="med">
-    <p:fade/>
-  </p:transition>
-  <p:timing>
-    <p:tnLst>
-      <p:par>
-        <p:cTn id="1" dur="indefinite" restart="never" nodeType="tmRoot">
-          <p:childTnLst>
-            <p:seq concurrent="1" nextAc="seek">
-              <p:cTn id="2" dur="indefinite" nodeType="mainSeq">
-                <p:childTnLst>
-                  <p:par>
-                    <p:cTn id="3" fill="hold" nodeType="clickPar">
-                      <p:stCondLst>
-                        <p:cond delay="indefinite"/>
-                        <p:cond evt="onBegin" delay="0">
-                          <p:tn val="2"/>
-                        </p:cond>
-                      </p:stCondLst>
-                      <p:childTnLst>
-                        <p:par>
-                          <p:cTn id="4" fill="hold" nodeType="withGroup">
-                            <p:stCondLst>
-                              <p:cond delay="0"/>
-                            </p:stCondLst>
-                            <p:childTnLst>
-                              <p:par>
-                                <p:cTn id="5" presetID="0" presetClass="entr" presetSubtype="0" fill="hold" nodeType="afterEffect">
-                                  <p:stCondLst>
-                                    <p:cond delay="0"/>
-                                  </p:stCondLst>
-                                  <p:childTnLst>
-                                    <p:set>
-                                      <p:cBhvr>
-                                        <p:cTn id="6" dur="1" fill="hold">
-                                          <p:stCondLst>
-                                            <p:cond delay="499"/>
-                                          </p:stCondLst>
-                                        </p:cTn>
-                                        <p:tgtEl>
-                                          <p:spTgt spid="54274"/>
-                                        </p:tgtEl>
-                                        <p:attrNameLst>
-                                          <p:attrName>style.visibility</p:attrName>
-                                        </p:attrNameLst>
-                                      </p:cBhvr>
-                                      <p:to>
-                                        <p:strVal val="visible"/>
-                                      </p:to>
-                                    </p:set>
-                                  </p:childTnLst>
-                                </p:cTn>
-                              </p:par>
-                            </p:childTnLst>
-                          </p:cTn>
-                        </p:par>
-                      </p:childTnLst>
-                    </p:cTn>
-                  </p:par>
-                </p:childTnLst>
-              </p:cTn>
-              <p:prevCondLst>
-                <p:cond evt="onPrev" delay="0">
-                  <p:tgtEl>
-                    <p:sldTgt/>
-                  </p:tgtEl>
-                </p:cond>
-              </p:prevCondLst>
-              <p:nextCondLst>
-                <p:cond evt="onNext" delay="0">
-                  <p:tgtEl>
-                    <p:sldTgt/>
-                  </p:tgtEl>
-                </p:cond>
-              </p:nextCondLst>
-            </p:seq>
-          </p:childTnLst>
-        </p:cTn>
-      </p:par>
-    </p:tnLst>
-  </p:timing>
-</p:sld>
-</file>
-
-<file path=ppt/slides/slide23.xml><?xml version="1.0" encoding="utf-8"?>
-<p:sld xmlns:a="http://schemas.openxmlformats.org/drawingml/2006/main" xmlns:r="http://schemas.openxmlformats.org/officeDocument/2006/relationships" xmlns:p="http://schemas.openxmlformats.org/presentationml/2006/main">
-  <p:cSld>
-    <p:spTree>
-      <p:nvGrpSpPr>
-        <p:cNvPr id="1" name=""/>
-        <p:cNvGrpSpPr/>
-        <p:nvPr/>
-      </p:nvGrpSpPr>
-      <p:grpSpPr>
-        <a:xfrm>
-          <a:off x="0" y="0"/>
-          <a:ext cx="0" cy="0"/>
-          <a:chOff x="0" y="0"/>
-          <a:chExt cx="0" cy="0"/>
-        </a:xfrm>
-      </p:grpSpPr>
-      <p:sp>
-        <p:nvSpPr>
-          <p:cNvPr id="89090" name="Rectangle 1"/>
-          <p:cNvSpPr>
-            <a:spLocks noGrp="1" noChangeArrowheads="1"/>
-          </p:cNvSpPr>
-          <p:nvPr>
-            <p:ph type="title"/>
-          </p:nvPr>
-        </p:nvSpPr>
-        <p:spPr>
-          <a:xfrm>
-            <a:off x="785813" y="0"/>
-            <a:ext cx="11430000" cy="9752013"/>
-          </a:xfrm>
-        </p:spPr>
-        <p:txBody>
-          <a:bodyPr lIns="1270000" tIns="1270000" rIns="1270000" bIns="1270000"/>
-          <a:lstStyle/>
-          <a:p>
-            <a:pPr algn="l" eaLnBrk="1"/>
-            <a:r>
-              <a:rPr lang="en-US" altLang="en-US" sz="5000">
-                <a:latin typeface="Courier" charset="0"/>
-                <a:sym typeface="Courier" charset="0"/>
-              </a:rPr>
-              <a:t>var </a:t>
-            </a:r>
-            <a:r>
-              <a:rPr lang="en-US" altLang="en-US" sz="5000">
-                <a:solidFill>
-                  <a:srgbClr val="F2717A"/>
-                </a:solidFill>
-                <a:latin typeface="Courier" charset="0"/>
-                <a:sym typeface="Courier" charset="0"/>
-              </a:rPr>
-              <a:t>width</a:t>
-            </a:r>
-            <a:r>
-              <a:rPr lang="en-US" altLang="en-US" sz="5000">
-                <a:latin typeface="Courier" charset="0"/>
-                <a:sym typeface="Courier" charset="0"/>
-              </a:rPr>
-              <a:t> = 3;</a:t>
-            </a:r>
-            <a:br>
-              <a:rPr lang="en-US" altLang="en-US" sz="5000">
-                <a:latin typeface="Courier" charset="0"/>
-                <a:sym typeface="Courier" charset="0"/>
-              </a:rPr>
-            </a:br>
-            <a:r>
-              <a:rPr lang="en-US" altLang="en-US" sz="5000">
-                <a:latin typeface="Courier" charset="0"/>
-                <a:sym typeface="Courier" charset="0"/>
-              </a:rPr>
-              <a:t>var height = 2;</a:t>
-            </a:r>
-            <a:br>
-              <a:rPr lang="en-US" altLang="en-US" sz="5000">
-                <a:latin typeface="Courier" charset="0"/>
-                <a:sym typeface="Courier" charset="0"/>
-              </a:rPr>
-            </a:br>
-            <a:br>
-              <a:rPr lang="en-US" altLang="en-US" sz="5000">
-                <a:latin typeface="Courier" charset="0"/>
-                <a:sym typeface="Courier" charset="0"/>
-              </a:rPr>
-            </a:br>
-            <a:r>
-              <a:rPr lang="en-US" altLang="en-US" sz="5000">
-                <a:latin typeface="Courier" charset="0"/>
-                <a:sym typeface="Courier" charset="0"/>
-              </a:rPr>
-              <a:t>area = </a:t>
-            </a:r>
-            <a:r>
-              <a:rPr lang="en-US" altLang="en-US" sz="5000">
-                <a:solidFill>
-                  <a:srgbClr val="F2717A"/>
-                </a:solidFill>
-                <a:latin typeface="Courier" charset="0"/>
-                <a:sym typeface="Courier" charset="0"/>
-              </a:rPr>
-              <a:t>width</a:t>
-            </a:r>
-            <a:r>
-              <a:rPr lang="en-US" altLang="en-US" sz="5000">
-                <a:latin typeface="Courier" charset="0"/>
-                <a:sym typeface="Courier" charset="0"/>
-              </a:rPr>
-              <a:t> * height;</a:t>
-            </a:r>
-            <a:endParaRPr lang="en-US" altLang="en-US" sz="1800">
-              <a:solidFill>
-                <a:srgbClr val="000000"/>
-              </a:solidFill>
-            </a:endParaRPr>
-          </a:p>
-        </p:txBody>
-      </p:sp>
-      <p:pic>
-        <p:nvPicPr>
-          <p:cNvPr id="55298" name="Picture 2" descr="next.png"/>
-          <p:cNvPicPr>
-            <a:picLocks noChangeAspect="1"/>
-          </p:cNvPicPr>
-          <p:nvPr/>
-        </p:nvPicPr>
-        <p:blipFill>
-          <a:blip r:embed="rId2">
-            <a:extLst>
-              <a:ext uri="{28A0092B-C50C-407E-A947-70E740481C1C}">
-                <a14:useLocalDpi xmlns:a14="http://schemas.microsoft.com/office/drawing/2010/main" val="0"/>
-              </a:ext>
-            </a:extLst>
-          </a:blip>
-          <a:srcRect/>
-          <a:stretch>
-            <a:fillRect/>
-          </a:stretch>
-        </p:blipFill>
-        <p:spPr bwMode="auto">
-          <a:xfrm>
-            <a:off x="12115800" y="8864600"/>
-            <a:ext cx="635000" cy="635000"/>
-          </a:xfrm>
-          <a:prstGeom prst="rect">
-            <a:avLst/>
-          </a:prstGeom>
-          <a:noFill/>
-          <a:ln>
-            <a:noFill/>
-          </a:ln>
-          <a:extLst>
-            <a:ext uri="{909E8E84-426E-40DD-AFC4-6F175D3DCCD1}">
-              <a14:hiddenFill xmlns:a14="http://schemas.microsoft.com/office/drawing/2010/main">
-                <a:solidFill>
-                  <a:srgbClr val="FFFFFF"/>
-                </a:solidFill>
-              </a14:hiddenFill>
-            </a:ext>
-            <a:ext uri="{91240B29-F687-4F45-9708-019B960494DF}">
-              <a14:hiddenLine xmlns:a14="http://schemas.microsoft.com/office/drawing/2010/main" w="12700">
-                <a:solidFill>
-                  <a:srgbClr val="000000"/>
-                </a:solidFill>
-                <a:miter lim="0"/>
-                <a:headEnd/>
-                <a:tailEnd/>
-              </a14:hiddenLine>
-            </a:ext>
-          </a:extLst>
-        </p:spPr>
-      </p:pic>
-    </p:spTree>
-  </p:cSld>
-  <p:clrMapOvr>
-    <a:masterClrMapping/>
-  </p:clrMapOvr>
-  <p:transition spd="med">
-    <p:fade/>
-  </p:transition>
-  <p:timing>
-    <p:tnLst>
-      <p:par>
-        <p:cTn id="1" dur="indefinite" restart="never" nodeType="tmRoot">
-          <p:childTnLst>
-            <p:seq concurrent="1" nextAc="seek">
-              <p:cTn id="2" dur="indefinite" nodeType="mainSeq">
-                <p:childTnLst>
-                  <p:par>
-                    <p:cTn id="3" fill="hold" nodeType="clickPar">
-                      <p:stCondLst>
-                        <p:cond delay="indefinite"/>
-                        <p:cond evt="onBegin" delay="0">
-                          <p:tn val="2"/>
-                        </p:cond>
-                      </p:stCondLst>
-                      <p:childTnLst>
-                        <p:par>
-                          <p:cTn id="4" fill="hold" nodeType="withGroup">
-                            <p:stCondLst>
-                              <p:cond delay="0"/>
-                            </p:stCondLst>
-                            <p:childTnLst>
-                              <p:par>
-                                <p:cTn id="5" presetID="0" presetClass="entr" presetSubtype="0" fill="hold" nodeType="afterEffect">
-                                  <p:stCondLst>
-                                    <p:cond delay="0"/>
-                                  </p:stCondLst>
-                                  <p:childTnLst>
-                                    <p:set>
-                                      <p:cBhvr>
-                                        <p:cTn id="6" dur="1" fill="hold">
-                                          <p:stCondLst>
-                                            <p:cond delay="499"/>
-                                          </p:stCondLst>
-                                        </p:cTn>
-                                        <p:tgtEl>
-                                          <p:spTgt spid="55298"/>
-                                        </p:tgtEl>
-                                        <p:attrNameLst>
-                                          <p:attrName>style.visibility</p:attrName>
-                                        </p:attrNameLst>
-                                      </p:cBhvr>
-                                      <p:to>
-                                        <p:strVal val="visible"/>
-                                      </p:to>
-                                    </p:set>
-                                  </p:childTnLst>
-                                </p:cTn>
-                              </p:par>
-                            </p:childTnLst>
-                          </p:cTn>
-                        </p:par>
-                      </p:childTnLst>
-                    </p:cTn>
-                  </p:par>
-                </p:childTnLst>
-              </p:cTn>
-              <p:prevCondLst>
-                <p:cond evt="onPrev" delay="0">
-                  <p:tgtEl>
-                    <p:sldTgt/>
-                  </p:tgtEl>
-                </p:cond>
-              </p:prevCondLst>
-              <p:nextCondLst>
-                <p:cond evt="onNext" delay="0">
-                  <p:tgtEl>
-                    <p:sldTgt/>
-                  </p:tgtEl>
-                </p:cond>
-              </p:nextCondLst>
-            </p:seq>
-          </p:childTnLst>
-        </p:cTn>
-      </p:par>
-    </p:tnLst>
-  </p:timing>
-</p:sld>
-</file>
-
-<file path=ppt/slides/slide24.xml><?xml version="1.0" encoding="utf-8"?>
-<p:sld xmlns:a="http://schemas.openxmlformats.org/drawingml/2006/main" xmlns:r="http://schemas.openxmlformats.org/officeDocument/2006/relationships" xmlns:p="http://schemas.openxmlformats.org/presentationml/2006/main">
-  <p:cSld>
-    <p:spTree>
-      <p:nvGrpSpPr>
-        <p:cNvPr id="1" name=""/>
-        <p:cNvGrpSpPr/>
-        <p:nvPr/>
-      </p:nvGrpSpPr>
-      <p:grpSpPr>
-        <a:xfrm>
-          <a:off x="0" y="0"/>
-          <a:ext cx="0" cy="0"/>
-          <a:chOff x="0" y="0"/>
-          <a:chExt cx="0" cy="0"/>
-        </a:xfrm>
-      </p:grpSpPr>
-      <p:sp>
-        <p:nvSpPr>
-          <p:cNvPr id="90114" name="Rectangle 1"/>
-          <p:cNvSpPr>
-            <a:spLocks noGrp="1" noChangeArrowheads="1"/>
-          </p:cNvSpPr>
-          <p:nvPr>
-            <p:ph type="title"/>
-          </p:nvPr>
-        </p:nvSpPr>
-        <p:spPr>
-          <a:xfrm>
-            <a:off x="785813" y="0"/>
-            <a:ext cx="11430000" cy="9752013"/>
-          </a:xfrm>
-        </p:spPr>
-        <p:txBody>
-          <a:bodyPr lIns="1270000" tIns="1270000" rIns="1270000" bIns="1270000"/>
-          <a:lstStyle/>
-          <a:p>
-            <a:pPr algn="l" eaLnBrk="1"/>
-            <a:r>
-              <a:rPr lang="en-US" altLang="en-US" sz="5000">
-                <a:latin typeface="Courier" charset="0"/>
-                <a:sym typeface="Courier" charset="0"/>
-              </a:rPr>
-              <a:t>var width = 3;</a:t>
-            </a:r>
-            <a:br>
-              <a:rPr lang="en-US" altLang="en-US" sz="5000">
-                <a:latin typeface="Courier" charset="0"/>
-                <a:sym typeface="Courier" charset="0"/>
-              </a:rPr>
-            </a:br>
-            <a:r>
-              <a:rPr lang="en-US" altLang="en-US" sz="5000">
-                <a:latin typeface="Courier" charset="0"/>
-                <a:sym typeface="Courier" charset="0"/>
-              </a:rPr>
-              <a:t>var </a:t>
-            </a:r>
-            <a:r>
-              <a:rPr lang="en-US" altLang="en-US" sz="5000">
-                <a:solidFill>
-                  <a:srgbClr val="F2717A"/>
-                </a:solidFill>
-                <a:latin typeface="Courier" charset="0"/>
-                <a:sym typeface="Courier" charset="0"/>
-              </a:rPr>
-              <a:t>height</a:t>
-            </a:r>
-            <a:r>
-              <a:rPr lang="en-US" altLang="en-US" sz="5000">
-                <a:latin typeface="Courier" charset="0"/>
-                <a:sym typeface="Courier" charset="0"/>
-              </a:rPr>
-              <a:t> = 2;</a:t>
-            </a:r>
-            <a:br>
-              <a:rPr lang="en-US" altLang="en-US" sz="5000">
-                <a:latin typeface="Courier" charset="0"/>
-                <a:sym typeface="Courier" charset="0"/>
-              </a:rPr>
-            </a:br>
-            <a:br>
-              <a:rPr lang="en-US" altLang="en-US" sz="5000">
-                <a:latin typeface="Courier" charset="0"/>
-                <a:sym typeface="Courier" charset="0"/>
-              </a:rPr>
-            </a:br>
-            <a:r>
-              <a:rPr lang="en-US" altLang="en-US" sz="5000">
-                <a:latin typeface="Courier" charset="0"/>
-                <a:sym typeface="Courier" charset="0"/>
-              </a:rPr>
-              <a:t>area = width * </a:t>
-            </a:r>
-            <a:r>
-              <a:rPr lang="en-US" altLang="en-US" sz="5000">
-                <a:solidFill>
-                  <a:srgbClr val="F2717A"/>
-                </a:solidFill>
-                <a:latin typeface="Courier" charset="0"/>
-                <a:sym typeface="Courier" charset="0"/>
-              </a:rPr>
-              <a:t>height</a:t>
-            </a:r>
-            <a:r>
-              <a:rPr lang="en-US" altLang="en-US" sz="5000">
-                <a:latin typeface="Courier" charset="0"/>
-                <a:sym typeface="Courier" charset="0"/>
-              </a:rPr>
-              <a:t>;</a:t>
-            </a:r>
-            <a:endParaRPr lang="en-US" altLang="en-US" sz="1800">
-              <a:solidFill>
-                <a:srgbClr val="000000"/>
-              </a:solidFill>
-            </a:endParaRPr>
-          </a:p>
-        </p:txBody>
-      </p:sp>
-      <p:pic>
-        <p:nvPicPr>
-          <p:cNvPr id="56322" name="Picture 2" descr="next.png"/>
-          <p:cNvPicPr>
-            <a:picLocks noChangeAspect="1"/>
-          </p:cNvPicPr>
-          <p:nvPr/>
-        </p:nvPicPr>
-        <p:blipFill>
-          <a:blip r:embed="rId2">
-            <a:extLst>
-              <a:ext uri="{28A0092B-C50C-407E-A947-70E740481C1C}">
-                <a14:useLocalDpi xmlns:a14="http://schemas.microsoft.com/office/drawing/2010/main" val="0"/>
-              </a:ext>
-            </a:extLst>
-          </a:blip>
-          <a:srcRect/>
-          <a:stretch>
-            <a:fillRect/>
-          </a:stretch>
-        </p:blipFill>
-        <p:spPr bwMode="auto">
-          <a:xfrm>
-            <a:off x="12115800" y="8864600"/>
-            <a:ext cx="635000" cy="635000"/>
-          </a:xfrm>
-          <a:prstGeom prst="rect">
-            <a:avLst/>
-          </a:prstGeom>
-          <a:noFill/>
-          <a:ln>
-            <a:noFill/>
-          </a:ln>
-          <a:extLst>
-            <a:ext uri="{909E8E84-426E-40DD-AFC4-6F175D3DCCD1}">
-              <a14:hiddenFill xmlns:a14="http://schemas.microsoft.com/office/drawing/2010/main">
-                <a:solidFill>
-                  <a:srgbClr val="FFFFFF"/>
-                </a:solidFill>
-              </a14:hiddenFill>
-            </a:ext>
-            <a:ext uri="{91240B29-F687-4F45-9708-019B960494DF}">
-              <a14:hiddenLine xmlns:a14="http://schemas.microsoft.com/office/drawing/2010/main" w="12700">
-                <a:solidFill>
-                  <a:srgbClr val="000000"/>
-                </a:solidFill>
-                <a:miter lim="0"/>
-                <a:headEnd/>
-                <a:tailEnd/>
-              </a14:hiddenLine>
-            </a:ext>
-          </a:extLst>
-        </p:spPr>
-      </p:pic>
-    </p:spTree>
-  </p:cSld>
-  <p:clrMapOvr>
-    <a:masterClrMapping/>
-  </p:clrMapOvr>
-  <p:transition spd="med">
-    <p:fade/>
-  </p:transition>
-  <p:timing>
-    <p:tnLst>
-      <p:par>
-        <p:cTn id="1" dur="indefinite" restart="never" nodeType="tmRoot">
-          <p:childTnLst>
-            <p:seq concurrent="1" nextAc="seek">
-              <p:cTn id="2" dur="indefinite" nodeType="mainSeq">
-                <p:childTnLst>
-                  <p:par>
-                    <p:cTn id="3" fill="hold" nodeType="clickPar">
-                      <p:stCondLst>
-                        <p:cond delay="indefinite"/>
-                        <p:cond evt="onBegin" delay="0">
-                          <p:tn val="2"/>
-                        </p:cond>
-                      </p:stCondLst>
-                      <p:childTnLst>
-                        <p:par>
-                          <p:cTn id="4" fill="hold" nodeType="withGroup">
-                            <p:stCondLst>
-                              <p:cond delay="0"/>
-                            </p:stCondLst>
-                            <p:childTnLst>
-                              <p:par>
-                                <p:cTn id="5" presetID="0" presetClass="entr" presetSubtype="0" fill="hold" nodeType="afterEffect">
-                                  <p:stCondLst>
-                                    <p:cond delay="0"/>
-                                  </p:stCondLst>
-                                  <p:childTnLst>
-                                    <p:set>
-                                      <p:cBhvr>
-                                        <p:cTn id="6" dur="1" fill="hold">
-                                          <p:stCondLst>
-                                            <p:cond delay="499"/>
-                                          </p:stCondLst>
-                                        </p:cTn>
-                                        <p:tgtEl>
-                                          <p:spTgt spid="56322"/>
-                                        </p:tgtEl>
-                                        <p:attrNameLst>
-                                          <p:attrName>style.visibility</p:attrName>
-                                        </p:attrNameLst>
-                                      </p:cBhvr>
-                                      <p:to>
-                                        <p:strVal val="visible"/>
-                                      </p:to>
-                                    </p:set>
-                                  </p:childTnLst>
-                                </p:cTn>
-                              </p:par>
-                            </p:childTnLst>
-                          </p:cTn>
-                        </p:par>
-                      </p:childTnLst>
-                    </p:cTn>
-                  </p:par>
-                </p:childTnLst>
-              </p:cTn>
-              <p:prevCondLst>
-                <p:cond evt="onPrev" delay="0">
-                  <p:tgtEl>
-                    <p:sldTgt/>
-                  </p:tgtEl>
-                </p:cond>
-              </p:prevCondLst>
-              <p:nextCondLst>
-                <p:cond evt="onNext" delay="0">
-                  <p:tgtEl>
-                    <p:sldTgt/>
-                  </p:tgtEl>
-                </p:cond>
-              </p:nextCondLst>
-            </p:seq>
-          </p:childTnLst>
-        </p:cTn>
-      </p:par>
-    </p:tnLst>
-  </p:timing>
-</p:sld>
-</file>
-
-<file path=ppt/slides/slide25.xml><?xml version="1.0" encoding="utf-8"?>
-<p:sld xmlns:a="http://schemas.openxmlformats.org/drawingml/2006/main" xmlns:r="http://schemas.openxmlformats.org/officeDocument/2006/relationships" xmlns:p="http://schemas.openxmlformats.org/presentationml/2006/main">
-  <p:cSld>
-    <p:spTree>
-      <p:nvGrpSpPr>
-        <p:cNvPr id="1" name=""/>
-        <p:cNvGrpSpPr/>
-        <p:nvPr/>
-      </p:nvGrpSpPr>
-      <p:grpSpPr>
-        <a:xfrm>
-          <a:off x="0" y="0"/>
-          <a:ext cx="0" cy="0"/>
-          <a:chOff x="0" y="0"/>
-          <a:chExt cx="0" cy="0"/>
-        </a:xfrm>
-      </p:grpSpPr>
-      <p:sp>
-        <p:nvSpPr>
-          <p:cNvPr id="91138" name="Rectangle 1"/>
-          <p:cNvSpPr>
-            <a:spLocks noGrp="1" noChangeArrowheads="1"/>
-          </p:cNvSpPr>
-          <p:nvPr>
-            <p:ph type="title"/>
-          </p:nvPr>
-        </p:nvSpPr>
-        <p:spPr>
-          <a:xfrm>
-            <a:off x="785813" y="0"/>
-            <a:ext cx="11430000" cy="9752013"/>
-          </a:xfrm>
-        </p:spPr>
-        <p:txBody>
-          <a:bodyPr lIns="1270000" tIns="1270000" rIns="1270000" bIns="1270000"/>
-          <a:lstStyle/>
-          <a:p>
-            <a:pPr algn="l" eaLnBrk="1"/>
-            <a:r>
-              <a:rPr lang="en-US" altLang="en-US" sz="5000">
-                <a:latin typeface="Courier" charset="0"/>
-                <a:sym typeface="Courier" charset="0"/>
-              </a:rPr>
-              <a:t>var width = 3;</a:t>
-            </a:r>
-            <a:br>
-              <a:rPr lang="en-US" altLang="en-US" sz="5000">
-                <a:latin typeface="Courier" charset="0"/>
-                <a:sym typeface="Courier" charset="0"/>
-              </a:rPr>
-            </a:br>
-            <a:r>
-              <a:rPr lang="en-US" altLang="en-US" sz="5000">
-                <a:latin typeface="Courier" charset="0"/>
-                <a:sym typeface="Courier" charset="0"/>
-              </a:rPr>
-              <a:t>var height = 2;</a:t>
-            </a:r>
-            <a:br>
-              <a:rPr lang="en-US" altLang="en-US" sz="5000">
-                <a:latin typeface="Courier" charset="0"/>
-                <a:sym typeface="Courier" charset="0"/>
-              </a:rPr>
-            </a:br>
-            <a:br>
-              <a:rPr lang="en-US" altLang="en-US" sz="5000">
-                <a:latin typeface="Courier" charset="0"/>
-                <a:sym typeface="Courier" charset="0"/>
-              </a:rPr>
-            </a:br>
-            <a:r>
-              <a:rPr lang="en-US" altLang="en-US" sz="5000">
-                <a:solidFill>
-                  <a:srgbClr val="F2717A"/>
-                </a:solidFill>
-                <a:latin typeface="Courier" charset="0"/>
-                <a:sym typeface="Courier" charset="0"/>
-              </a:rPr>
-              <a:t>area</a:t>
-            </a:r>
-            <a:r>
-              <a:rPr lang="en-US" altLang="en-US" sz="5000">
-                <a:latin typeface="Courier" charset="0"/>
-                <a:sym typeface="Courier" charset="0"/>
-              </a:rPr>
-              <a:t> = width </a:t>
-            </a:r>
-            <a:r>
-              <a:rPr lang="en-US" altLang="en-US" sz="5000">
-                <a:solidFill>
-                  <a:srgbClr val="F2717A"/>
-                </a:solidFill>
-                <a:latin typeface="Courier" charset="0"/>
-                <a:sym typeface="Courier" charset="0"/>
-              </a:rPr>
-              <a:t>*</a:t>
-            </a:r>
-            <a:r>
-              <a:rPr lang="en-US" altLang="en-US" sz="5000">
-                <a:latin typeface="Courier" charset="0"/>
-                <a:sym typeface="Courier" charset="0"/>
-              </a:rPr>
-              <a:t> height;</a:t>
-            </a:r>
-            <a:endParaRPr lang="en-US" altLang="en-US" sz="1800">
-              <a:solidFill>
-                <a:srgbClr val="000000"/>
-              </a:solidFill>
-            </a:endParaRPr>
-          </a:p>
-        </p:txBody>
-      </p:sp>
-      <p:pic>
-        <p:nvPicPr>
-          <p:cNvPr id="57346" name="Picture 2" descr="next.png"/>
-          <p:cNvPicPr>
-            <a:picLocks noChangeAspect="1"/>
-          </p:cNvPicPr>
-          <p:nvPr/>
-        </p:nvPicPr>
-        <p:blipFill>
-          <a:blip r:embed="rId2">
-            <a:extLst>
-              <a:ext uri="{28A0092B-C50C-407E-A947-70E740481C1C}">
-                <a14:useLocalDpi xmlns:a14="http://schemas.microsoft.com/office/drawing/2010/main" val="0"/>
-              </a:ext>
-            </a:extLst>
-          </a:blip>
-          <a:srcRect/>
-          <a:stretch>
-            <a:fillRect/>
-          </a:stretch>
-        </p:blipFill>
-        <p:spPr bwMode="auto">
-          <a:xfrm>
-            <a:off x="12115800" y="8864600"/>
-            <a:ext cx="635000" cy="635000"/>
-          </a:xfrm>
-          <a:prstGeom prst="rect">
-            <a:avLst/>
-          </a:prstGeom>
-          <a:noFill/>
-          <a:ln>
-            <a:noFill/>
-          </a:ln>
-          <a:extLst>
-            <a:ext uri="{909E8E84-426E-40DD-AFC4-6F175D3DCCD1}">
-              <a14:hiddenFill xmlns:a14="http://schemas.microsoft.com/office/drawing/2010/main">
-                <a:solidFill>
-                  <a:srgbClr val="FFFFFF"/>
-                </a:solidFill>
-              </a14:hiddenFill>
-            </a:ext>
-            <a:ext uri="{91240B29-F687-4F45-9708-019B960494DF}">
-              <a14:hiddenLine xmlns:a14="http://schemas.microsoft.com/office/drawing/2010/main" w="12700">
-                <a:solidFill>
-                  <a:srgbClr val="000000"/>
-                </a:solidFill>
-                <a:miter lim="0"/>
-                <a:headEnd/>
-                <a:tailEnd/>
-              </a14:hiddenLine>
-            </a:ext>
-          </a:extLst>
-        </p:spPr>
-      </p:pic>
-    </p:spTree>
-  </p:cSld>
-  <p:clrMapOvr>
-    <a:masterClrMapping/>
-  </p:clrMapOvr>
-  <p:transition spd="med">
-    <p:fade/>
-  </p:transition>
-  <p:timing>
-    <p:tnLst>
-      <p:par>
-        <p:cTn id="1" dur="indefinite" restart="never" nodeType="tmRoot">
-          <p:childTnLst>
-            <p:seq concurrent="1" nextAc="seek">
-              <p:cTn id="2" dur="indefinite" nodeType="mainSeq">
-                <p:childTnLst>
-                  <p:par>
-                    <p:cTn id="3" fill="hold" nodeType="clickPar">
-                      <p:stCondLst>
-                        <p:cond delay="indefinite"/>
-                        <p:cond evt="onBegin" delay="0">
-                          <p:tn val="2"/>
-                        </p:cond>
-                      </p:stCondLst>
-                      <p:childTnLst>
-                        <p:par>
-                          <p:cTn id="4" fill="hold" nodeType="withGroup">
-                            <p:stCondLst>
-                              <p:cond delay="0"/>
-                            </p:stCondLst>
-                            <p:childTnLst>
-                              <p:par>
-                                <p:cTn id="5" presetID="0" presetClass="entr" presetSubtype="0" fill="hold" nodeType="afterEffect">
-                                  <p:stCondLst>
-                                    <p:cond delay="0"/>
-                                  </p:stCondLst>
-                                  <p:childTnLst>
-                                    <p:set>
-                                      <p:cBhvr>
-                                        <p:cTn id="6" dur="1" fill="hold">
-                                          <p:stCondLst>
-                                            <p:cond delay="499"/>
-                                          </p:stCondLst>
-                                        </p:cTn>
-                                        <p:tgtEl>
-                                          <p:spTgt spid="57346"/>
-                                        </p:tgtEl>
-                                        <p:attrNameLst>
-                                          <p:attrName>style.visibility</p:attrName>
-                                        </p:attrNameLst>
-                                      </p:cBhvr>
-                                      <p:to>
-                                        <p:strVal val="visible"/>
-                                      </p:to>
-                                    </p:set>
-                                  </p:childTnLst>
-                                </p:cTn>
-                              </p:par>
-                            </p:childTnLst>
-                          </p:cTn>
-                        </p:par>
-                      </p:childTnLst>
-                    </p:cTn>
-                  </p:par>
-                </p:childTnLst>
-              </p:cTn>
-              <p:prevCondLst>
-                <p:cond evt="onPrev" delay="0">
-                  <p:tgtEl>
-                    <p:sldTgt/>
-                  </p:tgtEl>
-                </p:cond>
-              </p:prevCondLst>
-              <p:nextCondLst>
-                <p:cond evt="onNext" delay="0">
-                  <p:tgtEl>
-                    <p:sldTgt/>
-                  </p:tgtEl>
-                </p:cond>
-              </p:nextCondLst>
-            </p:seq>
-          </p:childTnLst>
-        </p:cTn>
-      </p:par>
-    </p:tnLst>
-  </p:timing>
-</p:sld>
-</file>
-
-<file path=ppt/slides/slide26.xml><?xml version="1.0" encoding="utf-8"?>
-<p:sld xmlns:a="http://schemas.openxmlformats.org/drawingml/2006/main" xmlns:r="http://schemas.openxmlformats.org/officeDocument/2006/relationships" xmlns:p="http://schemas.openxmlformats.org/presentationml/2006/main">
-  <p:cSld>
-    <p:spTree>
-      <p:nvGrpSpPr>
-        <p:cNvPr id="1" name=""/>
-        <p:cNvGrpSpPr/>
-        <p:nvPr/>
-      </p:nvGrpSpPr>
-      <p:grpSpPr>
-        <a:xfrm>
-          <a:off x="0" y="0"/>
-          <a:ext cx="0" cy="0"/>
-          <a:chOff x="0" y="0"/>
-          <a:chExt cx="0" cy="0"/>
-        </a:xfrm>
-      </p:grpSpPr>
-      <p:pic>
-        <p:nvPicPr>
-          <p:cNvPr id="58369" name="Picture 1" descr="next.png"/>
-          <p:cNvPicPr>
-            <a:picLocks noChangeAspect="1"/>
-          </p:cNvPicPr>
-          <p:nvPr/>
-        </p:nvPicPr>
-        <p:blipFill>
-          <a:blip r:embed="rId2">
-            <a:extLst>
-              <a:ext uri="{28A0092B-C50C-407E-A947-70E740481C1C}">
-                <a14:useLocalDpi xmlns:a14="http://schemas.microsoft.com/office/drawing/2010/main" val="0"/>
-              </a:ext>
-            </a:extLst>
-          </a:blip>
-          <a:srcRect/>
-          <a:stretch>
-            <a:fillRect/>
-          </a:stretch>
-        </p:blipFill>
-        <p:spPr bwMode="auto">
-          <a:xfrm>
-            <a:off x="12115800" y="8864600"/>
-            <a:ext cx="635000" cy="635000"/>
-          </a:xfrm>
-          <a:prstGeom prst="rect">
-            <a:avLst/>
-          </a:prstGeom>
-          <a:noFill/>
-          <a:ln>
-            <a:noFill/>
-          </a:ln>
-          <a:extLst>
-            <a:ext uri="{909E8E84-426E-40DD-AFC4-6F175D3DCCD1}">
-              <a14:hiddenFill xmlns:a14="http://schemas.microsoft.com/office/drawing/2010/main">
-                <a:solidFill>
-                  <a:srgbClr val="FFFFFF"/>
-                </a:solidFill>
-              </a14:hiddenFill>
-            </a:ext>
-            <a:ext uri="{91240B29-F687-4F45-9708-019B960494DF}">
-              <a14:hiddenLine xmlns:a14="http://schemas.microsoft.com/office/drawing/2010/main" w="12700">
-                <a:solidFill>
-                  <a:srgbClr val="000000"/>
-                </a:solidFill>
-                <a:miter lim="0"/>
-                <a:headEnd/>
-                <a:tailEnd/>
-              </a14:hiddenLine>
-            </a:ext>
-          </a:extLst>
-        </p:spPr>
-      </p:pic>
-      <p:sp>
-        <p:nvSpPr>
-          <p:cNvPr id="92163" name="Rectangle 2"/>
-          <p:cNvSpPr>
-            <a:spLocks noGrp="1" noChangeArrowheads="1"/>
-          </p:cNvSpPr>
-          <p:nvPr>
-            <p:ph type="title"/>
-          </p:nvPr>
-        </p:nvSpPr>
-        <p:spPr>
-          <a:xfrm>
-            <a:off x="2057400" y="1701800"/>
-            <a:ext cx="8890000" cy="6350000"/>
-          </a:xfrm>
-          <a:solidFill>
-            <a:srgbClr val="FFFFFF"/>
-          </a:solidFill>
-        </p:spPr>
-        <p:txBody>
-          <a:bodyPr lIns="635000" tIns="635000" rIns="635000" bIns="635000"/>
-          <a:lstStyle/>
-          <a:p>
-            <a:pPr eaLnBrk="1"/>
-            <a:r>
-              <a:rPr lang="en-US" altLang="en-US">
-                <a:solidFill>
-                  <a:srgbClr val="32302E"/>
-                </a:solidFill>
-                <a:latin typeface="Helvetica" panose="020B0604020202020204" pitchFamily="34" charset="0"/>
-                <a:cs typeface="Helvetica" panose="020B0604020202020204" pitchFamily="34" charset="0"/>
-                <a:sym typeface="Helvetica" panose="020B0604020202020204" pitchFamily="34" charset="0"/>
-              </a:rPr>
-              <a:t>6</a:t>
-            </a:r>
-            <a:endParaRPr lang="en-US" altLang="en-US" sz="1800">
-              <a:solidFill>
-                <a:srgbClr val="000000"/>
-              </a:solidFill>
-              <a:latin typeface="Helvetica" panose="020B0604020202020204" pitchFamily="34" charset="0"/>
-              <a:cs typeface="Helvetica" panose="020B0604020202020204" pitchFamily="34" charset="0"/>
-              <a:sym typeface="Helvetica" panose="020B0604020202020204" pitchFamily="34" charset="0"/>
-            </a:endParaRPr>
-          </a:p>
-        </p:txBody>
-      </p:sp>
-    </p:spTree>
-  </p:cSld>
-  <p:clrMapOvr>
-    <a:masterClrMapping/>
-  </p:clrMapOvr>
-  <p:transition spd="med">
-    <p:fade/>
-  </p:transition>
-  <p:timing>
-    <p:tnLst>
-      <p:par>
-        <p:cTn id="1" dur="indefinite" restart="never" nodeType="tmRoot">
-          <p:childTnLst>
-            <p:seq concurrent="1" nextAc="seek">
-              <p:cTn id="2" dur="indefinite" nodeType="mainSeq">
-                <p:childTnLst>
-                  <p:par>
-                    <p:cTn id="3" fill="hold" nodeType="clickPar">
-                      <p:stCondLst>
-                        <p:cond delay="indefinite"/>
-                        <p:cond evt="onBegin" delay="0">
-                          <p:tn val="2"/>
-                        </p:cond>
-                      </p:stCondLst>
-                      <p:childTnLst>
-                        <p:par>
-                          <p:cTn id="4" fill="hold" nodeType="withGroup">
-                            <p:stCondLst>
-                              <p:cond delay="0"/>
-                            </p:stCondLst>
-                            <p:childTnLst>
-                              <p:par>
-                                <p:cTn id="5" presetID="0" presetClass="entr" presetSubtype="0" fill="hold" nodeType="afterEffect">
-                                  <p:stCondLst>
-                                    <p:cond delay="0"/>
-                                  </p:stCondLst>
-                                  <p:childTnLst>
-                                    <p:set>
-                                      <p:cBhvr>
-                                        <p:cTn id="6" dur="1" fill="hold">
-                                          <p:stCondLst>
-                                            <p:cond delay="499"/>
-                                          </p:stCondLst>
-                                        </p:cTn>
-                                        <p:tgtEl>
-                                          <p:spTgt spid="58369"/>
-                                        </p:tgtEl>
-                                        <p:attrNameLst>
-                                          <p:attrName>style.visibility</p:attrName>
-                                        </p:attrNameLst>
-                                      </p:cBhvr>
-                                      <p:to>
-                                        <p:strVal val="visible"/>
-                                      </p:to>
-                                    </p:set>
-                                  </p:childTnLst>
-                                </p:cTn>
-                              </p:par>
-                            </p:childTnLst>
-                          </p:cTn>
-                        </p:par>
-                      </p:childTnLst>
-                    </p:cTn>
-                  </p:par>
-                </p:childTnLst>
-              </p:cTn>
-              <p:prevCondLst>
-                <p:cond evt="onPrev" delay="0">
-                  <p:tgtEl>
-                    <p:sldTgt/>
-                  </p:tgtEl>
-                </p:cond>
-              </p:prevCondLst>
-              <p:nextCondLst>
-                <p:cond evt="onNext" delay="0">
-                  <p:tgtEl>
-                    <p:sldTgt/>
-                  </p:tgtEl>
-                </p:cond>
-              </p:nextCondLst>
-            </p:seq>
-          </p:childTnLst>
-        </p:cTn>
-      </p:par>
-    </p:tnLst>
-  </p:timing>
-</p:sld>
-</file>
-
-<file path=ppt/slides/slide27.xml><?xml version="1.0" encoding="utf-8"?>
-<p:sld xmlns:a="http://schemas.openxmlformats.org/drawingml/2006/main" xmlns:r="http://schemas.openxmlformats.org/officeDocument/2006/relationships" xmlns:p="http://schemas.openxmlformats.org/presentationml/2006/main">
-  <p:cSld>
-    <p:spTree>
-      <p:nvGrpSpPr>
-        <p:cNvPr id="1" name=""/>
-        <p:cNvGrpSpPr/>
-        <p:nvPr/>
-      </p:nvGrpSpPr>
-      <p:grpSpPr>
-        <a:xfrm>
-          <a:off x="0" y="0"/>
-          <a:ext cx="0" cy="0"/>
-          <a:chOff x="0" y="0"/>
-          <a:chExt cx="0" cy="0"/>
-        </a:xfrm>
-      </p:grpSpPr>
-      <p:sp>
-        <p:nvSpPr>
-          <p:cNvPr id="93186" name="Rectangle 1"/>
-          <p:cNvSpPr>
-            <a:spLocks noGrp="1" noChangeArrowheads="1"/>
-          </p:cNvSpPr>
-          <p:nvPr>
-            <p:ph type="title"/>
-          </p:nvPr>
-        </p:nvSpPr>
-        <p:spPr/>
-        <p:txBody>
-          <a:bodyPr/>
-          <a:lstStyle/>
-          <a:p>
-            <a:pPr eaLnBrk="1"/>
-            <a:r>
-              <a:rPr lang="en-US" altLang="en-US"/>
-              <a:t>CONCATENATING STRINGS</a:t>
-            </a:r>
-            <a:endParaRPr lang="en-US" altLang="en-US" sz="1800">
-              <a:solidFill>
-                <a:srgbClr val="000000"/>
-              </a:solidFill>
-            </a:endParaRPr>
-          </a:p>
-        </p:txBody>
-      </p:sp>
-      <p:pic>
-        <p:nvPicPr>
-          <p:cNvPr id="93187" name="Picture 2" descr="next.png"/>
-          <p:cNvPicPr>
-            <a:picLocks noChangeAspect="1"/>
-          </p:cNvPicPr>
-          <p:nvPr/>
-        </p:nvPicPr>
-        <p:blipFill>
-          <a:blip r:embed="rId2">
-            <a:extLst>
-              <a:ext uri="{28A0092B-C50C-407E-A947-70E740481C1C}">
-                <a14:useLocalDpi xmlns:a14="http://schemas.microsoft.com/office/drawing/2010/main" val="0"/>
-              </a:ext>
-            </a:extLst>
-          </a:blip>
-          <a:srcRect/>
-          <a:stretch>
-            <a:fillRect/>
-          </a:stretch>
-        </p:blipFill>
-        <p:spPr bwMode="auto">
-          <a:xfrm>
-            <a:off x="12103100" y="8864600"/>
-            <a:ext cx="635000" cy="635000"/>
-          </a:xfrm>
-          <a:prstGeom prst="rect">
-            <a:avLst/>
-          </a:prstGeom>
-          <a:noFill/>
-          <a:ln>
-            <a:noFill/>
-          </a:ln>
-          <a:extLst>
-            <a:ext uri="{909E8E84-426E-40DD-AFC4-6F175D3DCCD1}">
-              <a14:hiddenFill xmlns:a14="http://schemas.microsoft.com/office/drawing/2010/main">
-                <a:solidFill>
-                  <a:srgbClr val="FFFFFF"/>
-                </a:solidFill>
-              </a14:hiddenFill>
-            </a:ext>
-            <a:ext uri="{91240B29-F687-4F45-9708-019B960494DF}">
-              <a14:hiddenLine xmlns:a14="http://schemas.microsoft.com/office/drawing/2010/main" w="12700">
-                <a:solidFill>
-                  <a:srgbClr val="000000"/>
-                </a:solidFill>
-                <a:miter lim="0"/>
-                <a:headEnd/>
-                <a:tailEnd/>
-              </a14:hiddenLine>
-            </a:ext>
-          </a:extLst>
-        </p:spPr>
-      </p:pic>
-    </p:spTree>
-  </p:cSld>
-  <p:clrMapOvr>
-    <a:masterClrMapping/>
-  </p:clrMapOvr>
-  <p:transition spd="med">
-    <p:fade/>
-  </p:transition>
-</p:sld>
-</file>
-
-<file path=ppt/slides/slide28.xml><?xml version="1.0" encoding="utf-8"?>
-<p:sld xmlns:a="http://schemas.openxmlformats.org/drawingml/2006/main" xmlns:r="http://schemas.openxmlformats.org/officeDocument/2006/relationships" xmlns:p="http://schemas.openxmlformats.org/presentationml/2006/main">
-  <p:cSld>
-    <p:spTree>
-      <p:nvGrpSpPr>
-        <p:cNvPr id="1" name=""/>
-        <p:cNvGrpSpPr/>
-        <p:nvPr/>
-      </p:nvGrpSpPr>
-      <p:grpSpPr>
-        <a:xfrm>
-          <a:off x="0" y="0"/>
-          <a:ext cx="0" cy="0"/>
-          <a:chOff x="0" y="0"/>
-          <a:chExt cx="0" cy="0"/>
-        </a:xfrm>
-      </p:grpSpPr>
-      <p:sp>
-        <p:nvSpPr>
-          <p:cNvPr id="94210" name="Rectangle 1"/>
-          <p:cNvSpPr>
-            <a:spLocks noGrp="1" noChangeArrowheads="1"/>
-          </p:cNvSpPr>
-          <p:nvPr>
-            <p:ph type="title"/>
-          </p:nvPr>
-        </p:nvSpPr>
-        <p:spPr>
-          <a:xfrm>
-            <a:off x="0" y="0"/>
-            <a:ext cx="13004800" cy="9752013"/>
-          </a:xfrm>
-        </p:spPr>
-        <p:txBody>
-          <a:bodyPr lIns="1270000" tIns="1270000" rIns="1270000" bIns="1270000"/>
-          <a:lstStyle/>
-          <a:p>
-            <a:pPr algn="l" eaLnBrk="1"/>
-            <a:r>
-              <a:rPr lang="en-US" altLang="en-US" sz="6000"/>
-              <a:t>There is just one string operator: the </a:t>
-            </a:r>
-            <a:r>
-              <a:rPr lang="en-US" altLang="en-US" sz="6000" b="1">
-                <a:latin typeface="Helvetica" panose="020B0604020202020204" pitchFamily="34" charset="0"/>
-                <a:cs typeface="Helvetica" panose="020B0604020202020204" pitchFamily="34" charset="0"/>
-                <a:sym typeface="Helvetica" panose="020B0604020202020204" pitchFamily="34" charset="0"/>
-              </a:rPr>
-              <a:t>+</a:t>
-            </a:r>
-            <a:r>
-              <a:rPr lang="en-US" altLang="en-US" sz="6000"/>
-              <a:t> symbol.</a:t>
-            </a:r>
-            <a:br>
-              <a:rPr lang="en-US" altLang="en-US" sz="6000"/>
-            </a:br>
-            <a:br>
-              <a:rPr lang="en-US" altLang="en-US" sz="6000"/>
-            </a:br>
-            <a:r>
-              <a:rPr lang="en-US" altLang="en-US" sz="6000"/>
-              <a:t>It is used to join strings on either side of it.</a:t>
-            </a:r>
-            <a:endParaRPr lang="en-US" altLang="en-US" sz="1800">
-              <a:solidFill>
-                <a:srgbClr val="000000"/>
-              </a:solidFill>
-            </a:endParaRPr>
-          </a:p>
-        </p:txBody>
-      </p:sp>
-      <p:pic>
-        <p:nvPicPr>
-          <p:cNvPr id="60418" name="Picture 2" descr="next.png"/>
-          <p:cNvPicPr>
-            <a:picLocks noChangeAspect="1"/>
-          </p:cNvPicPr>
-          <p:nvPr/>
-        </p:nvPicPr>
-        <p:blipFill>
-          <a:blip r:embed="rId2">
-            <a:extLst>
-              <a:ext uri="{28A0092B-C50C-407E-A947-70E740481C1C}">
-                <a14:useLocalDpi xmlns:a14="http://schemas.microsoft.com/office/drawing/2010/main" val="0"/>
-              </a:ext>
-            </a:extLst>
-          </a:blip>
-          <a:srcRect/>
-          <a:stretch>
-            <a:fillRect/>
-          </a:stretch>
-        </p:blipFill>
-        <p:spPr bwMode="auto">
-          <a:xfrm>
-            <a:off x="12115800" y="8864600"/>
-            <a:ext cx="635000" cy="635000"/>
-          </a:xfrm>
-          <a:prstGeom prst="rect">
-            <a:avLst/>
-          </a:prstGeom>
-          <a:noFill/>
-          <a:ln>
-            <a:noFill/>
-          </a:ln>
-          <a:extLst>
-            <a:ext uri="{909E8E84-426E-40DD-AFC4-6F175D3DCCD1}">
-              <a14:hiddenFill xmlns:a14="http://schemas.microsoft.com/office/drawing/2010/main">
-                <a:solidFill>
-                  <a:srgbClr val="FFFFFF"/>
-                </a:solidFill>
-              </a14:hiddenFill>
-            </a:ext>
-            <a:ext uri="{91240B29-F687-4F45-9708-019B960494DF}">
-              <a14:hiddenLine xmlns:a14="http://schemas.microsoft.com/office/drawing/2010/main" w="12700">
-                <a:solidFill>
-                  <a:srgbClr val="000000"/>
-                </a:solidFill>
-                <a:miter lim="0"/>
-                <a:headEnd/>
-                <a:tailEnd/>
-              </a14:hiddenLine>
-            </a:ext>
-          </a:extLst>
-        </p:spPr>
-      </p:pic>
-    </p:spTree>
-  </p:cSld>
-  <p:clrMapOvr>
-    <a:masterClrMapping/>
-  </p:clrMapOvr>
-  <p:transition spd="slow">
-    <p:push/>
-  </p:transition>
-  <p:timing>
-    <p:tnLst>
-      <p:par>
-        <p:cTn id="1" dur="indefinite" restart="never" nodeType="tmRoot">
-          <p:childTnLst>
-            <p:seq concurrent="1" nextAc="seek">
-              <p:cTn id="2" dur="indefinite" nodeType="mainSeq">
-                <p:childTnLst>
-                  <p:par>
-                    <p:cTn id="3" fill="hold" nodeType="clickPar">
-                      <p:stCondLst>
-                        <p:cond delay="indefinite"/>
-                        <p:cond evt="onBegin" delay="0">
-                          <p:tn val="2"/>
-                        </p:cond>
-                      </p:stCondLst>
-                      <p:childTnLst>
-                        <p:par>
-                          <p:cTn id="4" fill="hold" nodeType="withGroup">
-                            <p:stCondLst>
-                              <p:cond delay="0"/>
-                            </p:stCondLst>
-                            <p:childTnLst>
-                              <p:par>
-                                <p:cTn id="5" presetID="0" presetClass="entr" presetSubtype="0" fill="hold" nodeType="afterEffect">
-                                  <p:stCondLst>
-                                    <p:cond delay="0"/>
-                                  </p:stCondLst>
-                                  <p:childTnLst>
-                                    <p:set>
-                                      <p:cBhvr>
-                                        <p:cTn id="6" dur="1" fill="hold">
-                                          <p:stCondLst>
-                                            <p:cond delay="499"/>
-                                          </p:stCondLst>
-                                        </p:cTn>
-                                        <p:tgtEl>
-                                          <p:spTgt spid="60418"/>
-                                        </p:tgtEl>
-                                        <p:attrNameLst>
-                                          <p:attrName>style.visibility</p:attrName>
-                                        </p:attrNameLst>
-                                      </p:cBhvr>
-                                      <p:to>
-                                        <p:strVal val="visible"/>
-                                      </p:to>
-                                    </p:set>
-                                  </p:childTnLst>
-                                </p:cTn>
-                              </p:par>
-                            </p:childTnLst>
-                          </p:cTn>
-                        </p:par>
-                      </p:childTnLst>
-                    </p:cTn>
-                  </p:par>
-                </p:childTnLst>
-              </p:cTn>
-              <p:prevCondLst>
-                <p:cond evt="onPrev" delay="0">
-                  <p:tgtEl>
-                    <p:sldTgt/>
-                  </p:tgtEl>
-                </p:cond>
-              </p:prevCondLst>
-              <p:nextCondLst>
-                <p:cond evt="onNext" delay="0">
-                  <p:tgtEl>
-                    <p:sldTgt/>
-                  </p:tgtEl>
-                </p:cond>
-              </p:nextCondLst>
-            </p:seq>
-          </p:childTnLst>
-        </p:cTn>
-      </p:par>
-    </p:tnLst>
-  </p:timing>
-</p:sld>
-</file>
-
-<file path=ppt/slides/slide29.xml><?xml version="1.0" encoding="utf-8"?>
-<p:sld xmlns:a="http://schemas.openxmlformats.org/drawingml/2006/main" xmlns:r="http://schemas.openxmlformats.org/officeDocument/2006/relationships" xmlns:p="http://schemas.openxmlformats.org/presentationml/2006/main">
-  <p:cSld>
-    <p:spTree>
-      <p:nvGrpSpPr>
-        <p:cNvPr id="1" name=""/>
-        <p:cNvGrpSpPr/>
-        <p:nvPr/>
-      </p:nvGrpSpPr>
-      <p:grpSpPr>
-        <a:xfrm>
-          <a:off x="0" y="0"/>
-          <a:ext cx="0" cy="0"/>
-          <a:chOff x="0" y="0"/>
-          <a:chExt cx="0" cy="0"/>
-        </a:xfrm>
-      </p:grpSpPr>
-      <p:sp>
-        <p:nvSpPr>
-          <p:cNvPr id="95234" name="Rectangle 1"/>
-          <p:cNvSpPr>
-            <a:spLocks noGrp="1" noChangeArrowheads="1"/>
-          </p:cNvSpPr>
-          <p:nvPr>
-            <p:ph type="title"/>
-          </p:nvPr>
-        </p:nvSpPr>
-        <p:spPr>
-          <a:xfrm>
-            <a:off x="0" y="0"/>
-            <a:ext cx="13003213" cy="9752013"/>
-          </a:xfrm>
-        </p:spPr>
-        <p:txBody>
-          <a:bodyPr lIns="635000" tIns="635000" rIns="635000" bIns="635000"/>
-          <a:lstStyle/>
-          <a:p>
-            <a:pPr algn="l" eaLnBrk="1"/>
-            <a:r>
-              <a:rPr lang="en-US" altLang="en-US" sz="5000">
-                <a:latin typeface="Courier" charset="0"/>
-                <a:sym typeface="Courier" charset="0"/>
-              </a:rPr>
-              <a:t>var greeting = ‘Howdy ‘;</a:t>
-            </a:r>
-            <a:br>
-              <a:rPr lang="en-US" altLang="en-US" sz="5000">
-                <a:latin typeface="Courier" charset="0"/>
-                <a:sym typeface="Courier" charset="0"/>
-              </a:rPr>
-            </a:br>
-            <a:br>
-              <a:rPr lang="en-US" altLang="en-US" sz="5000">
-                <a:latin typeface="Courier" charset="0"/>
-                <a:sym typeface="Courier" charset="0"/>
-              </a:rPr>
-            </a:br>
-            <a:br>
-              <a:rPr lang="en-US" altLang="en-US" sz="5000">
-                <a:latin typeface="Courier" charset="0"/>
-                <a:sym typeface="Courier" charset="0"/>
-              </a:rPr>
-            </a:br>
-            <a:endParaRPr lang="en-US" altLang="en-US" sz="5000">
-              <a:latin typeface="Courier" charset="0"/>
-              <a:sym typeface="Courier" charset="0"/>
-            </a:endParaRPr>
-          </a:p>
-        </p:txBody>
-      </p:sp>
-      <p:pic>
-        <p:nvPicPr>
-          <p:cNvPr id="61442" name="Picture 2" descr="next.png"/>
-          <p:cNvPicPr>
-            <a:picLocks noChangeAspect="1"/>
-          </p:cNvPicPr>
-          <p:nvPr/>
-        </p:nvPicPr>
-        <p:blipFill>
-          <a:blip r:embed="rId2">
-            <a:extLst>
-              <a:ext uri="{28A0092B-C50C-407E-A947-70E740481C1C}">
-                <a14:useLocalDpi xmlns:a14="http://schemas.microsoft.com/office/drawing/2010/main" val="0"/>
-              </a:ext>
-            </a:extLst>
-          </a:blip>
-          <a:srcRect/>
-          <a:stretch>
-            <a:fillRect/>
-          </a:stretch>
-        </p:blipFill>
-        <p:spPr bwMode="auto">
-          <a:xfrm>
-            <a:off x="12115800" y="8864600"/>
-            <a:ext cx="635000" cy="635000"/>
-          </a:xfrm>
-          <a:prstGeom prst="rect">
-            <a:avLst/>
-          </a:prstGeom>
-          <a:noFill/>
-          <a:ln>
-            <a:noFill/>
-          </a:ln>
-          <a:extLst>
-            <a:ext uri="{909E8E84-426E-40DD-AFC4-6F175D3DCCD1}">
-              <a14:hiddenFill xmlns:a14="http://schemas.microsoft.com/office/drawing/2010/main">
-                <a:solidFill>
-                  <a:srgbClr val="FFFFFF"/>
-                </a:solidFill>
-              </a14:hiddenFill>
-            </a:ext>
-            <a:ext uri="{91240B29-F687-4F45-9708-019B960494DF}">
-              <a14:hiddenLine xmlns:a14="http://schemas.microsoft.com/office/drawing/2010/main" w="12700">
-                <a:solidFill>
-                  <a:srgbClr val="000000"/>
-                </a:solidFill>
-                <a:miter lim="0"/>
-                <a:headEnd/>
-                <a:tailEnd/>
-              </a14:hiddenLine>
-            </a:ext>
-          </a:extLst>
-        </p:spPr>
-      </p:pic>
-    </p:spTree>
-  </p:cSld>
-  <p:clrMapOvr>
-    <a:masterClrMapping/>
-  </p:clrMapOvr>
-  <p:transition spd="slow">
-    <p:push/>
-  </p:transition>
-  <p:timing>
-    <p:tnLst>
-      <p:par>
-        <p:cTn id="1" dur="indefinite" restart="never" nodeType="tmRoot">
-          <p:childTnLst>
-            <p:seq concurrent="1" nextAc="seek">
-              <p:cTn id="2" dur="indefinite" nodeType="mainSeq">
-                <p:childTnLst>
-                  <p:par>
-                    <p:cTn id="3" fill="hold" nodeType="clickPar">
-                      <p:stCondLst>
-                        <p:cond delay="indefinite"/>
-                        <p:cond evt="onBegin" delay="0">
-                          <p:tn val="2"/>
-                        </p:cond>
-                      </p:stCondLst>
-                      <p:childTnLst>
-                        <p:par>
-                          <p:cTn id="4" fill="hold" nodeType="withGroup">
-                            <p:stCondLst>
-                              <p:cond delay="0"/>
-                            </p:stCondLst>
-                            <p:childTnLst>
-                              <p:par>
-                                <p:cTn id="5" presetID="0" presetClass="entr" presetSubtype="0" fill="hold" nodeType="afterEffect">
-                                  <p:stCondLst>
-                                    <p:cond delay="0"/>
-                                  </p:stCondLst>
-                                  <p:childTnLst>
-                                    <p:set>
-                                      <p:cBhvr>
-                                        <p:cTn id="6" dur="1" fill="hold">
-                                          <p:stCondLst>
-                                            <p:cond delay="499"/>
-                                          </p:stCondLst>
-                                        </p:cTn>
-                                        <p:tgtEl>
-                                          <p:spTgt spid="61442"/>
-                                        </p:tgtEl>
-                                        <p:attrNameLst>
-                                          <p:attrName>style.visibility</p:attrName>
-                                        </p:attrNameLst>
-                                      </p:cBhvr>
-                                      <p:to>
-                                        <p:strVal val="visible"/>
-                                      </p:to>
-                                    </p:set>
-                                  </p:childTnLst>
-                                </p:cTn>
-                              </p:par>
-                            </p:childTnLst>
-                          </p:cTn>
-                        </p:par>
-                      </p:childTnLst>
-                    </p:cTn>
-                  </p:par>
-                </p:childTnLst>
-              </p:cTn>
-              <p:prevCondLst>
-                <p:cond evt="onPrev" delay="0">
-                  <p:tgtEl>
-                    <p:sldTgt/>
-                  </p:tgtEl>
-                </p:cond>
-              </p:prevCondLst>
-              <p:nextCondLst>
-                <p:cond evt="onNext" delay="0">
-                  <p:tgtEl>
-                    <p:sldTgt/>
-                  </p:tgtEl>
-                </p:cond>
-              </p:nextCondLst>
-            </p:seq>
-          </p:childTnLst>
-        </p:cTn>
-      </p:par>
-    </p:tnLst>
-  </p:timing>
-</p:sld>
-</file>
-
 <file path=ppt/slides/slide3.xml><?xml version="1.0" encoding="utf-8"?>
 <p:sld xmlns:a="http://schemas.openxmlformats.org/drawingml/2006/main" xmlns:r="http://schemas.openxmlformats.org/officeDocument/2006/relationships" xmlns:p="http://schemas.openxmlformats.org/presentationml/2006/main">
   <p:cSld>
@@ -14540,1678 +9030,6 @@
   <p:transition spd="med">
     <p:fade/>
   </p:transition>
-</p:sld>
-</file>
-
-<file path=ppt/slides/slide30.xml><?xml version="1.0" encoding="utf-8"?>
-<p:sld xmlns:a="http://schemas.openxmlformats.org/drawingml/2006/main" xmlns:r="http://schemas.openxmlformats.org/officeDocument/2006/relationships" xmlns:p="http://schemas.openxmlformats.org/presentationml/2006/main">
-  <p:cSld>
-    <p:spTree>
-      <p:nvGrpSpPr>
-        <p:cNvPr id="1" name=""/>
-        <p:cNvGrpSpPr/>
-        <p:nvPr/>
-      </p:nvGrpSpPr>
-      <p:grpSpPr>
-        <a:xfrm>
-          <a:off x="0" y="0"/>
-          <a:ext cx="0" cy="0"/>
-          <a:chOff x="0" y="0"/>
-          <a:chExt cx="0" cy="0"/>
-        </a:xfrm>
-      </p:grpSpPr>
-      <p:sp>
-        <p:nvSpPr>
-          <p:cNvPr id="96258" name="Rectangle 1"/>
-          <p:cNvSpPr>
-            <a:spLocks noGrp="1" noChangeArrowheads="1"/>
-          </p:cNvSpPr>
-          <p:nvPr>
-            <p:ph type="title"/>
-          </p:nvPr>
-        </p:nvSpPr>
-        <p:spPr>
-          <a:xfrm>
-            <a:off x="0" y="0"/>
-            <a:ext cx="13003213" cy="9752013"/>
-          </a:xfrm>
-        </p:spPr>
-        <p:txBody>
-          <a:bodyPr lIns="635000" tIns="635000" rIns="635000" bIns="635000"/>
-          <a:lstStyle/>
-          <a:p>
-            <a:pPr algn="l" eaLnBrk="1"/>
-            <a:r>
-              <a:rPr lang="en-US" altLang="en-US" sz="5000">
-                <a:latin typeface="Courier" charset="0"/>
-                <a:sym typeface="Courier" charset="0"/>
-              </a:rPr>
-              <a:t>var greeting = ‘Howdy ‘;</a:t>
-            </a:r>
-            <a:br>
-              <a:rPr lang="en-US" altLang="en-US" sz="5000">
-                <a:latin typeface="Courier" charset="0"/>
-                <a:sym typeface="Courier" charset="0"/>
-              </a:rPr>
-            </a:br>
-            <a:r>
-              <a:rPr lang="en-US" altLang="en-US" sz="5000">
-                <a:latin typeface="Courier" charset="0"/>
-                <a:sym typeface="Courier" charset="0"/>
-              </a:rPr>
-              <a:t>var name = ‘Molly’;</a:t>
-            </a:r>
-            <a:br>
-              <a:rPr lang="en-US" altLang="en-US" sz="5000">
-                <a:latin typeface="Courier" charset="0"/>
-                <a:sym typeface="Courier" charset="0"/>
-              </a:rPr>
-            </a:br>
-            <a:br>
-              <a:rPr lang="en-US" altLang="en-US" sz="5000">
-                <a:latin typeface="Courier" charset="0"/>
-                <a:sym typeface="Courier" charset="0"/>
-              </a:rPr>
-            </a:br>
-            <a:endParaRPr lang="en-US" altLang="en-US" sz="5000">
-              <a:latin typeface="Courier" charset="0"/>
-              <a:sym typeface="Courier" charset="0"/>
-            </a:endParaRPr>
-          </a:p>
-        </p:txBody>
-      </p:sp>
-      <p:pic>
-        <p:nvPicPr>
-          <p:cNvPr id="62466" name="Picture 2" descr="next.png"/>
-          <p:cNvPicPr>
-            <a:picLocks noChangeAspect="1"/>
-          </p:cNvPicPr>
-          <p:nvPr/>
-        </p:nvPicPr>
-        <p:blipFill>
-          <a:blip r:embed="rId2">
-            <a:extLst>
-              <a:ext uri="{28A0092B-C50C-407E-A947-70E740481C1C}">
-                <a14:useLocalDpi xmlns:a14="http://schemas.microsoft.com/office/drawing/2010/main" val="0"/>
-              </a:ext>
-            </a:extLst>
-          </a:blip>
-          <a:srcRect/>
-          <a:stretch>
-            <a:fillRect/>
-          </a:stretch>
-        </p:blipFill>
-        <p:spPr bwMode="auto">
-          <a:xfrm>
-            <a:off x="12115800" y="8864600"/>
-            <a:ext cx="635000" cy="635000"/>
-          </a:xfrm>
-          <a:prstGeom prst="rect">
-            <a:avLst/>
-          </a:prstGeom>
-          <a:noFill/>
-          <a:ln>
-            <a:noFill/>
-          </a:ln>
-          <a:extLst>
-            <a:ext uri="{909E8E84-426E-40DD-AFC4-6F175D3DCCD1}">
-              <a14:hiddenFill xmlns:a14="http://schemas.microsoft.com/office/drawing/2010/main">
-                <a:solidFill>
-                  <a:srgbClr val="FFFFFF"/>
-                </a:solidFill>
-              </a14:hiddenFill>
-            </a:ext>
-            <a:ext uri="{91240B29-F687-4F45-9708-019B960494DF}">
-              <a14:hiddenLine xmlns:a14="http://schemas.microsoft.com/office/drawing/2010/main" w="12700">
-                <a:solidFill>
-                  <a:srgbClr val="000000"/>
-                </a:solidFill>
-                <a:miter lim="0"/>
-                <a:headEnd/>
-                <a:tailEnd/>
-              </a14:hiddenLine>
-            </a:ext>
-          </a:extLst>
-        </p:spPr>
-      </p:pic>
-    </p:spTree>
-  </p:cSld>
-  <p:clrMapOvr>
-    <a:masterClrMapping/>
-  </p:clrMapOvr>
-  <p:transition spd="med">
-    <p:fade/>
-  </p:transition>
-  <p:timing>
-    <p:tnLst>
-      <p:par>
-        <p:cTn id="1" dur="indefinite" restart="never" nodeType="tmRoot">
-          <p:childTnLst>
-            <p:seq concurrent="1" nextAc="seek">
-              <p:cTn id="2" dur="indefinite" nodeType="mainSeq">
-                <p:childTnLst>
-                  <p:par>
-                    <p:cTn id="3" fill="hold" nodeType="clickPar">
-                      <p:stCondLst>
-                        <p:cond delay="indefinite"/>
-                        <p:cond evt="onBegin" delay="0">
-                          <p:tn val="2"/>
-                        </p:cond>
-                      </p:stCondLst>
-                      <p:childTnLst>
-                        <p:par>
-                          <p:cTn id="4" fill="hold" nodeType="withGroup">
-                            <p:stCondLst>
-                              <p:cond delay="0"/>
-                            </p:stCondLst>
-                            <p:childTnLst>
-                              <p:par>
-                                <p:cTn id="5" presetID="0" presetClass="entr" presetSubtype="0" fill="hold" nodeType="afterEffect">
-                                  <p:stCondLst>
-                                    <p:cond delay="0"/>
-                                  </p:stCondLst>
-                                  <p:childTnLst>
-                                    <p:set>
-                                      <p:cBhvr>
-                                        <p:cTn id="6" dur="1" fill="hold">
-                                          <p:stCondLst>
-                                            <p:cond delay="499"/>
-                                          </p:stCondLst>
-                                        </p:cTn>
-                                        <p:tgtEl>
-                                          <p:spTgt spid="62466"/>
-                                        </p:tgtEl>
-                                        <p:attrNameLst>
-                                          <p:attrName>style.visibility</p:attrName>
-                                        </p:attrNameLst>
-                                      </p:cBhvr>
-                                      <p:to>
-                                        <p:strVal val="visible"/>
-                                      </p:to>
-                                    </p:set>
-                                  </p:childTnLst>
-                                </p:cTn>
-                              </p:par>
-                            </p:childTnLst>
-                          </p:cTn>
-                        </p:par>
-                      </p:childTnLst>
-                    </p:cTn>
-                  </p:par>
-                </p:childTnLst>
-              </p:cTn>
-              <p:prevCondLst>
-                <p:cond evt="onPrev" delay="0">
-                  <p:tgtEl>
-                    <p:sldTgt/>
-                  </p:tgtEl>
-                </p:cond>
-              </p:prevCondLst>
-              <p:nextCondLst>
-                <p:cond evt="onNext" delay="0">
-                  <p:tgtEl>
-                    <p:sldTgt/>
-                  </p:tgtEl>
-                </p:cond>
-              </p:nextCondLst>
-            </p:seq>
-          </p:childTnLst>
-        </p:cTn>
-      </p:par>
-    </p:tnLst>
-  </p:timing>
-</p:sld>
-</file>
-
-<file path=ppt/slides/slide31.xml><?xml version="1.0" encoding="utf-8"?>
-<p:sld xmlns:a="http://schemas.openxmlformats.org/drawingml/2006/main" xmlns:r="http://schemas.openxmlformats.org/officeDocument/2006/relationships" xmlns:p="http://schemas.openxmlformats.org/presentationml/2006/main">
-  <p:cSld>
-    <p:spTree>
-      <p:nvGrpSpPr>
-        <p:cNvPr id="1" name=""/>
-        <p:cNvGrpSpPr/>
-        <p:nvPr/>
-      </p:nvGrpSpPr>
-      <p:grpSpPr>
-        <a:xfrm>
-          <a:off x="0" y="0"/>
-          <a:ext cx="0" cy="0"/>
-          <a:chOff x="0" y="0"/>
-          <a:chExt cx="0" cy="0"/>
-        </a:xfrm>
-      </p:grpSpPr>
-      <p:sp>
-        <p:nvSpPr>
-          <p:cNvPr id="97282" name="Rectangle 1"/>
-          <p:cNvSpPr>
-            <a:spLocks noGrp="1" noChangeArrowheads="1"/>
-          </p:cNvSpPr>
-          <p:nvPr>
-            <p:ph type="title"/>
-          </p:nvPr>
-        </p:nvSpPr>
-        <p:spPr>
-          <a:xfrm>
-            <a:off x="0" y="0"/>
-            <a:ext cx="13003213" cy="9752013"/>
-          </a:xfrm>
-        </p:spPr>
-        <p:txBody>
-          <a:bodyPr lIns="635000" tIns="635000" rIns="635000" bIns="635000"/>
-          <a:lstStyle/>
-          <a:p>
-            <a:pPr algn="l" eaLnBrk="1"/>
-            <a:r>
-              <a:rPr lang="en-US" altLang="en-US" sz="5000">
-                <a:latin typeface="Courier" charset="0"/>
-                <a:sym typeface="Courier" charset="0"/>
-              </a:rPr>
-              <a:t>var greeting = ‘Howdy ‘;</a:t>
-            </a:r>
-            <a:br>
-              <a:rPr lang="en-US" altLang="en-US" sz="5000">
-                <a:latin typeface="Courier" charset="0"/>
-                <a:sym typeface="Courier" charset="0"/>
-              </a:rPr>
-            </a:br>
-            <a:r>
-              <a:rPr lang="en-US" altLang="en-US" sz="5000">
-                <a:latin typeface="Courier" charset="0"/>
-                <a:sym typeface="Courier" charset="0"/>
-              </a:rPr>
-              <a:t>var name = ‘Molly’;</a:t>
-            </a:r>
-            <a:br>
-              <a:rPr lang="en-US" altLang="en-US" sz="5000">
-                <a:latin typeface="Courier" charset="0"/>
-                <a:sym typeface="Courier" charset="0"/>
-              </a:rPr>
-            </a:br>
-            <a:br>
-              <a:rPr lang="en-US" altLang="en-US" sz="5000">
-                <a:latin typeface="Courier" charset="0"/>
-                <a:sym typeface="Courier" charset="0"/>
-              </a:rPr>
-            </a:br>
-            <a:r>
-              <a:rPr lang="en-US" altLang="en-US" sz="5000">
-                <a:latin typeface="Courier" charset="0"/>
-                <a:sym typeface="Courier" charset="0"/>
-              </a:rPr>
-              <a:t>var message = greeting + name;</a:t>
-            </a:r>
-          </a:p>
-        </p:txBody>
-      </p:sp>
-      <p:pic>
-        <p:nvPicPr>
-          <p:cNvPr id="63490" name="Picture 2" descr="next.png"/>
-          <p:cNvPicPr>
-            <a:picLocks noChangeAspect="1"/>
-          </p:cNvPicPr>
-          <p:nvPr/>
-        </p:nvPicPr>
-        <p:blipFill>
-          <a:blip r:embed="rId2">
-            <a:extLst>
-              <a:ext uri="{28A0092B-C50C-407E-A947-70E740481C1C}">
-                <a14:useLocalDpi xmlns:a14="http://schemas.microsoft.com/office/drawing/2010/main" val="0"/>
-              </a:ext>
-            </a:extLst>
-          </a:blip>
-          <a:srcRect/>
-          <a:stretch>
-            <a:fillRect/>
-          </a:stretch>
-        </p:blipFill>
-        <p:spPr bwMode="auto">
-          <a:xfrm>
-            <a:off x="12115800" y="8864600"/>
-            <a:ext cx="635000" cy="635000"/>
-          </a:xfrm>
-          <a:prstGeom prst="rect">
-            <a:avLst/>
-          </a:prstGeom>
-          <a:noFill/>
-          <a:ln>
-            <a:noFill/>
-          </a:ln>
-          <a:extLst>
-            <a:ext uri="{909E8E84-426E-40DD-AFC4-6F175D3DCCD1}">
-              <a14:hiddenFill xmlns:a14="http://schemas.microsoft.com/office/drawing/2010/main">
-                <a:solidFill>
-                  <a:srgbClr val="FFFFFF"/>
-                </a:solidFill>
-              </a14:hiddenFill>
-            </a:ext>
-            <a:ext uri="{91240B29-F687-4F45-9708-019B960494DF}">
-              <a14:hiddenLine xmlns:a14="http://schemas.microsoft.com/office/drawing/2010/main" w="12700">
-                <a:solidFill>
-                  <a:srgbClr val="000000"/>
-                </a:solidFill>
-                <a:miter lim="0"/>
-                <a:headEnd/>
-                <a:tailEnd/>
-              </a14:hiddenLine>
-            </a:ext>
-          </a:extLst>
-        </p:spPr>
-      </p:pic>
-    </p:spTree>
-  </p:cSld>
-  <p:clrMapOvr>
-    <a:masterClrMapping/>
-  </p:clrMapOvr>
-  <p:transition spd="med">
-    <p:fade/>
-  </p:transition>
-  <p:timing>
-    <p:tnLst>
-      <p:par>
-        <p:cTn id="1" dur="indefinite" restart="never" nodeType="tmRoot">
-          <p:childTnLst>
-            <p:seq concurrent="1" nextAc="seek">
-              <p:cTn id="2" dur="indefinite" nodeType="mainSeq">
-                <p:childTnLst>
-                  <p:par>
-                    <p:cTn id="3" fill="hold" nodeType="clickPar">
-                      <p:stCondLst>
-                        <p:cond delay="indefinite"/>
-                        <p:cond evt="onBegin" delay="0">
-                          <p:tn val="2"/>
-                        </p:cond>
-                      </p:stCondLst>
-                      <p:childTnLst>
-                        <p:par>
-                          <p:cTn id="4" fill="hold" nodeType="withGroup">
-                            <p:stCondLst>
-                              <p:cond delay="0"/>
-                            </p:stCondLst>
-                            <p:childTnLst>
-                              <p:par>
-                                <p:cTn id="5" presetID="0" presetClass="entr" presetSubtype="0" fill="hold" nodeType="afterEffect">
-                                  <p:stCondLst>
-                                    <p:cond delay="0"/>
-                                  </p:stCondLst>
-                                  <p:childTnLst>
-                                    <p:set>
-                                      <p:cBhvr>
-                                        <p:cTn id="6" dur="1" fill="hold">
-                                          <p:stCondLst>
-                                            <p:cond delay="499"/>
-                                          </p:stCondLst>
-                                        </p:cTn>
-                                        <p:tgtEl>
-                                          <p:spTgt spid="63490"/>
-                                        </p:tgtEl>
-                                        <p:attrNameLst>
-                                          <p:attrName>style.visibility</p:attrName>
-                                        </p:attrNameLst>
-                                      </p:cBhvr>
-                                      <p:to>
-                                        <p:strVal val="visible"/>
-                                      </p:to>
-                                    </p:set>
-                                  </p:childTnLst>
-                                </p:cTn>
-                              </p:par>
-                            </p:childTnLst>
-                          </p:cTn>
-                        </p:par>
-                      </p:childTnLst>
-                    </p:cTn>
-                  </p:par>
-                </p:childTnLst>
-              </p:cTn>
-              <p:prevCondLst>
-                <p:cond evt="onPrev" delay="0">
-                  <p:tgtEl>
-                    <p:sldTgt/>
-                  </p:tgtEl>
-                </p:cond>
-              </p:prevCondLst>
-              <p:nextCondLst>
-                <p:cond evt="onNext" delay="0">
-                  <p:tgtEl>
-                    <p:sldTgt/>
-                  </p:tgtEl>
-                </p:cond>
-              </p:nextCondLst>
-            </p:seq>
-          </p:childTnLst>
-        </p:cTn>
-      </p:par>
-    </p:tnLst>
-  </p:timing>
-</p:sld>
-</file>
-
-<file path=ppt/slides/slide32.xml><?xml version="1.0" encoding="utf-8"?>
-<p:sld xmlns:a="http://schemas.openxmlformats.org/drawingml/2006/main" xmlns:r="http://schemas.openxmlformats.org/officeDocument/2006/relationships" xmlns:p="http://schemas.openxmlformats.org/presentationml/2006/main">
-  <p:cSld>
-    <p:spTree>
-      <p:nvGrpSpPr>
-        <p:cNvPr id="1" name=""/>
-        <p:cNvGrpSpPr/>
-        <p:nvPr/>
-      </p:nvGrpSpPr>
-      <p:grpSpPr>
-        <a:xfrm>
-          <a:off x="0" y="0"/>
-          <a:ext cx="0" cy="0"/>
-          <a:chOff x="0" y="0"/>
-          <a:chExt cx="0" cy="0"/>
-        </a:xfrm>
-      </p:grpSpPr>
-      <p:sp>
-        <p:nvSpPr>
-          <p:cNvPr id="98306" name="Rectangle 1"/>
-          <p:cNvSpPr>
-            <a:spLocks noGrp="1" noChangeArrowheads="1"/>
-          </p:cNvSpPr>
-          <p:nvPr>
-            <p:ph type="title"/>
-          </p:nvPr>
-        </p:nvSpPr>
-        <p:spPr>
-          <a:xfrm>
-            <a:off x="0" y="0"/>
-            <a:ext cx="13003213" cy="9752013"/>
-          </a:xfrm>
-        </p:spPr>
-        <p:txBody>
-          <a:bodyPr lIns="635000" tIns="635000" rIns="635000" bIns="635000"/>
-          <a:lstStyle/>
-          <a:p>
-            <a:pPr algn="l" eaLnBrk="1"/>
-            <a:r>
-              <a:rPr lang="en-US" altLang="en-US" sz="5000">
-                <a:latin typeface="Courier" charset="0"/>
-                <a:sym typeface="Courier" charset="0"/>
-              </a:rPr>
-              <a:t>var </a:t>
-            </a:r>
-            <a:r>
-              <a:rPr lang="en-US" altLang="en-US" sz="5000">
-                <a:solidFill>
-                  <a:srgbClr val="F2717A"/>
-                </a:solidFill>
-                <a:latin typeface="Courier" charset="0"/>
-                <a:sym typeface="Courier" charset="0"/>
-              </a:rPr>
-              <a:t>greeting</a:t>
-            </a:r>
-            <a:r>
-              <a:rPr lang="en-US" altLang="en-US" sz="5000">
-                <a:latin typeface="Courier" charset="0"/>
-                <a:sym typeface="Courier" charset="0"/>
-              </a:rPr>
-              <a:t> = ‘Howdy ‘;</a:t>
-            </a:r>
-            <a:br>
-              <a:rPr lang="en-US" altLang="en-US" sz="5000">
-                <a:latin typeface="Courier" charset="0"/>
-                <a:sym typeface="Courier" charset="0"/>
-              </a:rPr>
-            </a:br>
-            <a:r>
-              <a:rPr lang="en-US" altLang="en-US" sz="5000">
-                <a:latin typeface="Courier" charset="0"/>
-                <a:sym typeface="Courier" charset="0"/>
-              </a:rPr>
-              <a:t>var name = ‘Molly’;</a:t>
-            </a:r>
-            <a:br>
-              <a:rPr lang="en-US" altLang="en-US" sz="5000">
-                <a:latin typeface="Courier" charset="0"/>
-                <a:sym typeface="Courier" charset="0"/>
-              </a:rPr>
-            </a:br>
-            <a:br>
-              <a:rPr lang="en-US" altLang="en-US" sz="5000">
-                <a:latin typeface="Courier" charset="0"/>
-                <a:sym typeface="Courier" charset="0"/>
-              </a:rPr>
-            </a:br>
-            <a:r>
-              <a:rPr lang="en-US" altLang="en-US" sz="5000">
-                <a:latin typeface="Courier" charset="0"/>
-                <a:sym typeface="Courier" charset="0"/>
-              </a:rPr>
-              <a:t>var message = </a:t>
-            </a:r>
-            <a:r>
-              <a:rPr lang="en-US" altLang="en-US" sz="5000">
-                <a:solidFill>
-                  <a:srgbClr val="F2717A"/>
-                </a:solidFill>
-                <a:latin typeface="Courier" charset="0"/>
-                <a:sym typeface="Courier" charset="0"/>
-              </a:rPr>
-              <a:t>greeting</a:t>
-            </a:r>
-            <a:r>
-              <a:rPr lang="en-US" altLang="en-US" sz="5000">
-                <a:latin typeface="Courier" charset="0"/>
-                <a:sym typeface="Courier" charset="0"/>
-              </a:rPr>
-              <a:t> + name;</a:t>
-            </a:r>
-          </a:p>
-        </p:txBody>
-      </p:sp>
-      <p:pic>
-        <p:nvPicPr>
-          <p:cNvPr id="64514" name="Picture 2" descr="next.png"/>
-          <p:cNvPicPr>
-            <a:picLocks noChangeAspect="1"/>
-          </p:cNvPicPr>
-          <p:nvPr/>
-        </p:nvPicPr>
-        <p:blipFill>
-          <a:blip r:embed="rId2">
-            <a:extLst>
-              <a:ext uri="{28A0092B-C50C-407E-A947-70E740481C1C}">
-                <a14:useLocalDpi xmlns:a14="http://schemas.microsoft.com/office/drawing/2010/main" val="0"/>
-              </a:ext>
-            </a:extLst>
-          </a:blip>
-          <a:srcRect/>
-          <a:stretch>
-            <a:fillRect/>
-          </a:stretch>
-        </p:blipFill>
-        <p:spPr bwMode="auto">
-          <a:xfrm>
-            <a:off x="12115800" y="8864600"/>
-            <a:ext cx="635000" cy="635000"/>
-          </a:xfrm>
-          <a:prstGeom prst="rect">
-            <a:avLst/>
-          </a:prstGeom>
-          <a:noFill/>
-          <a:ln>
-            <a:noFill/>
-          </a:ln>
-          <a:extLst>
-            <a:ext uri="{909E8E84-426E-40DD-AFC4-6F175D3DCCD1}">
-              <a14:hiddenFill xmlns:a14="http://schemas.microsoft.com/office/drawing/2010/main">
-                <a:solidFill>
-                  <a:srgbClr val="FFFFFF"/>
-                </a:solidFill>
-              </a14:hiddenFill>
-            </a:ext>
-            <a:ext uri="{91240B29-F687-4F45-9708-019B960494DF}">
-              <a14:hiddenLine xmlns:a14="http://schemas.microsoft.com/office/drawing/2010/main" w="12700">
-                <a:solidFill>
-                  <a:srgbClr val="000000"/>
-                </a:solidFill>
-                <a:miter lim="0"/>
-                <a:headEnd/>
-                <a:tailEnd/>
-              </a14:hiddenLine>
-            </a:ext>
-          </a:extLst>
-        </p:spPr>
-      </p:pic>
-    </p:spTree>
-  </p:cSld>
-  <p:clrMapOvr>
-    <a:masterClrMapping/>
-  </p:clrMapOvr>
-  <p:transition spd="med">
-    <p:fade/>
-  </p:transition>
-  <p:timing>
-    <p:tnLst>
-      <p:par>
-        <p:cTn id="1" dur="indefinite" restart="never" nodeType="tmRoot">
-          <p:childTnLst>
-            <p:seq concurrent="1" nextAc="seek">
-              <p:cTn id="2" dur="indefinite" nodeType="mainSeq">
-                <p:childTnLst>
-                  <p:par>
-                    <p:cTn id="3" fill="hold" nodeType="clickPar">
-                      <p:stCondLst>
-                        <p:cond delay="indefinite"/>
-                        <p:cond evt="onBegin" delay="0">
-                          <p:tn val="2"/>
-                        </p:cond>
-                      </p:stCondLst>
-                      <p:childTnLst>
-                        <p:par>
-                          <p:cTn id="4" fill="hold" nodeType="withGroup">
-                            <p:stCondLst>
-                              <p:cond delay="0"/>
-                            </p:stCondLst>
-                            <p:childTnLst>
-                              <p:par>
-                                <p:cTn id="5" presetID="0" presetClass="entr" presetSubtype="0" fill="hold" nodeType="afterEffect">
-                                  <p:stCondLst>
-                                    <p:cond delay="0"/>
-                                  </p:stCondLst>
-                                  <p:childTnLst>
-                                    <p:set>
-                                      <p:cBhvr>
-                                        <p:cTn id="6" dur="1" fill="hold">
-                                          <p:stCondLst>
-                                            <p:cond delay="499"/>
-                                          </p:stCondLst>
-                                        </p:cTn>
-                                        <p:tgtEl>
-                                          <p:spTgt spid="64514"/>
-                                        </p:tgtEl>
-                                        <p:attrNameLst>
-                                          <p:attrName>style.visibility</p:attrName>
-                                        </p:attrNameLst>
-                                      </p:cBhvr>
-                                      <p:to>
-                                        <p:strVal val="visible"/>
-                                      </p:to>
-                                    </p:set>
-                                  </p:childTnLst>
-                                </p:cTn>
-                              </p:par>
-                            </p:childTnLst>
-                          </p:cTn>
-                        </p:par>
-                      </p:childTnLst>
-                    </p:cTn>
-                  </p:par>
-                </p:childTnLst>
-              </p:cTn>
-              <p:prevCondLst>
-                <p:cond evt="onPrev" delay="0">
-                  <p:tgtEl>
-                    <p:sldTgt/>
-                  </p:tgtEl>
-                </p:cond>
-              </p:prevCondLst>
-              <p:nextCondLst>
-                <p:cond evt="onNext" delay="0">
-                  <p:tgtEl>
-                    <p:sldTgt/>
-                  </p:tgtEl>
-                </p:cond>
-              </p:nextCondLst>
-            </p:seq>
-          </p:childTnLst>
-        </p:cTn>
-      </p:par>
-    </p:tnLst>
-  </p:timing>
-</p:sld>
-</file>
-
-<file path=ppt/slides/slide33.xml><?xml version="1.0" encoding="utf-8"?>
-<p:sld xmlns:a="http://schemas.openxmlformats.org/drawingml/2006/main" xmlns:r="http://schemas.openxmlformats.org/officeDocument/2006/relationships" xmlns:p="http://schemas.openxmlformats.org/presentationml/2006/main">
-  <p:cSld>
-    <p:spTree>
-      <p:nvGrpSpPr>
-        <p:cNvPr id="1" name=""/>
-        <p:cNvGrpSpPr/>
-        <p:nvPr/>
-      </p:nvGrpSpPr>
-      <p:grpSpPr>
-        <a:xfrm>
-          <a:off x="0" y="0"/>
-          <a:ext cx="0" cy="0"/>
-          <a:chOff x="0" y="0"/>
-          <a:chExt cx="0" cy="0"/>
-        </a:xfrm>
-      </p:grpSpPr>
-      <p:sp>
-        <p:nvSpPr>
-          <p:cNvPr id="99330" name="Rectangle 1"/>
-          <p:cNvSpPr>
-            <a:spLocks noGrp="1" noChangeArrowheads="1"/>
-          </p:cNvSpPr>
-          <p:nvPr>
-            <p:ph type="title"/>
-          </p:nvPr>
-        </p:nvSpPr>
-        <p:spPr>
-          <a:xfrm>
-            <a:off x="0" y="0"/>
-            <a:ext cx="13003213" cy="9752013"/>
-          </a:xfrm>
-        </p:spPr>
-        <p:txBody>
-          <a:bodyPr lIns="635000" tIns="635000" rIns="635000" bIns="635000"/>
-          <a:lstStyle/>
-          <a:p>
-            <a:pPr algn="l" eaLnBrk="1"/>
-            <a:r>
-              <a:rPr lang="en-US" altLang="en-US" sz="5000">
-                <a:latin typeface="Courier" charset="0"/>
-                <a:sym typeface="Courier" charset="0"/>
-              </a:rPr>
-              <a:t>var greeting = ‘Howdy ‘;</a:t>
-            </a:r>
-            <a:br>
-              <a:rPr lang="en-US" altLang="en-US" sz="5000">
-                <a:latin typeface="Courier" charset="0"/>
-                <a:sym typeface="Courier" charset="0"/>
-              </a:rPr>
-            </a:br>
-            <a:r>
-              <a:rPr lang="en-US" altLang="en-US" sz="5000">
-                <a:latin typeface="Courier" charset="0"/>
-                <a:sym typeface="Courier" charset="0"/>
-              </a:rPr>
-              <a:t>var </a:t>
-            </a:r>
-            <a:r>
-              <a:rPr lang="en-US" altLang="en-US" sz="5000">
-                <a:solidFill>
-                  <a:srgbClr val="F2717A"/>
-                </a:solidFill>
-                <a:latin typeface="Courier" charset="0"/>
-                <a:sym typeface="Courier" charset="0"/>
-              </a:rPr>
-              <a:t>name</a:t>
-            </a:r>
-            <a:r>
-              <a:rPr lang="en-US" altLang="en-US" sz="5000">
-                <a:latin typeface="Courier" charset="0"/>
-                <a:sym typeface="Courier" charset="0"/>
-              </a:rPr>
-              <a:t> = ‘Molly’;</a:t>
-            </a:r>
-            <a:br>
-              <a:rPr lang="en-US" altLang="en-US" sz="5000">
-                <a:latin typeface="Courier" charset="0"/>
-                <a:sym typeface="Courier" charset="0"/>
-              </a:rPr>
-            </a:br>
-            <a:br>
-              <a:rPr lang="en-US" altLang="en-US" sz="5000">
-                <a:latin typeface="Courier" charset="0"/>
-                <a:sym typeface="Courier" charset="0"/>
-              </a:rPr>
-            </a:br>
-            <a:r>
-              <a:rPr lang="en-US" altLang="en-US" sz="5000">
-                <a:latin typeface="Courier" charset="0"/>
-                <a:sym typeface="Courier" charset="0"/>
-              </a:rPr>
-              <a:t>var message = greeting + </a:t>
-            </a:r>
-            <a:r>
-              <a:rPr lang="en-US" altLang="en-US" sz="5000">
-                <a:solidFill>
-                  <a:srgbClr val="F2717A"/>
-                </a:solidFill>
-                <a:latin typeface="Courier" charset="0"/>
-                <a:sym typeface="Courier" charset="0"/>
-              </a:rPr>
-              <a:t>name</a:t>
-            </a:r>
-            <a:r>
-              <a:rPr lang="en-US" altLang="en-US" sz="5000">
-                <a:latin typeface="Courier" charset="0"/>
-                <a:sym typeface="Courier" charset="0"/>
-              </a:rPr>
-              <a:t>;</a:t>
-            </a:r>
-          </a:p>
-        </p:txBody>
-      </p:sp>
-      <p:pic>
-        <p:nvPicPr>
-          <p:cNvPr id="65538" name="Picture 2" descr="next.png"/>
-          <p:cNvPicPr>
-            <a:picLocks noChangeAspect="1"/>
-          </p:cNvPicPr>
-          <p:nvPr/>
-        </p:nvPicPr>
-        <p:blipFill>
-          <a:blip r:embed="rId2">
-            <a:extLst>
-              <a:ext uri="{28A0092B-C50C-407E-A947-70E740481C1C}">
-                <a14:useLocalDpi xmlns:a14="http://schemas.microsoft.com/office/drawing/2010/main" val="0"/>
-              </a:ext>
-            </a:extLst>
-          </a:blip>
-          <a:srcRect/>
-          <a:stretch>
-            <a:fillRect/>
-          </a:stretch>
-        </p:blipFill>
-        <p:spPr bwMode="auto">
-          <a:xfrm>
-            <a:off x="12115800" y="8864600"/>
-            <a:ext cx="635000" cy="635000"/>
-          </a:xfrm>
-          <a:prstGeom prst="rect">
-            <a:avLst/>
-          </a:prstGeom>
-          <a:noFill/>
-          <a:ln>
-            <a:noFill/>
-          </a:ln>
-          <a:extLst>
-            <a:ext uri="{909E8E84-426E-40DD-AFC4-6F175D3DCCD1}">
-              <a14:hiddenFill xmlns:a14="http://schemas.microsoft.com/office/drawing/2010/main">
-                <a:solidFill>
-                  <a:srgbClr val="FFFFFF"/>
-                </a:solidFill>
-              </a14:hiddenFill>
-            </a:ext>
-            <a:ext uri="{91240B29-F687-4F45-9708-019B960494DF}">
-              <a14:hiddenLine xmlns:a14="http://schemas.microsoft.com/office/drawing/2010/main" w="12700">
-                <a:solidFill>
-                  <a:srgbClr val="000000"/>
-                </a:solidFill>
-                <a:miter lim="0"/>
-                <a:headEnd/>
-                <a:tailEnd/>
-              </a14:hiddenLine>
-            </a:ext>
-          </a:extLst>
-        </p:spPr>
-      </p:pic>
-    </p:spTree>
-  </p:cSld>
-  <p:clrMapOvr>
-    <a:masterClrMapping/>
-  </p:clrMapOvr>
-  <p:transition spd="med">
-    <p:fade/>
-  </p:transition>
-  <p:timing>
-    <p:tnLst>
-      <p:par>
-        <p:cTn id="1" dur="indefinite" restart="never" nodeType="tmRoot">
-          <p:childTnLst>
-            <p:seq concurrent="1" nextAc="seek">
-              <p:cTn id="2" dur="indefinite" nodeType="mainSeq">
-                <p:childTnLst>
-                  <p:par>
-                    <p:cTn id="3" fill="hold" nodeType="clickPar">
-                      <p:stCondLst>
-                        <p:cond delay="indefinite"/>
-                        <p:cond evt="onBegin" delay="0">
-                          <p:tn val="2"/>
-                        </p:cond>
-                      </p:stCondLst>
-                      <p:childTnLst>
-                        <p:par>
-                          <p:cTn id="4" fill="hold" nodeType="withGroup">
-                            <p:stCondLst>
-                              <p:cond delay="0"/>
-                            </p:stCondLst>
-                            <p:childTnLst>
-                              <p:par>
-                                <p:cTn id="5" presetID="0" presetClass="entr" presetSubtype="0" fill="hold" nodeType="afterEffect">
-                                  <p:stCondLst>
-                                    <p:cond delay="0"/>
-                                  </p:stCondLst>
-                                  <p:childTnLst>
-                                    <p:set>
-                                      <p:cBhvr>
-                                        <p:cTn id="6" dur="1" fill="hold">
-                                          <p:stCondLst>
-                                            <p:cond delay="499"/>
-                                          </p:stCondLst>
-                                        </p:cTn>
-                                        <p:tgtEl>
-                                          <p:spTgt spid="65538"/>
-                                        </p:tgtEl>
-                                        <p:attrNameLst>
-                                          <p:attrName>style.visibility</p:attrName>
-                                        </p:attrNameLst>
-                                      </p:cBhvr>
-                                      <p:to>
-                                        <p:strVal val="visible"/>
-                                      </p:to>
-                                    </p:set>
-                                  </p:childTnLst>
-                                </p:cTn>
-                              </p:par>
-                            </p:childTnLst>
-                          </p:cTn>
-                        </p:par>
-                      </p:childTnLst>
-                    </p:cTn>
-                  </p:par>
-                </p:childTnLst>
-              </p:cTn>
-              <p:prevCondLst>
-                <p:cond evt="onPrev" delay="0">
-                  <p:tgtEl>
-                    <p:sldTgt/>
-                  </p:tgtEl>
-                </p:cond>
-              </p:prevCondLst>
-              <p:nextCondLst>
-                <p:cond evt="onNext" delay="0">
-                  <p:tgtEl>
-                    <p:sldTgt/>
-                  </p:tgtEl>
-                </p:cond>
-              </p:nextCondLst>
-            </p:seq>
-          </p:childTnLst>
-        </p:cTn>
-      </p:par>
-    </p:tnLst>
-  </p:timing>
-</p:sld>
-</file>
-
-<file path=ppt/slides/slide34.xml><?xml version="1.0" encoding="utf-8"?>
-<p:sld xmlns:a="http://schemas.openxmlformats.org/drawingml/2006/main" xmlns:r="http://schemas.openxmlformats.org/officeDocument/2006/relationships" xmlns:p="http://schemas.openxmlformats.org/presentationml/2006/main">
-  <p:cSld>
-    <p:spTree>
-      <p:nvGrpSpPr>
-        <p:cNvPr id="1" name=""/>
-        <p:cNvGrpSpPr/>
-        <p:nvPr/>
-      </p:nvGrpSpPr>
-      <p:grpSpPr>
-        <a:xfrm>
-          <a:off x="0" y="0"/>
-          <a:ext cx="0" cy="0"/>
-          <a:chOff x="0" y="0"/>
-          <a:chExt cx="0" cy="0"/>
-        </a:xfrm>
-      </p:grpSpPr>
-      <p:sp>
-        <p:nvSpPr>
-          <p:cNvPr id="100354" name="Rectangle 1"/>
-          <p:cNvSpPr>
-            <a:spLocks noGrp="1" noChangeArrowheads="1"/>
-          </p:cNvSpPr>
-          <p:nvPr>
-            <p:ph type="title"/>
-          </p:nvPr>
-        </p:nvSpPr>
-        <p:spPr>
-          <a:xfrm>
-            <a:off x="0" y="0"/>
-            <a:ext cx="13003213" cy="9752013"/>
-          </a:xfrm>
-        </p:spPr>
-        <p:txBody>
-          <a:bodyPr lIns="635000" tIns="635000" rIns="635000" bIns="635000"/>
-          <a:lstStyle/>
-          <a:p>
-            <a:pPr algn="l" eaLnBrk="1"/>
-            <a:r>
-              <a:rPr lang="en-US" altLang="en-US" sz="5000">
-                <a:latin typeface="Courier" charset="0"/>
-                <a:sym typeface="Courier" charset="0"/>
-              </a:rPr>
-              <a:t>var greeting = ‘Howdy ‘;</a:t>
-            </a:r>
-            <a:br>
-              <a:rPr lang="en-US" altLang="en-US" sz="5000">
-                <a:latin typeface="Courier" charset="0"/>
-                <a:sym typeface="Courier" charset="0"/>
-              </a:rPr>
-            </a:br>
-            <a:r>
-              <a:rPr lang="en-US" altLang="en-US" sz="5000">
-                <a:latin typeface="Courier" charset="0"/>
-                <a:sym typeface="Courier" charset="0"/>
-              </a:rPr>
-              <a:t>var name = ‘Molly’;</a:t>
-            </a:r>
-            <a:br>
-              <a:rPr lang="en-US" altLang="en-US" sz="5000">
-                <a:latin typeface="Courier" charset="0"/>
-                <a:sym typeface="Courier" charset="0"/>
-              </a:rPr>
-            </a:br>
-            <a:br>
-              <a:rPr lang="en-US" altLang="en-US" sz="5000">
-                <a:latin typeface="Courier" charset="0"/>
-                <a:sym typeface="Courier" charset="0"/>
-              </a:rPr>
-            </a:br>
-            <a:r>
-              <a:rPr lang="en-US" altLang="en-US" sz="5000">
-                <a:latin typeface="Courier" charset="0"/>
-                <a:sym typeface="Courier" charset="0"/>
-              </a:rPr>
-              <a:t>var </a:t>
-            </a:r>
-            <a:r>
-              <a:rPr lang="en-US" altLang="en-US" sz="5000">
-                <a:solidFill>
-                  <a:srgbClr val="F2717A"/>
-                </a:solidFill>
-                <a:latin typeface="Courier" charset="0"/>
-                <a:sym typeface="Courier" charset="0"/>
-              </a:rPr>
-              <a:t>message</a:t>
-            </a:r>
-            <a:r>
-              <a:rPr lang="en-US" altLang="en-US" sz="5000">
-                <a:latin typeface="Courier" charset="0"/>
-                <a:sym typeface="Courier" charset="0"/>
-              </a:rPr>
-              <a:t> = greeting </a:t>
-            </a:r>
-            <a:r>
-              <a:rPr lang="en-US" altLang="en-US" sz="5000">
-                <a:solidFill>
-                  <a:srgbClr val="F2717A"/>
-                </a:solidFill>
-                <a:latin typeface="Courier" charset="0"/>
-                <a:sym typeface="Courier" charset="0"/>
-              </a:rPr>
-              <a:t>+</a:t>
-            </a:r>
-            <a:r>
-              <a:rPr lang="en-US" altLang="en-US" sz="5000">
-                <a:latin typeface="Courier" charset="0"/>
-                <a:sym typeface="Courier" charset="0"/>
-              </a:rPr>
-              <a:t> name;</a:t>
-            </a:r>
-          </a:p>
-        </p:txBody>
-      </p:sp>
-      <p:pic>
-        <p:nvPicPr>
-          <p:cNvPr id="66562" name="Picture 2" descr="next.png"/>
-          <p:cNvPicPr>
-            <a:picLocks noChangeAspect="1"/>
-          </p:cNvPicPr>
-          <p:nvPr/>
-        </p:nvPicPr>
-        <p:blipFill>
-          <a:blip r:embed="rId2">
-            <a:extLst>
-              <a:ext uri="{28A0092B-C50C-407E-A947-70E740481C1C}">
-                <a14:useLocalDpi xmlns:a14="http://schemas.microsoft.com/office/drawing/2010/main" val="0"/>
-              </a:ext>
-            </a:extLst>
-          </a:blip>
-          <a:srcRect/>
-          <a:stretch>
-            <a:fillRect/>
-          </a:stretch>
-        </p:blipFill>
-        <p:spPr bwMode="auto">
-          <a:xfrm>
-            <a:off x="12115800" y="8864600"/>
-            <a:ext cx="635000" cy="635000"/>
-          </a:xfrm>
-          <a:prstGeom prst="rect">
-            <a:avLst/>
-          </a:prstGeom>
-          <a:noFill/>
-          <a:ln>
-            <a:noFill/>
-          </a:ln>
-          <a:extLst>
-            <a:ext uri="{909E8E84-426E-40DD-AFC4-6F175D3DCCD1}">
-              <a14:hiddenFill xmlns:a14="http://schemas.microsoft.com/office/drawing/2010/main">
-                <a:solidFill>
-                  <a:srgbClr val="FFFFFF"/>
-                </a:solidFill>
-              </a14:hiddenFill>
-            </a:ext>
-            <a:ext uri="{91240B29-F687-4F45-9708-019B960494DF}">
-              <a14:hiddenLine xmlns:a14="http://schemas.microsoft.com/office/drawing/2010/main" w="12700">
-                <a:solidFill>
-                  <a:srgbClr val="000000"/>
-                </a:solidFill>
-                <a:miter lim="0"/>
-                <a:headEnd/>
-                <a:tailEnd/>
-              </a14:hiddenLine>
-            </a:ext>
-          </a:extLst>
-        </p:spPr>
-      </p:pic>
-    </p:spTree>
-  </p:cSld>
-  <p:clrMapOvr>
-    <a:masterClrMapping/>
-  </p:clrMapOvr>
-  <p:transition spd="med">
-    <p:fade/>
-  </p:transition>
-  <p:timing>
-    <p:tnLst>
-      <p:par>
-        <p:cTn id="1" dur="indefinite" restart="never" nodeType="tmRoot">
-          <p:childTnLst>
-            <p:seq concurrent="1" nextAc="seek">
-              <p:cTn id="2" dur="indefinite" nodeType="mainSeq">
-                <p:childTnLst>
-                  <p:par>
-                    <p:cTn id="3" fill="hold" nodeType="clickPar">
-                      <p:stCondLst>
-                        <p:cond delay="indefinite"/>
-                        <p:cond evt="onBegin" delay="0">
-                          <p:tn val="2"/>
-                        </p:cond>
-                      </p:stCondLst>
-                      <p:childTnLst>
-                        <p:par>
-                          <p:cTn id="4" fill="hold" nodeType="withGroup">
-                            <p:stCondLst>
-                              <p:cond delay="0"/>
-                            </p:stCondLst>
-                            <p:childTnLst>
-                              <p:par>
-                                <p:cTn id="5" presetID="0" presetClass="entr" presetSubtype="0" fill="hold" nodeType="afterEffect">
-                                  <p:stCondLst>
-                                    <p:cond delay="0"/>
-                                  </p:stCondLst>
-                                  <p:childTnLst>
-                                    <p:set>
-                                      <p:cBhvr>
-                                        <p:cTn id="6" dur="1" fill="hold">
-                                          <p:stCondLst>
-                                            <p:cond delay="499"/>
-                                          </p:stCondLst>
-                                        </p:cTn>
-                                        <p:tgtEl>
-                                          <p:spTgt spid="66562"/>
-                                        </p:tgtEl>
-                                        <p:attrNameLst>
-                                          <p:attrName>style.visibility</p:attrName>
-                                        </p:attrNameLst>
-                                      </p:cBhvr>
-                                      <p:to>
-                                        <p:strVal val="visible"/>
-                                      </p:to>
-                                    </p:set>
-                                  </p:childTnLst>
-                                </p:cTn>
-                              </p:par>
-                            </p:childTnLst>
-                          </p:cTn>
-                        </p:par>
-                      </p:childTnLst>
-                    </p:cTn>
-                  </p:par>
-                </p:childTnLst>
-              </p:cTn>
-              <p:prevCondLst>
-                <p:cond evt="onPrev" delay="0">
-                  <p:tgtEl>
-                    <p:sldTgt/>
-                  </p:tgtEl>
-                </p:cond>
-              </p:prevCondLst>
-              <p:nextCondLst>
-                <p:cond evt="onNext" delay="0">
-                  <p:tgtEl>
-                    <p:sldTgt/>
-                  </p:tgtEl>
-                </p:cond>
-              </p:nextCondLst>
-            </p:seq>
-          </p:childTnLst>
-        </p:cTn>
-      </p:par>
-    </p:tnLst>
-  </p:timing>
-</p:sld>
-</file>
-
-<file path=ppt/slides/slide35.xml><?xml version="1.0" encoding="utf-8"?>
-<p:sld xmlns:a="http://schemas.openxmlformats.org/drawingml/2006/main" xmlns:r="http://schemas.openxmlformats.org/officeDocument/2006/relationships" xmlns:p="http://schemas.openxmlformats.org/presentationml/2006/main">
-  <p:cSld>
-    <p:spTree>
-      <p:nvGrpSpPr>
-        <p:cNvPr id="1" name=""/>
-        <p:cNvGrpSpPr/>
-        <p:nvPr/>
-      </p:nvGrpSpPr>
-      <p:grpSpPr>
-        <a:xfrm>
-          <a:off x="0" y="0"/>
-          <a:ext cx="0" cy="0"/>
-          <a:chOff x="0" y="0"/>
-          <a:chExt cx="0" cy="0"/>
-        </a:xfrm>
-      </p:grpSpPr>
-      <p:pic>
-        <p:nvPicPr>
-          <p:cNvPr id="67585" name="Picture 1" descr="next.png"/>
-          <p:cNvPicPr>
-            <a:picLocks noChangeAspect="1"/>
-          </p:cNvPicPr>
-          <p:nvPr/>
-        </p:nvPicPr>
-        <p:blipFill>
-          <a:blip r:embed="rId2">
-            <a:extLst>
-              <a:ext uri="{28A0092B-C50C-407E-A947-70E740481C1C}">
-                <a14:useLocalDpi xmlns:a14="http://schemas.microsoft.com/office/drawing/2010/main" val="0"/>
-              </a:ext>
-            </a:extLst>
-          </a:blip>
-          <a:srcRect/>
-          <a:stretch>
-            <a:fillRect/>
-          </a:stretch>
-        </p:blipFill>
-        <p:spPr bwMode="auto">
-          <a:xfrm>
-            <a:off x="12115800" y="8864600"/>
-            <a:ext cx="635000" cy="635000"/>
-          </a:xfrm>
-          <a:prstGeom prst="rect">
-            <a:avLst/>
-          </a:prstGeom>
-          <a:noFill/>
-          <a:ln>
-            <a:noFill/>
-          </a:ln>
-          <a:extLst>
-            <a:ext uri="{909E8E84-426E-40DD-AFC4-6F175D3DCCD1}">
-              <a14:hiddenFill xmlns:a14="http://schemas.microsoft.com/office/drawing/2010/main">
-                <a:solidFill>
-                  <a:srgbClr val="FFFFFF"/>
-                </a:solidFill>
-              </a14:hiddenFill>
-            </a:ext>
-            <a:ext uri="{91240B29-F687-4F45-9708-019B960494DF}">
-              <a14:hiddenLine xmlns:a14="http://schemas.microsoft.com/office/drawing/2010/main" w="12700">
-                <a:solidFill>
-                  <a:srgbClr val="000000"/>
-                </a:solidFill>
-                <a:miter lim="0"/>
-                <a:headEnd/>
-                <a:tailEnd/>
-              </a14:hiddenLine>
-            </a:ext>
-          </a:extLst>
-        </p:spPr>
-      </p:pic>
-      <p:sp>
-        <p:nvSpPr>
-          <p:cNvPr id="101379" name="Rectangle 2"/>
-          <p:cNvSpPr>
-            <a:spLocks noGrp="1" noChangeArrowheads="1"/>
-          </p:cNvSpPr>
-          <p:nvPr>
-            <p:ph type="title"/>
-          </p:nvPr>
-        </p:nvSpPr>
-        <p:spPr>
-          <a:xfrm>
-            <a:off x="2057400" y="1701800"/>
-            <a:ext cx="8890000" cy="6350000"/>
-          </a:xfrm>
-          <a:solidFill>
-            <a:srgbClr val="FFFFFF"/>
-          </a:solidFill>
-        </p:spPr>
-        <p:txBody>
-          <a:bodyPr lIns="635000" tIns="635000" rIns="635000" bIns="635000"/>
-          <a:lstStyle/>
-          <a:p>
-            <a:pPr eaLnBrk="1"/>
-            <a:r>
-              <a:rPr lang="en-US" altLang="en-US">
-                <a:solidFill>
-                  <a:srgbClr val="32302E"/>
-                </a:solidFill>
-                <a:latin typeface="Helvetica" panose="020B0604020202020204" pitchFamily="34" charset="0"/>
-                <a:cs typeface="Helvetica" panose="020B0604020202020204" pitchFamily="34" charset="0"/>
-                <a:sym typeface="Helvetica" panose="020B0604020202020204" pitchFamily="34" charset="0"/>
-              </a:rPr>
-              <a:t>Howdy Molly</a:t>
-            </a:r>
-            <a:endParaRPr lang="en-US" altLang="en-US" sz="1800">
-              <a:solidFill>
-                <a:srgbClr val="000000"/>
-              </a:solidFill>
-              <a:latin typeface="Helvetica" panose="020B0604020202020204" pitchFamily="34" charset="0"/>
-              <a:cs typeface="Helvetica" panose="020B0604020202020204" pitchFamily="34" charset="0"/>
-              <a:sym typeface="Helvetica" panose="020B0604020202020204" pitchFamily="34" charset="0"/>
-            </a:endParaRPr>
-          </a:p>
-        </p:txBody>
-      </p:sp>
-    </p:spTree>
-  </p:cSld>
-  <p:clrMapOvr>
-    <a:masterClrMapping/>
-  </p:clrMapOvr>
-  <p:transition spd="med">
-    <p:fade/>
-  </p:transition>
-  <p:timing>
-    <p:tnLst>
-      <p:par>
-        <p:cTn id="1" dur="indefinite" restart="never" nodeType="tmRoot">
-          <p:childTnLst>
-            <p:seq concurrent="1" nextAc="seek">
-              <p:cTn id="2" dur="indefinite" nodeType="mainSeq">
-                <p:childTnLst>
-                  <p:par>
-                    <p:cTn id="3" fill="hold" nodeType="clickPar">
-                      <p:stCondLst>
-                        <p:cond delay="indefinite"/>
-                        <p:cond evt="onBegin" delay="0">
-                          <p:tn val="2"/>
-                        </p:cond>
-                      </p:stCondLst>
-                      <p:childTnLst>
-                        <p:par>
-                          <p:cTn id="4" fill="hold" nodeType="withGroup">
-                            <p:stCondLst>
-                              <p:cond delay="0"/>
-                            </p:stCondLst>
-                            <p:childTnLst>
-                              <p:par>
-                                <p:cTn id="5" presetID="0" presetClass="entr" presetSubtype="0" fill="hold" nodeType="afterEffect">
-                                  <p:stCondLst>
-                                    <p:cond delay="0"/>
-                                  </p:stCondLst>
-                                  <p:childTnLst>
-                                    <p:set>
-                                      <p:cBhvr>
-                                        <p:cTn id="6" dur="1" fill="hold">
-                                          <p:stCondLst>
-                                            <p:cond delay="499"/>
-                                          </p:stCondLst>
-                                        </p:cTn>
-                                        <p:tgtEl>
-                                          <p:spTgt spid="67585"/>
-                                        </p:tgtEl>
-                                        <p:attrNameLst>
-                                          <p:attrName>style.visibility</p:attrName>
-                                        </p:attrNameLst>
-                                      </p:cBhvr>
-                                      <p:to>
-                                        <p:strVal val="visible"/>
-                                      </p:to>
-                                    </p:set>
-                                  </p:childTnLst>
-                                </p:cTn>
-                              </p:par>
-                            </p:childTnLst>
-                          </p:cTn>
-                        </p:par>
-                      </p:childTnLst>
-                    </p:cTn>
-                  </p:par>
-                </p:childTnLst>
-              </p:cTn>
-              <p:prevCondLst>
-                <p:cond evt="onPrev" delay="0">
-                  <p:tgtEl>
-                    <p:sldTgt/>
-                  </p:tgtEl>
-                </p:cond>
-              </p:prevCondLst>
-              <p:nextCondLst>
-                <p:cond evt="onNext" delay="0">
-                  <p:tgtEl>
-                    <p:sldTgt/>
-                  </p:tgtEl>
-                </p:cond>
-              </p:nextCondLst>
-            </p:seq>
-          </p:childTnLst>
-        </p:cTn>
-      </p:par>
-    </p:tnLst>
-  </p:timing>
-</p:sld>
-</file>
-
-<file path=ppt/slides/slide36.xml><?xml version="1.0" encoding="utf-8"?>
-<p:sld xmlns:a="http://schemas.openxmlformats.org/drawingml/2006/main" xmlns:r="http://schemas.openxmlformats.org/officeDocument/2006/relationships" xmlns:p="http://schemas.openxmlformats.org/presentationml/2006/main">
-  <p:cSld>
-    <p:spTree>
-      <p:nvGrpSpPr>
-        <p:cNvPr id="1" name=""/>
-        <p:cNvGrpSpPr/>
-        <p:nvPr/>
-      </p:nvGrpSpPr>
-      <p:grpSpPr>
-        <a:xfrm>
-          <a:off x="0" y="0"/>
-          <a:ext cx="0" cy="0"/>
-          <a:chOff x="0" y="0"/>
-          <a:chExt cx="0" cy="0"/>
-        </a:xfrm>
-      </p:grpSpPr>
-      <p:pic>
-        <p:nvPicPr>
-          <p:cNvPr id="68609" name="Picture 1" descr="diamond-hollow.png"/>
-          <p:cNvPicPr>
-            <a:picLocks noChangeAspect="1"/>
-          </p:cNvPicPr>
-          <p:nvPr/>
-        </p:nvPicPr>
-        <p:blipFill>
-          <a:blip r:embed="rId2">
-            <a:extLst>
-              <a:ext uri="{28A0092B-C50C-407E-A947-70E740481C1C}">
-                <a14:useLocalDpi xmlns:a14="http://schemas.microsoft.com/office/drawing/2010/main" val="0"/>
-              </a:ext>
-            </a:extLst>
-          </a:blip>
-          <a:srcRect/>
-          <a:stretch>
-            <a:fillRect/>
-          </a:stretch>
-        </p:blipFill>
-        <p:spPr bwMode="auto">
-          <a:xfrm>
-            <a:off x="2622550" y="996950"/>
-            <a:ext cx="7759700" cy="7759700"/>
-          </a:xfrm>
-          <a:prstGeom prst="rect">
-            <a:avLst/>
-          </a:prstGeom>
-          <a:noFill/>
-          <a:ln>
-            <a:noFill/>
-          </a:ln>
-          <a:extLst>
-            <a:ext uri="{909E8E84-426E-40DD-AFC4-6F175D3DCCD1}">
-              <a14:hiddenFill xmlns:a14="http://schemas.microsoft.com/office/drawing/2010/main">
-                <a:solidFill>
-                  <a:srgbClr val="FFFFFF"/>
-                </a:solidFill>
-              </a14:hiddenFill>
-            </a:ext>
-            <a:ext uri="{91240B29-F687-4F45-9708-019B960494DF}">
-              <a14:hiddenLine xmlns:a14="http://schemas.microsoft.com/office/drawing/2010/main" w="12700">
-                <a:solidFill>
-                  <a:srgbClr val="000000"/>
-                </a:solidFill>
-                <a:miter lim="0"/>
-                <a:headEnd/>
-                <a:tailEnd/>
-              </a14:hiddenLine>
-            </a:ext>
-          </a:extLst>
-        </p:spPr>
-      </p:pic>
-    </p:spTree>
-  </p:cSld>
-  <p:clrMapOvr>
-    <a:masterClrMapping/>
-  </p:clrMapOvr>
-  <p:transition spd="med" advClick="0" advTm="0">
-    <p:fade/>
-  </p:transition>
-  <p:timing>
-    <p:tnLst>
-      <p:par>
-        <p:cTn id="1" dur="indefinite" restart="never" nodeType="tmRoot">
-          <p:childTnLst>
-            <p:seq concurrent="1" nextAc="seek">
-              <p:cTn id="2" dur="indefinite" nodeType="mainSeq">
-                <p:childTnLst>
-                  <p:par>
-                    <p:cTn id="3" fill="hold" nodeType="clickPar">
-                      <p:stCondLst>
-                        <p:cond delay="indefinite"/>
-                        <p:cond evt="onBegin" delay="0">
-                          <p:tn val="2"/>
-                        </p:cond>
-                      </p:stCondLst>
-                      <p:childTnLst>
-                        <p:par>
-                          <p:cTn id="4" fill="hold" nodeType="withGroup">
-                            <p:stCondLst>
-                              <p:cond delay="0"/>
-                            </p:stCondLst>
-                            <p:childTnLst>
-                              <p:par>
-                                <p:cTn id="5" presetID="17" presetClass="entr" presetSubtype="8" fill="hold" nodeType="afterEffect">
-                                  <p:stCondLst>
-                                    <p:cond delay="0"/>
-                                  </p:stCondLst>
-                                  <p:childTnLst>
-                                    <p:set>
-                                      <p:cBhvr>
-                                        <p:cTn id="6" dur="1" fill="hold">
-                                          <p:stCondLst>
-                                            <p:cond delay="0"/>
-                                          </p:stCondLst>
-                                        </p:cTn>
-                                        <p:tgtEl>
-                                          <p:spTgt spid="68609"/>
-                                        </p:tgtEl>
-                                        <p:attrNameLst>
-                                          <p:attrName>style.visibility</p:attrName>
-                                        </p:attrNameLst>
-                                      </p:cBhvr>
-                                      <p:to>
-                                        <p:strVal val="visible"/>
-                                      </p:to>
-                                    </p:set>
-                                    <p:anim calcmode="lin" valueType="num">
-                                      <p:cBhvr>
-                                        <p:cTn id="7" dur="500" fill="hold"/>
-                                        <p:tgtEl>
-                                          <p:spTgt spid="68609"/>
-                                        </p:tgtEl>
-                                        <p:attrNameLst>
-                                          <p:attrName>ppt_x</p:attrName>
-                                        </p:attrNameLst>
-                                      </p:cBhvr>
-                                      <p:tavLst>
-                                        <p:tav tm="0">
-                                          <p:val>
-                                            <p:strVal val="#ppt_x-#ppt_w/2"/>
-                                          </p:val>
-                                        </p:tav>
-                                        <p:tav tm="100000">
-                                          <p:val>
-                                            <p:strVal val="#ppt_x"/>
-                                          </p:val>
-                                        </p:tav>
-                                      </p:tavLst>
-                                    </p:anim>
-                                    <p:anim calcmode="lin" valueType="num">
-                                      <p:cBhvr>
-                                        <p:cTn id="8" dur="500" fill="hold"/>
-                                        <p:tgtEl>
-                                          <p:spTgt spid="68609"/>
-                                        </p:tgtEl>
-                                        <p:attrNameLst>
-                                          <p:attrName>ppt_y</p:attrName>
-                                        </p:attrNameLst>
-                                      </p:cBhvr>
-                                      <p:tavLst>
-                                        <p:tav tm="0">
-                                          <p:val>
-                                            <p:strVal val="#ppt_y"/>
-                                          </p:val>
-                                        </p:tav>
-                                        <p:tav tm="100000">
-                                          <p:val>
-                                            <p:strVal val="#ppt_y"/>
-                                          </p:val>
-                                        </p:tav>
-                                      </p:tavLst>
-                                    </p:anim>
-                                    <p:anim calcmode="lin" valueType="num">
-                                      <p:cBhvr>
-                                        <p:cTn id="9" dur="500" fill="hold"/>
-                                        <p:tgtEl>
-                                          <p:spTgt spid="68609"/>
-                                        </p:tgtEl>
-                                        <p:attrNameLst>
-                                          <p:attrName>ppt_w</p:attrName>
-                                        </p:attrNameLst>
-                                      </p:cBhvr>
-                                      <p:tavLst>
-                                        <p:tav tm="0">
-                                          <p:val>
-                                            <p:fltVal val="0"/>
-                                          </p:val>
-                                        </p:tav>
-                                        <p:tav tm="100000">
-                                          <p:val>
-                                            <p:strVal val="#ppt_w"/>
-                                          </p:val>
-                                        </p:tav>
-                                      </p:tavLst>
-                                    </p:anim>
-                                    <p:anim calcmode="lin" valueType="num">
-                                      <p:cBhvr>
-                                        <p:cTn id="10" dur="500" fill="hold"/>
-                                        <p:tgtEl>
-                                          <p:spTgt spid="68609"/>
-                                        </p:tgtEl>
-                                        <p:attrNameLst>
-                                          <p:attrName>ppt_h</p:attrName>
-                                        </p:attrNameLst>
-                                      </p:cBhvr>
-                                      <p:tavLst>
-                                        <p:tav tm="0">
-                                          <p:val>
-                                            <p:strVal val="#ppt_h"/>
-                                          </p:val>
-                                        </p:tav>
-                                        <p:tav tm="100000">
-                                          <p:val>
-                                            <p:strVal val="#ppt_h"/>
-                                          </p:val>
-                                        </p:tav>
-                                      </p:tavLst>
-                                    </p:anim>
-                                  </p:childTnLst>
-                                </p:cTn>
-                              </p:par>
-                            </p:childTnLst>
-                          </p:cTn>
-                        </p:par>
-                      </p:childTnLst>
-                    </p:cTn>
-                  </p:par>
-                </p:childTnLst>
-              </p:cTn>
-              <p:prevCondLst>
-                <p:cond evt="onPrev" delay="0">
-                  <p:tgtEl>
-                    <p:sldTgt/>
-                  </p:tgtEl>
-                </p:cond>
-              </p:prevCondLst>
-              <p:nextCondLst>
-                <p:cond evt="onNext" delay="0">
-                  <p:tgtEl>
-                    <p:sldTgt/>
-                  </p:tgtEl>
-                </p:cond>
-              </p:nextCondLst>
-            </p:seq>
-          </p:childTnLst>
-        </p:cTn>
-      </p:par>
-    </p:tnLst>
-  </p:timing>
 </p:sld>
 </file>
 
@@ -16433,7 +9251,6 @@
               <a:rPr lang="en-US" altLang="en-US"/>
               <a:t>DATA TYPES</a:t>
             </a:r>
-            <a:endParaRPr lang="en-US" altLang="en-US"/>
           </a:p>
         </p:txBody>
       </p:sp>
@@ -16482,13 +9299,8 @@
             <a:pPr lvl="1"/>
             <a:r>
               <a:rPr lang="en-US" dirty="0"/>
-              <a:t>‘Hi Ivy!’ – </a:t>
-            </a:r>
-            <a:r>
-              <a:rPr lang="en-US" dirty="0"/>
-              <a:t>Enclosed in Quotes which can be single or double Quotes, but must match</a:t>
-            </a:r>
-            <a:endParaRPr lang="en-US" dirty="0"/>
+              <a:t>‘Hi Ivy!’ – Enclosed in Quotes which can be single or double Quotes, but must match</a:t>
+            </a:r>
           </a:p>
           <a:p>
             <a:pPr marL="514350" indent="-514350">
@@ -16776,7 +9588,79 @@
           <a:bodyPr/>
           <a:lstStyle/>
           <a:p>
-            <a:endParaRPr lang="en-US"/>
+            <a:r>
+              <a:rPr lang="en-US" dirty="0"/>
+              <a:t>There is just one string operator: the + symbol.  It is used to join strings on either side of it.</a:t>
+            </a:r>
+          </a:p>
+          <a:p>
+            <a:pPr marL="390138" lvl="1" indent="0">
+              <a:buNone/>
+            </a:pPr>
+            <a:r>
+              <a:rPr lang="en-US" altLang="en-US" sz="2400" dirty="0" err="1">
+                <a:latin typeface="Courier" charset="0"/>
+                <a:sym typeface="Courier" charset="0"/>
+              </a:rPr>
+              <a:t>var</a:t>
+            </a:r>
+            <a:r>
+              <a:rPr lang="en-US" altLang="en-US" sz="2400" dirty="0">
+                <a:latin typeface="Courier" charset="0"/>
+                <a:sym typeface="Courier" charset="0"/>
+              </a:rPr>
+              <a:t> greeting = ‘Howdy ‘;</a:t>
+            </a:r>
+            <a:br>
+              <a:rPr lang="en-US" altLang="en-US" sz="2400" dirty="0">
+                <a:latin typeface="Courier" charset="0"/>
+                <a:sym typeface="Courier" charset="0"/>
+              </a:rPr>
+            </a:br>
+            <a:r>
+              <a:rPr lang="en-US" altLang="en-US" sz="2400" dirty="0" err="1">
+                <a:latin typeface="Courier" charset="0"/>
+                <a:sym typeface="Courier" charset="0"/>
+              </a:rPr>
+              <a:t>var</a:t>
+            </a:r>
+            <a:r>
+              <a:rPr lang="en-US" altLang="en-US" sz="2400" dirty="0">
+                <a:latin typeface="Courier" charset="0"/>
+                <a:sym typeface="Courier" charset="0"/>
+              </a:rPr>
+              <a:t> name = ‘Molly’;</a:t>
+            </a:r>
+            <a:br>
+              <a:rPr lang="en-US" altLang="en-US" sz="2400" dirty="0">
+                <a:latin typeface="Courier" charset="0"/>
+                <a:sym typeface="Courier" charset="0"/>
+              </a:rPr>
+            </a:br>
+            <a:br>
+              <a:rPr lang="en-US" altLang="en-US" sz="2400" dirty="0">
+                <a:latin typeface="Courier" charset="0"/>
+                <a:sym typeface="Courier" charset="0"/>
+              </a:rPr>
+            </a:br>
+            <a:r>
+              <a:rPr lang="en-US" altLang="en-US" sz="2400" dirty="0" err="1">
+                <a:latin typeface="Courier" charset="0"/>
+                <a:sym typeface="Courier" charset="0"/>
+              </a:rPr>
+              <a:t>var</a:t>
+            </a:r>
+            <a:r>
+              <a:rPr lang="en-US" altLang="en-US" sz="2400" dirty="0">
+                <a:latin typeface="Courier" charset="0"/>
+                <a:sym typeface="Courier" charset="0"/>
+              </a:rPr>
+              <a:t> message = greeting + name;</a:t>
+            </a:r>
+            <a:endParaRPr lang="en-US" sz="2400" dirty="0"/>
+          </a:p>
+          <a:p>
+            <a:endParaRPr lang="en-US" dirty="0"/>
           </a:p>
         </p:txBody>
       </p:sp>
@@ -16825,16 +9709,60 @@
           <a:bodyPr/>
           <a:lstStyle/>
           <a:p>
-            <a:pPr eaLnBrk="1"/>
             <a:r>
               <a:rPr lang="en-US" altLang="en-US"/>
               <a:t>ARRAYS</a:t>
             </a:r>
-            <a:endParaRPr lang="en-US" altLang="en-US" sz="1800">
-              <a:solidFill>
-                <a:srgbClr val="000000"/>
-              </a:solidFill>
-            </a:endParaRPr>
+          </a:p>
+        </p:txBody>
+      </p:sp>
+      <p:sp>
+        <p:nvSpPr>
+          <p:cNvPr id="3" name="Content Placeholder 2"/>
+          <p:cNvSpPr>
+            <a:spLocks noGrp="1"/>
+          </p:cNvSpPr>
+          <p:nvPr>
+            <p:ph idx="1"/>
+          </p:nvPr>
+        </p:nvSpPr>
+        <p:spPr/>
+        <p:txBody>
+          <a:bodyPr/>
+          <a:lstStyle/>
+          <a:p>
+            <a:r>
+              <a:rPr lang="en-US" dirty="0"/>
+              <a:t>An array is a special type of variable. It doesn’t just store one value; it stores a list of values.</a:t>
+            </a:r>
+          </a:p>
+          <a:p>
+            <a:pPr lvl="1"/>
+            <a:r>
+              <a:rPr lang="en-US" altLang="en-US" sz="2400" dirty="0">
+                <a:latin typeface="Courier" charset="0"/>
+                <a:sym typeface="Courier" charset="0"/>
+              </a:rPr>
+              <a:t>colors = [‘</a:t>
+            </a:r>
+            <a:r>
+              <a:rPr lang="en-US" altLang="en-US" sz="2400" dirty="0" err="1">
+                <a:latin typeface="Courier" charset="0"/>
+                <a:sym typeface="Courier" charset="0"/>
+              </a:rPr>
+              <a:t>pink’,‘yellow’,‘green</a:t>
+            </a:r>
+            <a:r>
+              <a:rPr lang="en-US" altLang="en-US" sz="2400" dirty="0">
+                <a:latin typeface="Courier" charset="0"/>
+                <a:sym typeface="Courier" charset="0"/>
+              </a:rPr>
+              <a:t>’];</a:t>
+            </a:r>
+            <a:endParaRPr lang="en-US" sz="2400" dirty="0"/>
+          </a:p>
+          <a:p>
+            <a:endParaRPr lang="en-US" dirty="0"/>
           </a:p>
         </p:txBody>
       </p:sp>
@@ -16922,7 +9850,7 @@
       </p:grpSpPr>
       <p:sp>
         <p:nvSpPr>
-          <p:cNvPr id="74754" name="Rectangle 1"/>
+          <p:cNvPr id="83970" name="Rectangle 1"/>
           <p:cNvSpPr>
             <a:spLocks noGrp="1" noChangeArrowheads="1"/>
           </p:cNvSpPr>
@@ -16930,44 +9858,105 @@
             <p:ph type="title"/>
           </p:nvPr>
         </p:nvSpPr>
-        <p:spPr>
-          <a:xfrm>
-            <a:off x="0" y="0"/>
-            <a:ext cx="13004800" cy="9752013"/>
-          </a:xfrm>
-        </p:spPr>
-        <p:txBody>
-          <a:bodyPr lIns="1270000" tIns="1270000" rIns="1270000" bIns="1270000"/>
+        <p:spPr/>
+        <p:txBody>
+          <a:bodyPr/>
           <a:lstStyle/>
           <a:p>
-            <a:pPr algn="l" eaLnBrk="1"/>
-            <a:r>
-              <a:rPr lang="en-US" altLang="en-US" sz="6000"/>
-              <a:t>An </a:t>
-            </a:r>
-            <a:r>
-              <a:rPr lang="en-US" altLang="en-US" sz="6000" b="1">
-                <a:latin typeface="Helvetica" panose="020B0604020202020204" pitchFamily="34" charset="0"/>
-                <a:cs typeface="Helvetica" panose="020B0604020202020204" pitchFamily="34" charset="0"/>
-                <a:sym typeface="Helvetica" panose="020B0604020202020204" pitchFamily="34" charset="0"/>
+            <a:r>
+              <a:rPr lang="en-US" altLang="en-US"/>
+              <a:t>ARITHMETIC OPERATORS</a:t>
+            </a:r>
+          </a:p>
+        </p:txBody>
+      </p:sp>
+      <p:sp>
+        <p:nvSpPr>
+          <p:cNvPr id="3" name="Content Placeholder 2"/>
+          <p:cNvSpPr>
+            <a:spLocks noGrp="1"/>
+          </p:cNvSpPr>
+          <p:nvPr>
+            <p:ph idx="1"/>
+          </p:nvPr>
+        </p:nvSpPr>
+        <p:spPr/>
+        <p:txBody>
+          <a:bodyPr/>
+          <a:lstStyle/>
+          <a:p>
+            <a:r>
+              <a:rPr lang="en-US" dirty="0"/>
+              <a:t>JavaScript uses mathematics to get some tasks done.</a:t>
+            </a:r>
+          </a:p>
+          <a:p>
+            <a:pPr marL="390138" lvl="1" indent="0">
+              <a:buNone/>
+            </a:pPr>
+            <a:r>
+              <a:rPr lang="en-US" altLang="en-US" sz="2400" dirty="0" err="1">
+                <a:latin typeface="Courier" charset="0"/>
+                <a:sym typeface="Courier" charset="0"/>
               </a:rPr>
-              <a:t>array</a:t>
-            </a:r>
-            <a:r>
-              <a:rPr lang="en-US" altLang="en-US" sz="6000"/>
-              <a:t> is a special type of variable. It doesn’t just store one value; it stores a list of values.</a:t>
-            </a:r>
-            <a:endParaRPr lang="en-US" altLang="en-US" sz="1800">
-              <a:solidFill>
-                <a:srgbClr val="000000"/>
-              </a:solidFill>
-            </a:endParaRPr>
+              <a:t>var</a:t>
+            </a:r>
+            <a:r>
+              <a:rPr lang="en-US" altLang="en-US" sz="2400" dirty="0">
+                <a:latin typeface="Courier" charset="0"/>
+                <a:sym typeface="Courier" charset="0"/>
+              </a:rPr>
+              <a:t> width = 3;</a:t>
+            </a:r>
+            <a:br>
+              <a:rPr lang="en-US" altLang="en-US" sz="2400" dirty="0">
+                <a:latin typeface="Courier" charset="0"/>
+                <a:sym typeface="Courier" charset="0"/>
+              </a:rPr>
+            </a:br>
+            <a:r>
+              <a:rPr lang="en-US" altLang="en-US" sz="2400" dirty="0" err="1">
+                <a:latin typeface="Courier" charset="0"/>
+                <a:sym typeface="Courier" charset="0"/>
+              </a:rPr>
+              <a:t>var</a:t>
+            </a:r>
+            <a:r>
+              <a:rPr lang="en-US" altLang="en-US" sz="2400" dirty="0">
+                <a:latin typeface="Courier" charset="0"/>
+                <a:sym typeface="Courier" charset="0"/>
+              </a:rPr>
+              <a:t> height = 2;</a:t>
+            </a:r>
+            <a:br>
+              <a:rPr lang="en-US" altLang="en-US" sz="2400" dirty="0">
+                <a:latin typeface="Courier" charset="0"/>
+                <a:sym typeface="Courier" charset="0"/>
+              </a:rPr>
+            </a:br>
+            <a:br>
+              <a:rPr lang="en-US" altLang="en-US" sz="2400" dirty="0">
+                <a:latin typeface="Courier" charset="0"/>
+                <a:sym typeface="Courier" charset="0"/>
+              </a:rPr>
+            </a:br>
+            <a:r>
+              <a:rPr lang="en-US" altLang="en-US" sz="2400" dirty="0">
+                <a:latin typeface="Courier" charset="0"/>
+                <a:sym typeface="Courier" charset="0"/>
+              </a:rPr>
+              <a:t>area = width * height;</a:t>
+            </a:r>
+            <a:endParaRPr lang="en-US" sz="2400" dirty="0"/>
+          </a:p>
+          <a:p>
+            <a:endParaRPr lang="en-US" dirty="0"/>
           </a:p>
         </p:txBody>
       </p:sp>
       <p:pic>
         <p:nvPicPr>
-          <p:cNvPr id="40962" name="Picture 2" descr="next.png"/>
+          <p:cNvPr id="83971" name="Picture 2" descr="next.png"/>
           <p:cNvPicPr>
             <a:picLocks noChangeAspect="1"/>
           </p:cNvPicPr>
@@ -16988,7 +9977,7 @@
         </p:blipFill>
         <p:spPr bwMode="auto">
           <a:xfrm>
-            <a:off x="12115800" y="8864600"/>
+            <a:off x="12103100" y="8864600"/>
             <a:ext cx="635000" cy="635000"/>
           </a:xfrm>
           <a:prstGeom prst="rect">
@@ -17024,87 +10013,9 @@
   <p:clrMapOvr>
     <a:masterClrMapping/>
   </p:clrMapOvr>
-  <p:transition spd="slow">
-    <p:push/>
+  <p:transition spd="med">
+    <p:fade/>
   </p:transition>
-  <p:timing>
-    <p:tnLst>
-      <p:par>
-        <p:cTn id="1" dur="indefinite" restart="never" nodeType="tmRoot">
-          <p:childTnLst>
-            <p:seq concurrent="1" nextAc="seek">
-              <p:cTn id="2" dur="indefinite" nodeType="mainSeq">
-                <p:childTnLst>
-                  <p:par>
-                    <p:cTn id="3" fill="hold" nodeType="clickPar">
-                      <p:stCondLst>
-                        <p:cond delay="indefinite"/>
-                        <p:cond evt="onBegin" delay="0">
-                          <p:tn val="2"/>
-                        </p:cond>
-                      </p:stCondLst>
-                      <p:childTnLst>
-                        <p:par>
-                          <p:cTn id="4" fill="hold" nodeType="withGroup">
-                            <p:stCondLst>
-                              <p:cond delay="0"/>
-                            </p:stCondLst>
-                            <p:childTnLst>
-                              <p:par>
-                                <p:cTn id="5" presetID="0" presetClass="entr" presetSubtype="0" fill="hold" nodeType="afterEffect">
-                                  <p:stCondLst>
-                                    <p:cond delay="0"/>
-                                  </p:stCondLst>
-                                  <p:childTnLst>
-                                    <p:set>
-                                      <p:cBhvr>
-                                        <p:cTn id="6" dur="1" fill="hold">
-                                          <p:stCondLst>
-                                            <p:cond delay="499"/>
-                                          </p:stCondLst>
-                                        </p:cTn>
-                                        <p:tgtEl>
-                                          <p:spTgt spid="40962"/>
-                                        </p:tgtEl>
-                                        <p:attrNameLst>
-                                          <p:attrName>style.visibility</p:attrName>
-                                        </p:attrNameLst>
-                                      </p:cBhvr>
-                                      <p:to>
-                                        <p:strVal val="visible"/>
-                                      </p:to>
-                                    </p:set>
-                                  </p:childTnLst>
-                                </p:cTn>
-                              </p:par>
-                            </p:childTnLst>
-                          </p:cTn>
-                        </p:par>
-                      </p:childTnLst>
-                    </p:cTn>
-                  </p:par>
-                </p:childTnLst>
-              </p:cTn>
-              <p:prevCondLst>
-                <p:cond evt="onPrev" delay="0">
-                  <p:tgtEl>
-                    <p:sldTgt/>
-                  </p:tgtEl>
-                </p:cond>
-              </p:prevCondLst>
-              <p:nextCondLst>
-                <p:cond evt="onNext" delay="0">
-                  <p:tgtEl>
-                    <p:sldTgt/>
-                  </p:tgtEl>
-                </p:cond>
-              </p:nextCondLst>
-            </p:seq>
-          </p:childTnLst>
-        </p:cTn>
-      </p:par>
-    </p:tnLst>
-  </p:timing>
 </p:sld>
 </file>
 
